--- a/zhou_yb/about/PPT/第3章 框架结构.pptx
+++ b/zhou_yb/about/PPT/第3章 框架结构.pptx
@@ -8,12 +8,16 @@
     <p:sldId id="256" r:id="rId2"/>
     <p:sldId id="258" r:id="rId3"/>
     <p:sldId id="259" r:id="rId4"/>
-    <p:sldId id="261" r:id="rId5"/>
+    <p:sldId id="269" r:id="rId5"/>
     <p:sldId id="260" r:id="rId6"/>
-    <p:sldId id="262" r:id="rId7"/>
-    <p:sldId id="263" r:id="rId8"/>
-    <p:sldId id="264" r:id="rId9"/>
-    <p:sldId id="257" r:id="rId10"/>
+    <p:sldId id="261" r:id="rId7"/>
+    <p:sldId id="266" r:id="rId8"/>
+    <p:sldId id="267" r:id="rId9"/>
+    <p:sldId id="268" r:id="rId10"/>
+    <p:sldId id="262" r:id="rId11"/>
+    <p:sldId id="263" r:id="rId12"/>
+    <p:sldId id="264" r:id="rId13"/>
+    <p:sldId id="257" r:id="rId14"/>
   </p:sldIdLst>
   <p:sldSz cx="12192000" cy="6858000"/>
   <p:notesSz cx="6858000" cy="9144000"/>
@@ -842,7 +846,7 @@
           <a:p>
             <a:fld id="{DF78909C-8605-4A92-809D-EF18B866E39A}" type="datetimeFigureOut">
               <a:rPr lang="zh-CN" altLang="en-US" smtClean="0"/>
-              <a:t>2016/7/8</a:t>
+              <a:t>2016/7/9</a:t>
             </a:fld>
             <a:endParaRPr lang="zh-CN" altLang="en-US"/>
           </a:p>
@@ -1093,7 +1097,7 @@
           <a:p>
             <a:fld id="{DF78909C-8605-4A92-809D-EF18B866E39A}" type="datetimeFigureOut">
               <a:rPr lang="zh-CN" altLang="en-US" smtClean="0"/>
-              <a:t>2016/7/8</a:t>
+              <a:t>2016/7/9</a:t>
             </a:fld>
             <a:endParaRPr lang="zh-CN" altLang="en-US"/>
           </a:p>
@@ -1407,7 +1411,7 @@
           <a:p>
             <a:fld id="{DF78909C-8605-4A92-809D-EF18B866E39A}" type="datetimeFigureOut">
               <a:rPr lang="zh-CN" altLang="en-US" smtClean="0"/>
-              <a:t>2016/7/8</a:t>
+              <a:t>2016/7/9</a:t>
             </a:fld>
             <a:endParaRPr lang="zh-CN" altLang="en-US"/>
           </a:p>
@@ -1748,7 +1752,7 @@
           <a:p>
             <a:fld id="{DF78909C-8605-4A92-809D-EF18B866E39A}" type="datetimeFigureOut">
               <a:rPr lang="zh-CN" altLang="en-US" smtClean="0"/>
-              <a:t>2016/7/8</a:t>
+              <a:t>2016/7/9</a:t>
             </a:fld>
             <a:endParaRPr lang="zh-CN" altLang="en-US"/>
           </a:p>
@@ -2062,7 +2066,7 @@
           <a:p>
             <a:fld id="{DF78909C-8605-4A92-809D-EF18B866E39A}" type="datetimeFigureOut">
               <a:rPr lang="zh-CN" altLang="en-US" smtClean="0"/>
-              <a:t>2016/7/8</a:t>
+              <a:t>2016/7/9</a:t>
             </a:fld>
             <a:endParaRPr lang="zh-CN" altLang="en-US"/>
           </a:p>
@@ -2455,7 +2459,7 @@
           <a:p>
             <a:fld id="{DF78909C-8605-4A92-809D-EF18B866E39A}" type="datetimeFigureOut">
               <a:rPr lang="zh-CN" altLang="en-US" smtClean="0"/>
-              <a:t>2016/7/8</a:t>
+              <a:t>2016/7/9</a:t>
             </a:fld>
             <a:endParaRPr lang="zh-CN" altLang="en-US"/>
           </a:p>
@@ -2625,7 +2629,7 @@
           <a:p>
             <a:fld id="{DF78909C-8605-4A92-809D-EF18B866E39A}" type="datetimeFigureOut">
               <a:rPr lang="zh-CN" altLang="en-US" smtClean="0"/>
-              <a:t>2016/7/8</a:t>
+              <a:t>2016/7/9</a:t>
             </a:fld>
             <a:endParaRPr lang="zh-CN" altLang="en-US"/>
           </a:p>
@@ -2805,7 +2809,7 @@
           <a:p>
             <a:fld id="{DF78909C-8605-4A92-809D-EF18B866E39A}" type="datetimeFigureOut">
               <a:rPr lang="zh-CN" altLang="en-US" smtClean="0"/>
-              <a:t>2016/7/8</a:t>
+              <a:t>2016/7/9</a:t>
             </a:fld>
             <a:endParaRPr lang="zh-CN" altLang="en-US"/>
           </a:p>
@@ -2981,7 +2985,7 @@
           <a:p>
             <a:fld id="{DF78909C-8605-4A92-809D-EF18B866E39A}" type="datetimeFigureOut">
               <a:rPr lang="zh-CN" altLang="en-US" smtClean="0"/>
-              <a:t>2016/7/8</a:t>
+              <a:t>2016/7/9</a:t>
             </a:fld>
             <a:endParaRPr lang="zh-CN" altLang="en-US"/>
           </a:p>
@@ -3228,7 +3232,7 @@
           <a:p>
             <a:fld id="{DF78909C-8605-4A92-809D-EF18B866E39A}" type="datetimeFigureOut">
               <a:rPr lang="zh-CN" altLang="en-US" smtClean="0"/>
-              <a:t>2016/7/8</a:t>
+              <a:t>2016/7/9</a:t>
             </a:fld>
             <a:endParaRPr lang="zh-CN" altLang="en-US"/>
           </a:p>
@@ -3460,7 +3464,7 @@
           <a:p>
             <a:fld id="{DF78909C-8605-4A92-809D-EF18B866E39A}" type="datetimeFigureOut">
               <a:rPr lang="zh-CN" altLang="en-US" smtClean="0"/>
-              <a:t>2016/7/8</a:t>
+              <a:t>2016/7/9</a:t>
             </a:fld>
             <a:endParaRPr lang="zh-CN" altLang="en-US"/>
           </a:p>
@@ -3834,7 +3838,7 @@
           <a:p>
             <a:fld id="{DF78909C-8605-4A92-809D-EF18B866E39A}" type="datetimeFigureOut">
               <a:rPr lang="zh-CN" altLang="en-US" smtClean="0"/>
-              <a:t>2016/7/8</a:t>
+              <a:t>2016/7/9</a:t>
             </a:fld>
             <a:endParaRPr lang="zh-CN" altLang="en-US"/>
           </a:p>
@@ -3957,7 +3961,7 @@
           <a:p>
             <a:fld id="{DF78909C-8605-4A92-809D-EF18B866E39A}" type="datetimeFigureOut">
               <a:rPr lang="zh-CN" altLang="en-US" smtClean="0"/>
-              <a:t>2016/7/8</a:t>
+              <a:t>2016/7/9</a:t>
             </a:fld>
             <a:endParaRPr lang="zh-CN" altLang="en-US"/>
           </a:p>
@@ -4052,7 +4056,7 @@
           <a:p>
             <a:fld id="{DF78909C-8605-4A92-809D-EF18B866E39A}" type="datetimeFigureOut">
               <a:rPr lang="zh-CN" altLang="en-US" smtClean="0"/>
-              <a:t>2016/7/8</a:t>
+              <a:t>2016/7/9</a:t>
             </a:fld>
             <a:endParaRPr lang="zh-CN" altLang="en-US"/>
           </a:p>
@@ -4307,7 +4311,7 @@
           <a:p>
             <a:fld id="{DF78909C-8605-4A92-809D-EF18B866E39A}" type="datetimeFigureOut">
               <a:rPr lang="zh-CN" altLang="en-US" smtClean="0"/>
-              <a:t>2016/7/8</a:t>
+              <a:t>2016/7/9</a:t>
             </a:fld>
             <a:endParaRPr lang="zh-CN" altLang="en-US"/>
           </a:p>
@@ -4570,7 +4574,7 @@
           <a:p>
             <a:fld id="{DF78909C-8605-4A92-809D-EF18B866E39A}" type="datetimeFigureOut">
               <a:rPr lang="zh-CN" altLang="en-US" smtClean="0"/>
-              <a:t>2016/7/8</a:t>
+              <a:t>2016/7/9</a:t>
             </a:fld>
             <a:endParaRPr lang="zh-CN" altLang="en-US"/>
           </a:p>
@@ -5313,7 +5317,7 @@
           <a:p>
             <a:fld id="{DF78909C-8605-4A92-809D-EF18B866E39A}" type="datetimeFigureOut">
               <a:rPr lang="zh-CN" altLang="en-US" smtClean="0"/>
-              <a:t>2016/7/8</a:t>
+              <a:t>2016/7/9</a:t>
             </a:fld>
             <a:endParaRPr lang="zh-CN" altLang="en-US"/>
           </a:p>
@@ -5897,943 +5901,7 @@
 </p:sld>
 </file>
 
-<file path=ppt/slides/slide2.xml><?xml version="1.0" encoding="utf-8"?>
-<p:sld xmlns:a="http://schemas.openxmlformats.org/drawingml/2006/main" xmlns:r="http://schemas.openxmlformats.org/officeDocument/2006/relationships" xmlns:p="http://schemas.openxmlformats.org/presentationml/2006/main">
-  <p:cSld>
-    <p:spTree>
-      <p:nvGrpSpPr>
-        <p:cNvPr id="1" name=""/>
-        <p:cNvGrpSpPr/>
-        <p:nvPr/>
-      </p:nvGrpSpPr>
-      <p:grpSpPr>
-        <a:xfrm>
-          <a:off x="0" y="0"/>
-          <a:ext cx="0" cy="0"/>
-          <a:chOff x="0" y="0"/>
-          <a:chExt cx="0" cy="0"/>
-        </a:xfrm>
-      </p:grpSpPr>
-      <p:sp>
-        <p:nvSpPr>
-          <p:cNvPr id="2" name="标题 1"/>
-          <p:cNvSpPr>
-            <a:spLocks noGrp="1"/>
-          </p:cNvSpPr>
-          <p:nvPr>
-            <p:ph type="title"/>
-          </p:nvPr>
-        </p:nvSpPr>
-        <p:spPr/>
-        <p:txBody>
-          <a:bodyPr>
-            <a:normAutofit fontScale="90000"/>
-          </a:bodyPr>
-          <a:lstStyle/>
-          <a:p>
-            <a:r>
-              <a:rPr lang="zh-CN" altLang="en-US" dirty="0" smtClean="0"/>
-              <a:t>题记</a:t>
-            </a:r>
-            <a:r>
-              <a:rPr lang="en-US" altLang="zh-CN" dirty="0" smtClean="0"/>
-              <a:t>:</a:t>
-            </a:r>
-            <a:br>
-              <a:rPr lang="en-US" altLang="zh-CN" dirty="0" smtClean="0"/>
-            </a:br>
-            <a:r>
-              <a:rPr lang="en-US" altLang="zh-CN" dirty="0"/>
-              <a:t>	</a:t>
-            </a:r>
-            <a:r>
-              <a:rPr lang="zh-CN" altLang="en-US" sz="2000" dirty="0">
-                <a:solidFill>
-                  <a:srgbClr val="00B050"/>
-                </a:solidFill>
-              </a:rPr>
-              <a:t>语言仅仅是一个工具</a:t>
-            </a:r>
-            <a:r>
-              <a:rPr lang="en-US" altLang="zh-CN" sz="2000" dirty="0">
-                <a:solidFill>
-                  <a:srgbClr val="00B050"/>
-                </a:solidFill>
-              </a:rPr>
-              <a:t>,</a:t>
-            </a:r>
-            <a:r>
-              <a:rPr lang="zh-CN" altLang="en-US" sz="2000" dirty="0">
-                <a:solidFill>
-                  <a:srgbClr val="00B050"/>
-                </a:solidFill>
-              </a:rPr>
-              <a:t>合理</a:t>
-            </a:r>
-            <a:r>
-              <a:rPr lang="zh-CN" altLang="en-US" sz="2000" dirty="0" smtClean="0">
-                <a:solidFill>
-                  <a:srgbClr val="00B050"/>
-                </a:solidFill>
-              </a:rPr>
-              <a:t>利用</a:t>
-            </a:r>
-            <a:r>
-              <a:rPr lang="zh-CN" altLang="en-US" sz="2000" dirty="0">
-                <a:solidFill>
-                  <a:srgbClr val="00B050"/>
-                </a:solidFill>
-              </a:rPr>
-              <a:t>好每种语言的优点</a:t>
-            </a:r>
-            <a:r>
-              <a:rPr lang="en-US" altLang="zh-CN" sz="2000" dirty="0">
-                <a:solidFill>
-                  <a:srgbClr val="00B050"/>
-                </a:solidFill>
-              </a:rPr>
-              <a:t>,</a:t>
-            </a:r>
-            <a:r>
-              <a:rPr lang="zh-CN" altLang="en-US" sz="2000" dirty="0">
-                <a:solidFill>
-                  <a:srgbClr val="00B050"/>
-                </a:solidFill>
-              </a:rPr>
-              <a:t>使用不同的语言来相互弥补缺点</a:t>
-            </a:r>
-            <a:r>
-              <a:rPr lang="en-US" altLang="zh-CN" sz="2000" dirty="0">
-                <a:solidFill>
-                  <a:srgbClr val="00B050"/>
-                </a:solidFill>
-              </a:rPr>
-              <a:t>.</a:t>
-            </a:r>
-            <a:endParaRPr lang="zh-CN" altLang="en-US" sz="2000" dirty="0"/>
-          </a:p>
-        </p:txBody>
-      </p:sp>
-      <p:sp>
-        <p:nvSpPr>
-          <p:cNvPr id="3" name="内容占位符 2"/>
-          <p:cNvSpPr>
-            <a:spLocks noGrp="1"/>
-          </p:cNvSpPr>
-          <p:nvPr>
-            <p:ph idx="1"/>
-          </p:nvPr>
-        </p:nvSpPr>
-        <p:spPr/>
-        <p:txBody>
-          <a:bodyPr/>
-          <a:lstStyle/>
-          <a:p>
-            <a:r>
-              <a:rPr lang="zh-CN" altLang="en-US" dirty="0" smtClean="0"/>
-              <a:t>语言的多样化</a:t>
-            </a:r>
-            <a:endParaRPr lang="en-US" altLang="zh-CN" dirty="0" smtClean="0"/>
-          </a:p>
-          <a:p>
-            <a:pPr marL="0" indent="0">
-              <a:buNone/>
-            </a:pPr>
-            <a:r>
-              <a:rPr lang="en-US" altLang="zh-CN" dirty="0"/>
-              <a:t>	</a:t>
-            </a:r>
-            <a:r>
-              <a:rPr lang="zh-CN" altLang="en-US" dirty="0" smtClean="0"/>
-              <a:t>编译型语言</a:t>
-            </a:r>
-            <a:r>
-              <a:rPr lang="en-US" altLang="zh-CN" dirty="0" smtClean="0"/>
-              <a:t>: C,C++,</a:t>
-            </a:r>
-            <a:r>
-              <a:rPr lang="en-US" altLang="zh-CN" dirty="0" err="1" smtClean="0"/>
-              <a:t>C#,Delphi</a:t>
-            </a:r>
-            <a:r>
-              <a:rPr lang="en-US" altLang="zh-CN" dirty="0" smtClean="0"/>
-              <a:t>,</a:t>
-            </a:r>
-            <a:r>
-              <a:rPr lang="en-US" altLang="zh-CN" dirty="0"/>
-              <a:t> </a:t>
-            </a:r>
-            <a:r>
-              <a:rPr lang="en-US" altLang="zh-CN" dirty="0" err="1" smtClean="0"/>
-              <a:t>Pascal,Object</a:t>
-            </a:r>
-            <a:r>
-              <a:rPr lang="en-US" altLang="zh-CN" dirty="0" smtClean="0"/>
-              <a:t>-C</a:t>
-            </a:r>
-          </a:p>
-          <a:p>
-            <a:pPr marL="0" indent="0">
-              <a:buNone/>
-            </a:pPr>
-            <a:r>
-              <a:rPr lang="en-US" altLang="zh-CN" dirty="0" smtClean="0"/>
-              <a:t>	</a:t>
-            </a:r>
-            <a:r>
-              <a:rPr lang="zh-CN" altLang="en-US" dirty="0" smtClean="0"/>
-              <a:t>解释型语言</a:t>
-            </a:r>
-            <a:r>
-              <a:rPr lang="en-US" altLang="zh-CN" dirty="0" smtClean="0"/>
-              <a:t>: Java, JavaScript, VBScript, Perl, Python, Ruby, MATLAB</a:t>
-            </a:r>
-          </a:p>
-          <a:p>
-            <a:r>
-              <a:rPr lang="zh-CN" altLang="en-US" dirty="0" smtClean="0"/>
-              <a:t>没有</a:t>
-            </a:r>
-            <a:r>
-              <a:rPr lang="zh-CN" altLang="en-US" dirty="0"/>
-              <a:t>任何语言是完善的</a:t>
-            </a:r>
-            <a:endParaRPr lang="en-US" altLang="zh-CN" dirty="0"/>
-          </a:p>
-          <a:p>
-            <a:pPr marL="0" indent="0">
-              <a:buNone/>
-            </a:pPr>
-            <a:r>
-              <a:rPr lang="en-US" altLang="zh-CN" dirty="0"/>
-              <a:t>	</a:t>
-            </a:r>
-            <a:r>
-              <a:rPr lang="zh-CN" altLang="en-US" dirty="0"/>
-              <a:t>任何语言都是在不同的需求下被创造出来的</a:t>
-            </a:r>
-            <a:r>
-              <a:rPr lang="en-US" altLang="zh-CN" dirty="0"/>
-              <a:t>,</a:t>
-            </a:r>
-            <a:r>
-              <a:rPr lang="zh-CN" altLang="en-US" dirty="0"/>
-              <a:t>每个语言都有自己的优缺点</a:t>
-            </a:r>
-            <a:r>
-              <a:rPr lang="en-US" altLang="zh-CN" dirty="0"/>
-              <a:t>,</a:t>
-            </a:r>
-            <a:r>
-              <a:rPr lang="zh-CN" altLang="en-US" dirty="0"/>
-              <a:t>毕竟语言所创立的需求环境不一样</a:t>
-            </a:r>
-            <a:r>
-              <a:rPr lang="en-US" altLang="zh-CN" dirty="0"/>
-              <a:t>,</a:t>
-            </a:r>
-            <a:r>
-              <a:rPr lang="zh-CN" altLang="en-US" dirty="0"/>
-              <a:t>需要解决的问题不一样</a:t>
-            </a:r>
-            <a:r>
-              <a:rPr lang="en-US" altLang="zh-CN" dirty="0"/>
-              <a:t>,</a:t>
-            </a:r>
-            <a:r>
-              <a:rPr lang="zh-CN" altLang="en-US" dirty="0"/>
-              <a:t>缺点在所难免</a:t>
-            </a:r>
-            <a:r>
-              <a:rPr lang="en-US" altLang="zh-CN" dirty="0" smtClean="0"/>
-              <a:t>.</a:t>
-            </a:r>
-            <a:endParaRPr lang="en-US" altLang="zh-CN" dirty="0">
-              <a:solidFill>
-                <a:srgbClr val="00B050"/>
-              </a:solidFill>
-            </a:endParaRPr>
-          </a:p>
-          <a:p>
-            <a:r>
-              <a:rPr lang="zh-CN" altLang="en-US" dirty="0" smtClean="0"/>
-              <a:t>应用类型的多元化</a:t>
-            </a:r>
-            <a:endParaRPr lang="en-US" altLang="zh-CN" dirty="0" smtClean="0"/>
-          </a:p>
-          <a:p>
-            <a:pPr marL="0" indent="0">
-              <a:buNone/>
-            </a:pPr>
-            <a:r>
-              <a:rPr lang="en-US" altLang="zh-CN" dirty="0"/>
-              <a:t>	</a:t>
-            </a:r>
-            <a:r>
-              <a:rPr lang="zh-CN" altLang="en-US" dirty="0" smtClean="0"/>
-              <a:t>目前的应用基本上都是多种开发语言的组合</a:t>
-            </a:r>
-            <a:r>
-              <a:rPr lang="en-US" altLang="zh-CN" dirty="0" smtClean="0"/>
-              <a:t>,</a:t>
-            </a:r>
-            <a:r>
-              <a:rPr lang="zh-CN" altLang="en-US" dirty="0" smtClean="0"/>
-              <a:t>趋势所在</a:t>
-            </a:r>
-            <a:endParaRPr lang="en-US" altLang="zh-CN" dirty="0"/>
-          </a:p>
-          <a:p>
-            <a:endParaRPr lang="en-US" altLang="zh-CN" dirty="0" smtClean="0"/>
-          </a:p>
-        </p:txBody>
-      </p:sp>
-    </p:spTree>
-    <p:extLst>
-      <p:ext uri="{BB962C8B-B14F-4D97-AF65-F5344CB8AC3E}">
-        <p14:creationId xmlns:p14="http://schemas.microsoft.com/office/powerpoint/2010/main" val="4153283040"/>
-      </p:ext>
-    </p:extLst>
-  </p:cSld>
-  <p:clrMapOvr>
-    <a:masterClrMapping/>
-  </p:clrMapOvr>
-</p:sld>
-</file>
-
-<file path=ppt/slides/slide3.xml><?xml version="1.0" encoding="utf-8"?>
-<p:sld xmlns:a="http://schemas.openxmlformats.org/drawingml/2006/main" xmlns:r="http://schemas.openxmlformats.org/officeDocument/2006/relationships" xmlns:p="http://schemas.openxmlformats.org/presentationml/2006/main">
-  <p:cSld>
-    <p:spTree>
-      <p:nvGrpSpPr>
-        <p:cNvPr id="1" name=""/>
-        <p:cNvGrpSpPr/>
-        <p:nvPr/>
-      </p:nvGrpSpPr>
-      <p:grpSpPr>
-        <a:xfrm>
-          <a:off x="0" y="0"/>
-          <a:ext cx="0" cy="0"/>
-          <a:chOff x="0" y="0"/>
-          <a:chExt cx="0" cy="0"/>
-        </a:xfrm>
-      </p:grpSpPr>
-      <p:sp>
-        <p:nvSpPr>
-          <p:cNvPr id="2" name="标题 1"/>
-          <p:cNvSpPr>
-            <a:spLocks noGrp="1"/>
-          </p:cNvSpPr>
-          <p:nvPr>
-            <p:ph type="title"/>
-          </p:nvPr>
-        </p:nvSpPr>
-        <p:spPr/>
-        <p:txBody>
-          <a:bodyPr/>
-          <a:lstStyle/>
-          <a:p>
-            <a:r>
-              <a:rPr lang="zh-CN" altLang="en-US" dirty="0" smtClean="0"/>
-              <a:t>使用</a:t>
-            </a:r>
-            <a:r>
-              <a:rPr lang="en-US" altLang="zh-CN" dirty="0" smtClean="0"/>
-              <a:t>C++:</a:t>
-            </a:r>
-            <a:endParaRPr lang="zh-CN" altLang="en-US" dirty="0"/>
-          </a:p>
-        </p:txBody>
-      </p:sp>
-      <p:sp>
-        <p:nvSpPr>
-          <p:cNvPr id="3" name="内容占位符 2"/>
-          <p:cNvSpPr>
-            <a:spLocks noGrp="1"/>
-          </p:cNvSpPr>
-          <p:nvPr>
-            <p:ph idx="1"/>
-          </p:nvPr>
-        </p:nvSpPr>
-        <p:spPr/>
-        <p:txBody>
-          <a:bodyPr>
-            <a:normAutofit/>
-          </a:bodyPr>
-          <a:lstStyle/>
-          <a:p>
-            <a:r>
-              <a:rPr lang="zh-CN" altLang="en-US" dirty="0" smtClean="0"/>
-              <a:t>单线程</a:t>
-            </a:r>
-            <a:endParaRPr lang="en-US" altLang="zh-CN" dirty="0" smtClean="0"/>
-          </a:p>
-          <a:p>
-            <a:pPr marL="0" indent="0">
-              <a:buNone/>
-            </a:pPr>
-            <a:r>
-              <a:rPr lang="en-US" altLang="zh-CN" dirty="0"/>
-              <a:t>	</a:t>
-            </a:r>
-            <a:r>
-              <a:rPr lang="zh-CN" altLang="en-US" dirty="0"/>
-              <a:t>就驱动而言</a:t>
-            </a:r>
-            <a:r>
-              <a:rPr lang="en-US" altLang="zh-CN" dirty="0"/>
-              <a:t>,</a:t>
-            </a:r>
-            <a:r>
-              <a:rPr lang="zh-CN" altLang="en-US" dirty="0"/>
-              <a:t>驱动针对的是外设</a:t>
-            </a:r>
-            <a:r>
-              <a:rPr lang="en-US" altLang="zh-CN" dirty="0"/>
-              <a:t>,</a:t>
-            </a:r>
-            <a:r>
-              <a:rPr lang="zh-CN" altLang="en-US" dirty="0"/>
-              <a:t>同一个外设在物理上是独占的</a:t>
-            </a:r>
-            <a:r>
-              <a:rPr lang="en-US" altLang="zh-CN" dirty="0"/>
-              <a:t>,</a:t>
-            </a:r>
-            <a:r>
-              <a:rPr lang="zh-CN" altLang="en-US" dirty="0"/>
-              <a:t>所以库中只考虑单线程的模式</a:t>
-            </a:r>
-            <a:r>
-              <a:rPr lang="en-US" altLang="zh-CN" dirty="0"/>
-              <a:t>,</a:t>
-            </a:r>
-            <a:r>
-              <a:rPr lang="zh-CN" altLang="en-US" dirty="0"/>
-              <a:t>一对一的方式根据时分复用的原则访问设备</a:t>
-            </a:r>
-            <a:r>
-              <a:rPr lang="en-US" altLang="zh-CN" dirty="0"/>
-              <a:t>;</a:t>
-            </a:r>
-            <a:r>
-              <a:rPr lang="zh-CN" altLang="en-US" dirty="0"/>
-              <a:t>对于需要使用多线程访问的情况上层单独根据需要做处理</a:t>
-            </a:r>
-            <a:endParaRPr lang="en-US" altLang="zh-CN" dirty="0"/>
-          </a:p>
-          <a:p>
-            <a:pPr marL="0" indent="0">
-              <a:buNone/>
-            </a:pPr>
-            <a:r>
-              <a:rPr lang="en-US" altLang="zh-CN" dirty="0"/>
-              <a:t>	</a:t>
-            </a:r>
-            <a:r>
-              <a:rPr lang="zh-CN" altLang="en-US" dirty="0"/>
-              <a:t>线程 </a:t>
-            </a:r>
-            <a:r>
-              <a:rPr lang="en-US" altLang="zh-CN" dirty="0"/>
-              <a:t>: Windows </a:t>
-            </a:r>
-            <a:r>
-              <a:rPr lang="en-US" altLang="zh-CN" dirty="0" err="1"/>
-              <a:t>API,Boost,C</a:t>
-            </a:r>
-            <a:r>
-              <a:rPr lang="en-US" altLang="zh-CN" dirty="0"/>
-              <a:t>++x11 -&gt; </a:t>
-            </a:r>
-            <a:r>
-              <a:rPr lang="en-US" altLang="zh-CN" dirty="0" err="1"/>
-              <a:t>C#,Java</a:t>
-            </a:r>
-            <a:r>
-              <a:rPr lang="zh-CN" altLang="en-US" dirty="0" smtClean="0"/>
-              <a:t>弥补</a:t>
-            </a:r>
-            <a:endParaRPr lang="en-US" altLang="zh-CN" dirty="0" smtClean="0"/>
-          </a:p>
-          <a:p>
-            <a:r>
-              <a:rPr lang="zh-CN" altLang="en-US" dirty="0" smtClean="0"/>
-              <a:t>只处理逻辑和数据</a:t>
-            </a:r>
-            <a:endParaRPr lang="en-US" altLang="zh-CN" dirty="0" smtClean="0"/>
-          </a:p>
-          <a:p>
-            <a:pPr marL="0" indent="0">
-              <a:buNone/>
-            </a:pPr>
-            <a:r>
-              <a:rPr lang="en-US" altLang="zh-CN" dirty="0"/>
-              <a:t>	</a:t>
-            </a:r>
-            <a:r>
-              <a:rPr lang="zh-CN" altLang="en-US" dirty="0" smtClean="0"/>
-              <a:t>驱动通过软件将硬件虚拟为一个服务提供给外部使用</a:t>
-            </a:r>
-            <a:r>
-              <a:rPr lang="en-US" altLang="zh-CN" dirty="0" smtClean="0"/>
-              <a:t>,</a:t>
-            </a:r>
-            <a:r>
-              <a:rPr lang="zh-CN" altLang="en-US" dirty="0" smtClean="0"/>
-              <a:t>只关心和硬件的交互和数据</a:t>
-            </a:r>
-            <a:endParaRPr lang="en-US" altLang="zh-CN" dirty="0" smtClean="0"/>
-          </a:p>
-          <a:p>
-            <a:pPr marL="0" indent="0">
-              <a:buNone/>
-            </a:pPr>
-            <a:r>
-              <a:rPr lang="en-US" altLang="zh-CN" dirty="0" smtClean="0"/>
-              <a:t>	UI </a:t>
-            </a:r>
-            <a:r>
-              <a:rPr lang="en-US" altLang="zh-CN" dirty="0"/>
-              <a:t>: QT,MFC  -&gt; HTML,WPF</a:t>
-            </a:r>
-            <a:r>
-              <a:rPr lang="zh-CN" altLang="en-US" dirty="0" smtClean="0"/>
-              <a:t>弥补</a:t>
-            </a:r>
-            <a:endParaRPr lang="en-US" altLang="zh-CN" dirty="0" smtClean="0"/>
-          </a:p>
-          <a:p>
-            <a:pPr marL="0" indent="0">
-              <a:buNone/>
-            </a:pPr>
-            <a:r>
-              <a:rPr lang="en-US" altLang="zh-CN" dirty="0"/>
-              <a:t>	</a:t>
-            </a:r>
-            <a:endParaRPr lang="en-US" altLang="zh-CN" dirty="0" smtClean="0"/>
-          </a:p>
-        </p:txBody>
-      </p:sp>
-    </p:spTree>
-    <p:extLst>
-      <p:ext uri="{BB962C8B-B14F-4D97-AF65-F5344CB8AC3E}">
-        <p14:creationId xmlns:p14="http://schemas.microsoft.com/office/powerpoint/2010/main" val="661368912"/>
-      </p:ext>
-    </p:extLst>
-  </p:cSld>
-  <p:clrMapOvr>
-    <a:masterClrMapping/>
-  </p:clrMapOvr>
-</p:sld>
-</file>
-
-<file path=ppt/slides/slide4.xml><?xml version="1.0" encoding="utf-8"?>
-<p:sld xmlns:a="http://schemas.openxmlformats.org/drawingml/2006/main" xmlns:r="http://schemas.openxmlformats.org/officeDocument/2006/relationships" xmlns:p="http://schemas.openxmlformats.org/presentationml/2006/main">
-  <p:cSld>
-    <p:spTree>
-      <p:nvGrpSpPr>
-        <p:cNvPr id="1" name=""/>
-        <p:cNvGrpSpPr/>
-        <p:nvPr/>
-      </p:nvGrpSpPr>
-      <p:grpSpPr>
-        <a:xfrm>
-          <a:off x="0" y="0"/>
-          <a:ext cx="0" cy="0"/>
-          <a:chOff x="0" y="0"/>
-          <a:chExt cx="0" cy="0"/>
-        </a:xfrm>
-      </p:grpSpPr>
-      <p:sp>
-        <p:nvSpPr>
-          <p:cNvPr id="2" name="标题 1"/>
-          <p:cNvSpPr>
-            <a:spLocks noGrp="1"/>
-          </p:cNvSpPr>
-          <p:nvPr>
-            <p:ph type="title"/>
-          </p:nvPr>
-        </p:nvSpPr>
-        <p:spPr/>
-        <p:txBody>
-          <a:bodyPr/>
-          <a:lstStyle/>
-          <a:p>
-            <a:r>
-              <a:rPr lang="zh-CN" altLang="en-US" dirty="0" smtClean="0"/>
-              <a:t>按照接口来编程</a:t>
-            </a:r>
-            <a:r>
-              <a:rPr lang="en-US" altLang="zh-CN" dirty="0" smtClean="0"/>
-              <a:t>:</a:t>
-            </a:r>
-            <a:endParaRPr lang="zh-CN" altLang="en-US" dirty="0"/>
-          </a:p>
-        </p:txBody>
-      </p:sp>
-      <p:sp>
-        <p:nvSpPr>
-          <p:cNvPr id="3" name="内容占位符 2"/>
-          <p:cNvSpPr>
-            <a:spLocks noGrp="1"/>
-          </p:cNvSpPr>
-          <p:nvPr>
-            <p:ph idx="1"/>
-          </p:nvPr>
-        </p:nvSpPr>
-        <p:spPr>
-          <a:xfrm>
-            <a:off x="677334" y="1558835"/>
-            <a:ext cx="8596668" cy="4482528"/>
-          </a:xfrm>
-        </p:spPr>
-        <p:txBody>
-          <a:bodyPr>
-            <a:normAutofit/>
-          </a:bodyPr>
-          <a:lstStyle/>
-          <a:p>
-            <a:r>
-              <a:rPr lang="zh-CN" altLang="en-US" dirty="0" smtClean="0"/>
-              <a:t>应用依赖于接口而不依赖名称</a:t>
-            </a:r>
-            <a:endParaRPr lang="en-US" altLang="zh-CN" dirty="0" smtClean="0"/>
-          </a:p>
-          <a:p>
-            <a:pPr marL="0" indent="0">
-              <a:buNone/>
-            </a:pPr>
-            <a:r>
-              <a:rPr lang="en-US" altLang="zh-CN" dirty="0"/>
-              <a:t>	</a:t>
-            </a:r>
-            <a:r>
-              <a:rPr lang="zh-CN" altLang="en-US" dirty="0" smtClean="0"/>
-              <a:t>应用相当于顶层的一个适配器</a:t>
-            </a:r>
-            <a:r>
-              <a:rPr lang="en-US" altLang="zh-CN" dirty="0" smtClean="0"/>
-              <a:t>,</a:t>
-            </a:r>
-            <a:r>
-              <a:rPr lang="zh-CN" altLang="en-US" dirty="0" smtClean="0"/>
-              <a:t>实现适配器的接口</a:t>
-            </a:r>
-            <a:r>
-              <a:rPr lang="en-US" altLang="zh-CN" dirty="0" smtClean="0"/>
-              <a:t>:</a:t>
-            </a:r>
-          </a:p>
-          <a:p>
-            <a:pPr marL="0" indent="0">
-              <a:buNone/>
-            </a:pPr>
-            <a:r>
-              <a:rPr lang="en-US" altLang="zh-CN" dirty="0"/>
-              <a:t>	</a:t>
-            </a:r>
-            <a:r>
-              <a:rPr lang="en-US" altLang="zh-CN" dirty="0" err="1" smtClean="0"/>
-              <a:t>DevAdapterBehavior</a:t>
-            </a:r>
-            <a:r>
-              <a:rPr lang="en-US" altLang="zh-CN" dirty="0" smtClean="0"/>
-              <a:t>&lt;T&gt;</a:t>
-            </a:r>
-          </a:p>
-          <a:p>
-            <a:r>
-              <a:rPr lang="zh-CN" altLang="en-US" dirty="0" smtClean="0"/>
-              <a:t>不同的操作具有不同的接口与之对应</a:t>
-            </a:r>
-            <a:endParaRPr lang="en-US" altLang="zh-CN" dirty="0" smtClean="0"/>
-          </a:p>
-          <a:p>
-            <a:pPr marL="0" indent="0">
-              <a:buNone/>
-            </a:pPr>
-            <a:r>
-              <a:rPr lang="en-US" altLang="zh-CN" dirty="0"/>
-              <a:t>	</a:t>
-            </a:r>
-            <a:r>
-              <a:rPr lang="en-US" altLang="zh-CN" dirty="0" err="1" smtClean="0"/>
-              <a:t>IInteractiveTrans</a:t>
-            </a:r>
-            <a:r>
-              <a:rPr lang="en-US" altLang="zh-CN" dirty="0" smtClean="0"/>
-              <a:t>,</a:t>
-            </a:r>
-            <a:r>
-              <a:rPr lang="en-US" altLang="zh-CN" dirty="0"/>
-              <a:t> </a:t>
-            </a:r>
-            <a:r>
-              <a:rPr lang="en-US" altLang="zh-CN" dirty="0" err="1"/>
-              <a:t>ITransceiveTrans</a:t>
-            </a:r>
-            <a:endParaRPr lang="en-US" altLang="zh-CN" dirty="0" smtClean="0"/>
-          </a:p>
-          <a:p>
-            <a:r>
-              <a:rPr lang="zh-CN" altLang="en-US" dirty="0" smtClean="0"/>
-              <a:t>接口按照类别细分为</a:t>
-            </a:r>
-            <a:r>
-              <a:rPr lang="en-US" altLang="zh-CN" dirty="0" smtClean="0"/>
-              <a:t>:</a:t>
-            </a:r>
-            <a:r>
-              <a:rPr lang="zh-CN" altLang="en-US" dirty="0" smtClean="0"/>
-              <a:t>协议 和 行为</a:t>
-            </a:r>
-            <a:endParaRPr lang="en-US" altLang="zh-CN" dirty="0" smtClean="0"/>
-          </a:p>
-          <a:p>
-            <a:pPr marL="0" indent="0">
-              <a:buNone/>
-            </a:pPr>
-            <a:r>
-              <a:rPr lang="en-US" altLang="zh-CN" dirty="0"/>
-              <a:t>	</a:t>
-            </a:r>
-            <a:r>
-              <a:rPr lang="zh-CN" altLang="en-US" dirty="0" smtClean="0"/>
-              <a:t>协议 </a:t>
-            </a:r>
-            <a:r>
-              <a:rPr lang="en-US" altLang="zh-CN" dirty="0" smtClean="0"/>
-              <a:t>: </a:t>
-            </a:r>
-            <a:r>
-              <a:rPr lang="zh-CN" altLang="en-US" dirty="0" smtClean="0"/>
-              <a:t>必须实现</a:t>
-            </a:r>
-            <a:r>
-              <a:rPr lang="en-US" altLang="zh-CN" dirty="0" smtClean="0"/>
-              <a:t>;</a:t>
-            </a:r>
-            <a:r>
-              <a:rPr lang="zh-CN" altLang="en-US" dirty="0" smtClean="0"/>
-              <a:t>同一类的协议</a:t>
-            </a:r>
-            <a:r>
-              <a:rPr lang="en-US" altLang="zh-CN" dirty="0" smtClean="0"/>
-              <a:t>,</a:t>
-            </a:r>
-            <a:r>
-              <a:rPr lang="zh-CN" altLang="en-US" dirty="0" smtClean="0"/>
-              <a:t>只能继承一次</a:t>
-            </a:r>
-            <a:endParaRPr lang="en-US" altLang="zh-CN" dirty="0"/>
-          </a:p>
-          <a:p>
-            <a:pPr marL="0" indent="0">
-              <a:buNone/>
-            </a:pPr>
-            <a:r>
-              <a:rPr lang="en-US" altLang="zh-CN" dirty="0" smtClean="0"/>
-              <a:t>	</a:t>
-            </a:r>
-            <a:r>
-              <a:rPr lang="en-US" altLang="zh-CN" dirty="0" err="1" smtClean="0"/>
-              <a:t>IBaseDevice</a:t>
-            </a:r>
-            <a:r>
-              <a:rPr lang="en-US" altLang="zh-CN" dirty="0" smtClean="0"/>
-              <a:t>,</a:t>
-            </a:r>
-            <a:r>
-              <a:rPr lang="en-US" altLang="zh-CN" dirty="0"/>
-              <a:t> </a:t>
-            </a:r>
-            <a:r>
-              <a:rPr lang="en-US" altLang="zh-CN" dirty="0" err="1"/>
-              <a:t>IICCardDevice</a:t>
-            </a:r>
-            <a:endParaRPr lang="en-US" altLang="zh-CN" dirty="0" smtClean="0"/>
-          </a:p>
-          <a:p>
-            <a:pPr marL="0" indent="0">
-              <a:buNone/>
-            </a:pPr>
-            <a:r>
-              <a:rPr lang="en-US" altLang="zh-CN" dirty="0"/>
-              <a:t>	</a:t>
-            </a:r>
-            <a:r>
-              <a:rPr lang="zh-CN" altLang="en-US" dirty="0" smtClean="0"/>
-              <a:t>行为 </a:t>
-            </a:r>
-            <a:r>
-              <a:rPr lang="en-US" altLang="zh-CN" dirty="0" smtClean="0"/>
-              <a:t>: </a:t>
-            </a:r>
-            <a:r>
-              <a:rPr lang="zh-CN" altLang="en-US" dirty="0" smtClean="0"/>
-              <a:t>实现可选</a:t>
-            </a:r>
-            <a:r>
-              <a:rPr lang="en-US" altLang="zh-CN" dirty="0" smtClean="0"/>
-              <a:t>;</a:t>
-            </a:r>
-            <a:r>
-              <a:rPr lang="zh-CN" altLang="en-US" dirty="0" smtClean="0"/>
-              <a:t>可以同时支持不同的多种行为</a:t>
-            </a:r>
-            <a:endParaRPr lang="en-US" altLang="zh-CN" dirty="0"/>
-          </a:p>
-          <a:p>
-            <a:pPr marL="0" indent="0">
-              <a:buNone/>
-            </a:pPr>
-            <a:r>
-              <a:rPr lang="en-US" altLang="zh-CN" dirty="0" smtClean="0"/>
-              <a:t>	</a:t>
-            </a:r>
-            <a:r>
-              <a:rPr lang="en-US" altLang="zh-CN" dirty="0" err="1" smtClean="0"/>
-              <a:t>ITimeoutBehavior</a:t>
-            </a:r>
-            <a:r>
-              <a:rPr lang="en-US" altLang="zh-CN" dirty="0" smtClean="0"/>
-              <a:t>,</a:t>
-            </a:r>
-            <a:r>
-              <a:rPr lang="en-US" altLang="zh-CN" dirty="0"/>
-              <a:t> </a:t>
-            </a:r>
-            <a:r>
-              <a:rPr lang="en-US" altLang="zh-CN" dirty="0" err="1" smtClean="0"/>
-              <a:t>InterruptBehavior</a:t>
-            </a:r>
-            <a:r>
-              <a:rPr lang="en-US" altLang="zh-CN" dirty="0" smtClean="0"/>
-              <a:t>,</a:t>
-            </a:r>
-            <a:r>
-              <a:rPr lang="en-US" altLang="zh-CN" dirty="0"/>
-              <a:t> </a:t>
-            </a:r>
-            <a:r>
-              <a:rPr lang="en-US" altLang="zh-CN" dirty="0" err="1" smtClean="0"/>
-              <a:t>ILastErrBehavior</a:t>
-            </a:r>
-            <a:r>
-              <a:rPr lang="en-US" altLang="zh-CN" dirty="0" smtClean="0"/>
-              <a:t>,</a:t>
-            </a:r>
-            <a:r>
-              <a:rPr lang="en-US" altLang="zh-CN" dirty="0"/>
-              <a:t> </a:t>
-            </a:r>
-            <a:r>
-              <a:rPr lang="en-US" altLang="zh-CN" dirty="0" err="1"/>
-              <a:t>ILoggerBehavior</a:t>
-            </a:r>
-            <a:endParaRPr lang="en-US" altLang="zh-CN" dirty="0" smtClean="0"/>
-          </a:p>
-          <a:p>
-            <a:endParaRPr lang="zh-CN" altLang="en-US" dirty="0"/>
-          </a:p>
-        </p:txBody>
-      </p:sp>
-    </p:spTree>
-    <p:extLst>
-      <p:ext uri="{BB962C8B-B14F-4D97-AF65-F5344CB8AC3E}">
-        <p14:creationId xmlns:p14="http://schemas.microsoft.com/office/powerpoint/2010/main" val="4064704499"/>
-      </p:ext>
-    </p:extLst>
-  </p:cSld>
-  <p:clrMapOvr>
-    <a:masterClrMapping/>
-  </p:clrMapOvr>
-</p:sld>
-</file>
-
-<file path=ppt/slides/slide5.xml><?xml version="1.0" encoding="utf-8"?>
-<p:sld xmlns:a="http://schemas.openxmlformats.org/drawingml/2006/main" xmlns:r="http://schemas.openxmlformats.org/officeDocument/2006/relationships" xmlns:p="http://schemas.openxmlformats.org/presentationml/2006/main">
-  <p:cSld>
-    <p:spTree>
-      <p:nvGrpSpPr>
-        <p:cNvPr id="1" name=""/>
-        <p:cNvGrpSpPr/>
-        <p:nvPr/>
-      </p:nvGrpSpPr>
-      <p:grpSpPr>
-        <a:xfrm>
-          <a:off x="0" y="0"/>
-          <a:ext cx="0" cy="0"/>
-          <a:chOff x="0" y="0"/>
-          <a:chExt cx="0" cy="0"/>
-        </a:xfrm>
-      </p:grpSpPr>
-      <p:sp>
-        <p:nvSpPr>
-          <p:cNvPr id="2" name="标题 1"/>
-          <p:cNvSpPr>
-            <a:spLocks noGrp="1"/>
-          </p:cNvSpPr>
-          <p:nvPr>
-            <p:ph type="title"/>
-          </p:nvPr>
-        </p:nvSpPr>
-        <p:spPr/>
-        <p:txBody>
-          <a:bodyPr/>
-          <a:lstStyle/>
-          <a:p>
-            <a:r>
-              <a:rPr lang="zh-CN" altLang="en-US" dirty="0" smtClean="0"/>
-              <a:t>结构</a:t>
-            </a:r>
-            <a:r>
-              <a:rPr lang="en-US" altLang="zh-CN" dirty="0" smtClean="0"/>
-              <a:t>:</a:t>
-            </a:r>
-            <a:endParaRPr lang="zh-CN" altLang="en-US" dirty="0"/>
-          </a:p>
-        </p:txBody>
-      </p:sp>
-      <p:pic>
-        <p:nvPicPr>
-          <p:cNvPr id="7" name="图片 6"/>
-          <p:cNvPicPr>
-            <a:picLocks noChangeAspect="1"/>
-          </p:cNvPicPr>
-          <p:nvPr/>
-        </p:nvPicPr>
-        <p:blipFill>
-          <a:blip r:embed="rId2"/>
-          <a:stretch>
-            <a:fillRect/>
-          </a:stretch>
-        </p:blipFill>
-        <p:spPr>
-          <a:xfrm>
-            <a:off x="368930" y="1238952"/>
-            <a:ext cx="11523809" cy="5619048"/>
-          </a:xfrm>
-          <a:prstGeom prst="rect">
-            <a:avLst/>
-          </a:prstGeom>
-        </p:spPr>
-      </p:pic>
-    </p:spTree>
-    <p:extLst>
-      <p:ext uri="{BB962C8B-B14F-4D97-AF65-F5344CB8AC3E}">
-        <p14:creationId xmlns:p14="http://schemas.microsoft.com/office/powerpoint/2010/main" val="855901669"/>
-      </p:ext>
-    </p:extLst>
-  </p:cSld>
-  <p:clrMapOvr>
-    <a:masterClrMapping/>
-  </p:clrMapOvr>
-</p:sld>
-</file>
-
-<file path=ppt/slides/slide6.xml><?xml version="1.0" encoding="utf-8"?>
+<file path=ppt/slides/slide10.xml><?xml version="1.0" encoding="utf-8"?>
 <p:sld xmlns:a="http://schemas.openxmlformats.org/drawingml/2006/main" xmlns:r="http://schemas.openxmlformats.org/officeDocument/2006/relationships" xmlns:p="http://schemas.openxmlformats.org/presentationml/2006/main">
   <p:cSld>
     <p:spTree>
@@ -7059,6 +6127,3751 @@
 </p:sld>
 </file>
 
+<file path=ppt/slides/slide11.xml><?xml version="1.0" encoding="utf-8"?>
+<p:sld xmlns:a="http://schemas.openxmlformats.org/drawingml/2006/main" xmlns:r="http://schemas.openxmlformats.org/officeDocument/2006/relationships" xmlns:p="http://schemas.openxmlformats.org/presentationml/2006/main">
+  <p:cSld>
+    <p:spTree>
+      <p:nvGrpSpPr>
+        <p:cNvPr id="1" name=""/>
+        <p:cNvGrpSpPr/>
+        <p:nvPr/>
+      </p:nvGrpSpPr>
+      <p:grpSpPr>
+        <a:xfrm>
+          <a:off x="0" y="0"/>
+          <a:ext cx="0" cy="0"/>
+          <a:chOff x="0" y="0"/>
+          <a:chExt cx="0" cy="0"/>
+        </a:xfrm>
+      </p:grpSpPr>
+      <p:sp>
+        <p:nvSpPr>
+          <p:cNvPr id="2" name="标题 1"/>
+          <p:cNvSpPr>
+            <a:spLocks noGrp="1"/>
+          </p:cNvSpPr>
+          <p:nvPr>
+            <p:ph type="title"/>
+          </p:nvPr>
+        </p:nvSpPr>
+        <p:spPr/>
+        <p:txBody>
+          <a:bodyPr/>
+          <a:lstStyle/>
+          <a:p>
+            <a:r>
+              <a:rPr lang="zh-CN" altLang="en-US" dirty="0" smtClean="0"/>
+              <a:t>依赖项</a:t>
+            </a:r>
+            <a:r>
+              <a:rPr lang="en-US" altLang="zh-CN" dirty="0" smtClean="0"/>
+              <a:t>:</a:t>
+            </a:r>
+            <a:endParaRPr lang="zh-CN" altLang="en-US" dirty="0"/>
+          </a:p>
+        </p:txBody>
+      </p:sp>
+      <p:sp>
+        <p:nvSpPr>
+          <p:cNvPr id="3" name="内容占位符 2"/>
+          <p:cNvSpPr>
+            <a:spLocks noGrp="1"/>
+          </p:cNvSpPr>
+          <p:nvPr>
+            <p:ph idx="1"/>
+          </p:nvPr>
+        </p:nvSpPr>
+        <p:spPr>
+          <a:xfrm>
+            <a:off x="677334" y="1410789"/>
+            <a:ext cx="8596668" cy="4630573"/>
+          </a:xfrm>
+        </p:spPr>
+        <p:txBody>
+          <a:bodyPr>
+            <a:normAutofit fontScale="85000" lnSpcReduction="20000"/>
+          </a:bodyPr>
+          <a:lstStyle/>
+          <a:p>
+            <a:r>
+              <a:rPr lang="en-US" altLang="zh-CN" dirty="0" smtClean="0"/>
+              <a:t>DDK (Win7</a:t>
+            </a:r>
+            <a:r>
+              <a:rPr lang="zh-CN" altLang="en-US" dirty="0" smtClean="0"/>
+              <a:t>及其以上又叫</a:t>
+            </a:r>
+            <a:r>
+              <a:rPr lang="en-US" altLang="zh-CN" dirty="0" smtClean="0"/>
+              <a:t>WDK),</a:t>
+            </a:r>
+            <a:r>
+              <a:rPr lang="zh-CN" altLang="en-US" dirty="0" smtClean="0"/>
+              <a:t>提供了对硬件访问的支持</a:t>
+            </a:r>
+            <a:r>
+              <a:rPr lang="en-US" altLang="zh-CN" dirty="0" smtClean="0"/>
+              <a:t>,</a:t>
+            </a:r>
+            <a:r>
+              <a:rPr lang="zh-CN" altLang="en-US" dirty="0" smtClean="0"/>
+              <a:t>在使用</a:t>
+            </a:r>
+            <a:r>
+              <a:rPr lang="en-US" altLang="zh-CN" dirty="0" err="1" smtClean="0"/>
+              <a:t>HidDevice</a:t>
+            </a:r>
+            <a:r>
+              <a:rPr lang="zh-CN" altLang="en-US" dirty="0" smtClean="0"/>
+              <a:t>时需要用到相关资源</a:t>
+            </a:r>
+            <a:r>
+              <a:rPr lang="en-US" altLang="zh-CN" dirty="0" smtClean="0"/>
+              <a:t>,</a:t>
+            </a:r>
+            <a:r>
+              <a:rPr lang="zh-CN" altLang="en-US" dirty="0" smtClean="0"/>
+              <a:t>如果没有配置</a:t>
+            </a:r>
+            <a:r>
+              <a:rPr lang="en-US" altLang="zh-CN" dirty="0" smtClean="0"/>
+              <a:t>,</a:t>
+            </a:r>
+            <a:r>
+              <a:rPr lang="zh-CN" altLang="en-US" dirty="0" smtClean="0"/>
+              <a:t>且不使用相关功能</a:t>
+            </a:r>
+            <a:r>
+              <a:rPr lang="en-US" altLang="zh-CN" dirty="0" smtClean="0"/>
+              <a:t>,</a:t>
+            </a:r>
+            <a:r>
+              <a:rPr lang="zh-CN" altLang="en-US" dirty="0" smtClean="0"/>
+              <a:t>可以使用</a:t>
+            </a:r>
+            <a:r>
+              <a:rPr lang="en-US" altLang="zh-CN" dirty="0" smtClean="0"/>
+              <a:t>:</a:t>
+            </a:r>
+          </a:p>
+          <a:p>
+            <a:pPr marL="0" indent="0">
+              <a:buNone/>
+            </a:pPr>
+            <a:r>
+              <a:rPr lang="en-US" altLang="zh-CN" dirty="0"/>
+              <a:t>	</a:t>
+            </a:r>
+            <a:r>
+              <a:rPr lang="en-US" altLang="zh-CN" dirty="0" smtClean="0">
+                <a:solidFill>
+                  <a:srgbClr val="00B050"/>
+                </a:solidFill>
+              </a:rPr>
+              <a:t>NO_INCLUDE_USB_SOURCE</a:t>
+            </a:r>
+            <a:r>
+              <a:rPr lang="en-US" altLang="zh-CN" dirty="0" smtClean="0"/>
+              <a:t> </a:t>
+            </a:r>
+            <a:r>
+              <a:rPr lang="zh-CN" altLang="en-US" dirty="0" smtClean="0"/>
+              <a:t>禁用</a:t>
+            </a:r>
+            <a:endParaRPr lang="en-US" altLang="zh-CN" dirty="0" smtClean="0"/>
+          </a:p>
+          <a:p>
+            <a:r>
+              <a:rPr lang="zh-CN" altLang="en-US" dirty="0" smtClean="0"/>
+              <a:t>在</a:t>
+            </a:r>
+            <a:r>
+              <a:rPr lang="en-US" altLang="zh-CN" dirty="0" smtClean="0"/>
+              <a:t>Linux</a:t>
+            </a:r>
+            <a:r>
+              <a:rPr lang="zh-CN" altLang="en-US" dirty="0" smtClean="0"/>
+              <a:t>下</a:t>
+            </a:r>
+            <a:r>
+              <a:rPr lang="en-US" altLang="zh-CN" dirty="0" smtClean="0"/>
+              <a:t>,USB</a:t>
+            </a:r>
+            <a:r>
+              <a:rPr lang="zh-CN" altLang="en-US" dirty="0" smtClean="0"/>
+              <a:t>和</a:t>
+            </a:r>
+            <a:r>
+              <a:rPr lang="en-US" altLang="zh-CN" dirty="0" smtClean="0"/>
+              <a:t>HID</a:t>
+            </a:r>
+            <a:r>
+              <a:rPr lang="zh-CN" altLang="en-US" dirty="0" smtClean="0"/>
+              <a:t>的访问是通过</a:t>
+            </a:r>
+            <a:r>
+              <a:rPr lang="en-US" altLang="zh-CN" dirty="0" err="1" smtClean="0"/>
+              <a:t>libusb</a:t>
+            </a:r>
+            <a:r>
+              <a:rPr lang="zh-CN" altLang="en-US" dirty="0" smtClean="0"/>
+              <a:t>实现的</a:t>
+            </a:r>
+            <a:r>
+              <a:rPr lang="en-US" altLang="zh-CN" dirty="0" smtClean="0"/>
+              <a:t>,</a:t>
+            </a:r>
+            <a:r>
+              <a:rPr lang="zh-CN" altLang="en-US" dirty="0" smtClean="0"/>
+              <a:t>如果没有预装</a:t>
+            </a:r>
+            <a:r>
+              <a:rPr lang="en-US" altLang="zh-CN" dirty="0" smtClean="0"/>
+              <a:t>,</a:t>
+            </a:r>
+            <a:r>
+              <a:rPr lang="zh-CN" altLang="en-US" dirty="0" smtClean="0"/>
+              <a:t>同样使用</a:t>
+            </a:r>
+            <a:r>
+              <a:rPr lang="en-US" altLang="zh-CN" dirty="0" smtClean="0"/>
+              <a:t>:</a:t>
+            </a:r>
+          </a:p>
+          <a:p>
+            <a:pPr marL="0" indent="0">
+              <a:buNone/>
+            </a:pPr>
+            <a:r>
+              <a:rPr lang="en-US" altLang="zh-CN" dirty="0"/>
+              <a:t>	</a:t>
+            </a:r>
+            <a:r>
+              <a:rPr lang="en-US" altLang="zh-CN" dirty="0">
+                <a:solidFill>
+                  <a:srgbClr val="00B050"/>
+                </a:solidFill>
+              </a:rPr>
+              <a:t> NO_INCLUDE_USB_SOURCE</a:t>
+            </a:r>
+            <a:r>
+              <a:rPr lang="en-US" altLang="zh-CN" dirty="0"/>
+              <a:t> </a:t>
+            </a:r>
+            <a:r>
+              <a:rPr lang="zh-CN" altLang="en-US" dirty="0"/>
+              <a:t>禁用</a:t>
+            </a:r>
+            <a:endParaRPr lang="en-US" altLang="zh-CN" dirty="0" smtClean="0"/>
+          </a:p>
+          <a:p>
+            <a:r>
+              <a:rPr lang="zh-CN" altLang="en-US" dirty="0" smtClean="0"/>
+              <a:t>在</a:t>
+            </a:r>
+            <a:r>
+              <a:rPr lang="en-US" altLang="zh-CN" dirty="0" smtClean="0"/>
+              <a:t>Linux</a:t>
+            </a:r>
+            <a:r>
+              <a:rPr lang="zh-CN" altLang="en-US" dirty="0" smtClean="0"/>
+              <a:t>下</a:t>
+            </a:r>
+            <a:r>
+              <a:rPr lang="en-US" altLang="zh-CN" dirty="0" smtClean="0"/>
+              <a:t>,</a:t>
+            </a:r>
+            <a:r>
+              <a:rPr lang="zh-CN" altLang="en-US" dirty="0" smtClean="0"/>
+              <a:t>默认是没有安装</a:t>
+            </a:r>
+            <a:r>
+              <a:rPr lang="en-US" altLang="zh-CN" dirty="0" smtClean="0"/>
+              <a:t>PCSC</a:t>
+            </a:r>
+            <a:r>
+              <a:rPr lang="zh-CN" altLang="en-US" dirty="0" smtClean="0"/>
+              <a:t>库的</a:t>
+            </a:r>
+            <a:r>
+              <a:rPr lang="en-US" altLang="zh-CN" dirty="0" smtClean="0"/>
+              <a:t>,</a:t>
+            </a:r>
+            <a:r>
+              <a:rPr lang="zh-CN" altLang="en-US" dirty="0" smtClean="0"/>
+              <a:t>使用</a:t>
+            </a:r>
+            <a:r>
+              <a:rPr lang="en-US" altLang="zh-CN" dirty="0" smtClean="0"/>
+              <a:t>:</a:t>
+            </a:r>
+          </a:p>
+          <a:p>
+            <a:pPr marL="0" indent="0">
+              <a:buNone/>
+            </a:pPr>
+            <a:r>
+              <a:rPr lang="en-US" altLang="zh-CN" dirty="0"/>
+              <a:t>	 </a:t>
+            </a:r>
+            <a:r>
+              <a:rPr lang="en-US" altLang="zh-CN" dirty="0">
+                <a:solidFill>
+                  <a:srgbClr val="00B050"/>
+                </a:solidFill>
+              </a:rPr>
+              <a:t>NO_INCLUDE_PCSC_SOURCE</a:t>
+            </a:r>
+            <a:r>
+              <a:rPr lang="en-US" altLang="zh-CN" dirty="0" smtClean="0"/>
+              <a:t> </a:t>
+            </a:r>
+            <a:r>
+              <a:rPr lang="zh-CN" altLang="en-US" dirty="0" smtClean="0"/>
+              <a:t>禁用</a:t>
+            </a:r>
+            <a:endParaRPr lang="en-US" altLang="zh-CN" dirty="0"/>
+          </a:p>
+          <a:p>
+            <a:r>
+              <a:rPr lang="zh-CN" altLang="en-US" dirty="0" smtClean="0"/>
+              <a:t>在</a:t>
+            </a:r>
+            <a:r>
+              <a:rPr lang="en-US" altLang="zh-CN" dirty="0" smtClean="0"/>
+              <a:t>MAC</a:t>
+            </a:r>
+            <a:r>
+              <a:rPr lang="zh-CN" altLang="en-US" dirty="0" smtClean="0"/>
+              <a:t>下</a:t>
+            </a:r>
+            <a:r>
+              <a:rPr lang="en-US" altLang="zh-CN" dirty="0" smtClean="0"/>
+              <a:t>,</a:t>
+            </a:r>
+            <a:r>
+              <a:rPr lang="zh-CN" altLang="en-US" dirty="0" smtClean="0"/>
+              <a:t>没有和</a:t>
+            </a:r>
+            <a:r>
+              <a:rPr lang="en-US" altLang="zh-CN" dirty="0" smtClean="0"/>
+              <a:t>COM</a:t>
+            </a:r>
+            <a:r>
+              <a:rPr lang="zh-CN" altLang="en-US" dirty="0" smtClean="0"/>
+              <a:t>相关的库</a:t>
+            </a:r>
+            <a:r>
+              <a:rPr lang="en-US" altLang="zh-CN" dirty="0" smtClean="0"/>
+              <a:t>,</a:t>
+            </a:r>
+            <a:r>
+              <a:rPr lang="zh-CN" altLang="en-US" dirty="0" smtClean="0"/>
+              <a:t>使用</a:t>
+            </a:r>
+            <a:r>
+              <a:rPr lang="en-US" altLang="zh-CN" dirty="0" smtClean="0"/>
+              <a:t>:</a:t>
+            </a:r>
+          </a:p>
+          <a:p>
+            <a:pPr marL="0" indent="0">
+              <a:buNone/>
+            </a:pPr>
+            <a:r>
+              <a:rPr lang="en-US" altLang="zh-CN" dirty="0"/>
+              <a:t>	 </a:t>
+            </a:r>
+            <a:r>
+              <a:rPr lang="en-US" altLang="zh-CN" dirty="0">
+                <a:solidFill>
+                  <a:srgbClr val="00B050"/>
+                </a:solidFill>
+              </a:rPr>
+              <a:t>NO_INCLUDE_COM_SOURCE</a:t>
+            </a:r>
+            <a:r>
+              <a:rPr lang="en-US" altLang="zh-CN" dirty="0" smtClean="0"/>
+              <a:t> </a:t>
+            </a:r>
+            <a:r>
+              <a:rPr lang="zh-CN" altLang="en-US" dirty="0" smtClean="0"/>
+              <a:t>禁用</a:t>
+            </a:r>
+            <a:endParaRPr lang="en-US" altLang="zh-CN" dirty="0"/>
+          </a:p>
+          <a:p>
+            <a:r>
+              <a:rPr lang="zh-CN" altLang="en-US" dirty="0" smtClean="0"/>
+              <a:t>在没有安装</a:t>
+            </a:r>
+            <a:r>
+              <a:rPr lang="en-US" altLang="zh-CN" dirty="0" smtClean="0"/>
+              <a:t>OPEN_SSL</a:t>
+            </a:r>
+            <a:r>
+              <a:rPr lang="zh-CN" altLang="en-US" dirty="0" smtClean="0"/>
+              <a:t>库的环境中</a:t>
+            </a:r>
+            <a:r>
+              <a:rPr lang="en-US" altLang="zh-CN" dirty="0" smtClean="0"/>
+              <a:t>,</a:t>
+            </a:r>
+            <a:r>
+              <a:rPr lang="zh-CN" altLang="en-US" dirty="0" smtClean="0"/>
+              <a:t>使用</a:t>
+            </a:r>
+            <a:r>
+              <a:rPr lang="en-US" altLang="zh-CN" dirty="0" smtClean="0"/>
+              <a:t>:</a:t>
+            </a:r>
+          </a:p>
+          <a:p>
+            <a:pPr marL="0" indent="0">
+              <a:buNone/>
+            </a:pPr>
+            <a:r>
+              <a:rPr lang="en-US" altLang="zh-CN" dirty="0"/>
+              <a:t>	 </a:t>
+            </a:r>
+            <a:r>
+              <a:rPr lang="en-US" altLang="zh-CN" dirty="0">
+                <a:solidFill>
+                  <a:srgbClr val="00B050"/>
+                </a:solidFill>
+              </a:rPr>
+              <a:t>NO_INCLUDE_OPENSSL_SOURCE</a:t>
+            </a:r>
+            <a:r>
+              <a:rPr lang="en-US" altLang="zh-CN" dirty="0"/>
+              <a:t> </a:t>
+            </a:r>
+            <a:r>
+              <a:rPr lang="zh-CN" altLang="en-US" dirty="0" smtClean="0"/>
+              <a:t>禁用</a:t>
+            </a:r>
+            <a:endParaRPr lang="en-US" altLang="zh-CN" dirty="0" smtClean="0"/>
+          </a:p>
+          <a:p>
+            <a:r>
+              <a:rPr lang="zh-CN" altLang="en-US" dirty="0" smtClean="0"/>
+              <a:t>在没有安装</a:t>
+            </a:r>
+            <a:r>
+              <a:rPr lang="en-US" altLang="zh-CN" dirty="0" smtClean="0"/>
+              <a:t>Java</a:t>
+            </a:r>
+            <a:r>
+              <a:rPr lang="zh-CN" altLang="en-US" dirty="0" smtClean="0"/>
+              <a:t>库的环境中</a:t>
+            </a:r>
+            <a:r>
+              <a:rPr lang="en-US" altLang="zh-CN" dirty="0" smtClean="0"/>
+              <a:t>,</a:t>
+            </a:r>
+            <a:r>
+              <a:rPr lang="zh-CN" altLang="en-US" dirty="0" smtClean="0"/>
+              <a:t>使用</a:t>
+            </a:r>
+            <a:r>
+              <a:rPr lang="en-US" altLang="zh-CN" dirty="0" smtClean="0"/>
+              <a:t>:</a:t>
+            </a:r>
+          </a:p>
+          <a:p>
+            <a:pPr marL="0" indent="0">
+              <a:buNone/>
+            </a:pPr>
+            <a:r>
+              <a:rPr lang="en-US" altLang="zh-CN" dirty="0"/>
+              <a:t>	</a:t>
+            </a:r>
+            <a:r>
+              <a:rPr lang="en-US" altLang="zh-CN" dirty="0">
+                <a:solidFill>
+                  <a:srgbClr val="00B050"/>
+                </a:solidFill>
+              </a:rPr>
+              <a:t>NO_INCLUDE_JNI_SOURCE</a:t>
+            </a:r>
+            <a:r>
+              <a:rPr lang="en-US" altLang="zh-CN" dirty="0"/>
+              <a:t> </a:t>
+            </a:r>
+            <a:r>
+              <a:rPr lang="zh-CN" altLang="en-US" dirty="0" smtClean="0"/>
+              <a:t>禁用</a:t>
+            </a:r>
+            <a:endParaRPr lang="en-US" altLang="zh-CN" dirty="0" smtClean="0"/>
+          </a:p>
+          <a:p>
+            <a:r>
+              <a:rPr lang="zh-CN" altLang="en-US" dirty="0" smtClean="0"/>
+              <a:t>由于</a:t>
+            </a:r>
+            <a:r>
+              <a:rPr lang="en-US" altLang="zh-CN" dirty="0" smtClean="0"/>
+              <a:t>Socket</a:t>
+            </a:r>
+            <a:r>
+              <a:rPr lang="zh-CN" altLang="en-US" dirty="0" smtClean="0"/>
+              <a:t>的使用较少</a:t>
+            </a:r>
+            <a:r>
+              <a:rPr lang="en-US" altLang="zh-CN" dirty="0" smtClean="0"/>
+              <a:t>,</a:t>
+            </a:r>
+            <a:r>
+              <a:rPr lang="zh-CN" altLang="en-US" dirty="0" smtClean="0"/>
+              <a:t>使用时需要单独定义</a:t>
+            </a:r>
+            <a:r>
+              <a:rPr lang="en-US" altLang="zh-CN" dirty="0" smtClean="0"/>
+              <a:t>:</a:t>
+            </a:r>
+          </a:p>
+          <a:p>
+            <a:pPr marL="0" indent="0">
+              <a:buNone/>
+            </a:pPr>
+            <a:r>
+              <a:rPr lang="en-US" altLang="zh-CN" dirty="0"/>
+              <a:t>	</a:t>
+            </a:r>
+            <a:r>
+              <a:rPr lang="en-US" altLang="zh-CN" dirty="0" smtClean="0">
+                <a:solidFill>
+                  <a:srgbClr val="0070C0"/>
+                </a:solidFill>
+              </a:rPr>
+              <a:t>INCLUDE_SOCKET_SOURCE</a:t>
+            </a:r>
+            <a:r>
+              <a:rPr lang="en-US" altLang="zh-CN" dirty="0" smtClean="0"/>
+              <a:t> </a:t>
+            </a:r>
+            <a:r>
+              <a:rPr lang="zh-CN" altLang="en-US" dirty="0" smtClean="0"/>
+              <a:t>启用</a:t>
+            </a:r>
+            <a:endParaRPr lang="en-US" altLang="zh-CN" dirty="0" smtClean="0"/>
+          </a:p>
+        </p:txBody>
+      </p:sp>
+    </p:spTree>
+    <p:extLst>
+      <p:ext uri="{BB962C8B-B14F-4D97-AF65-F5344CB8AC3E}">
+        <p14:creationId xmlns:p14="http://schemas.microsoft.com/office/powerpoint/2010/main" val="4143405965"/>
+      </p:ext>
+    </p:extLst>
+  </p:cSld>
+  <p:clrMapOvr>
+    <a:masterClrMapping/>
+  </p:clrMapOvr>
+</p:sld>
+</file>
+
+<file path=ppt/slides/slide12.xml><?xml version="1.0" encoding="utf-8"?>
+<p:sld xmlns:a="http://schemas.openxmlformats.org/drawingml/2006/main" xmlns:r="http://schemas.openxmlformats.org/officeDocument/2006/relationships" xmlns:p="http://schemas.openxmlformats.org/presentationml/2006/main">
+  <p:cSld>
+    <p:spTree>
+      <p:nvGrpSpPr>
+        <p:cNvPr id="1" name=""/>
+        <p:cNvGrpSpPr/>
+        <p:nvPr/>
+      </p:nvGrpSpPr>
+      <p:grpSpPr>
+        <a:xfrm>
+          <a:off x="0" y="0"/>
+          <a:ext cx="0" cy="0"/>
+          <a:chOff x="0" y="0"/>
+          <a:chExt cx="0" cy="0"/>
+        </a:xfrm>
+      </p:grpSpPr>
+      <p:sp>
+        <p:nvSpPr>
+          <p:cNvPr id="2" name="标题 1"/>
+          <p:cNvSpPr>
+            <a:spLocks noGrp="1"/>
+          </p:cNvSpPr>
+          <p:nvPr>
+            <p:ph type="title"/>
+          </p:nvPr>
+        </p:nvSpPr>
+        <p:spPr/>
+        <p:txBody>
+          <a:bodyPr/>
+          <a:lstStyle/>
+          <a:p>
+            <a:r>
+              <a:rPr lang="zh-CN" altLang="en-US" dirty="0" smtClean="0"/>
+              <a:t>资源相关</a:t>
+            </a:r>
+            <a:r>
+              <a:rPr lang="en-US" altLang="zh-CN" dirty="0" smtClean="0"/>
+              <a:t>:</a:t>
+            </a:r>
+            <a:endParaRPr lang="zh-CN" altLang="en-US" dirty="0"/>
+          </a:p>
+        </p:txBody>
+      </p:sp>
+      <p:sp>
+        <p:nvSpPr>
+          <p:cNvPr id="3" name="内容占位符 2"/>
+          <p:cNvSpPr>
+            <a:spLocks noGrp="1"/>
+          </p:cNvSpPr>
+          <p:nvPr>
+            <p:ph idx="1"/>
+          </p:nvPr>
+        </p:nvSpPr>
+        <p:spPr>
+          <a:xfrm>
+            <a:off x="677334" y="1706881"/>
+            <a:ext cx="8596668" cy="4334482"/>
+          </a:xfrm>
+        </p:spPr>
+        <p:txBody>
+          <a:bodyPr>
+            <a:normAutofit fontScale="85000" lnSpcReduction="20000"/>
+          </a:bodyPr>
+          <a:lstStyle/>
+          <a:p>
+            <a:r>
+              <a:rPr lang="zh-CN" altLang="en-US" dirty="0" smtClean="0"/>
+              <a:t>如果不需要使用内存池的功能</a:t>
+            </a:r>
+            <a:r>
+              <a:rPr lang="en-US" altLang="zh-CN" dirty="0" smtClean="0"/>
+              <a:t>,</a:t>
+            </a:r>
+            <a:r>
+              <a:rPr lang="zh-CN" altLang="en-US" dirty="0" smtClean="0"/>
+              <a:t>使用</a:t>
+            </a:r>
+            <a:r>
+              <a:rPr lang="en-US" altLang="zh-CN" dirty="0" smtClean="0"/>
+              <a:t>:</a:t>
+            </a:r>
+          </a:p>
+          <a:p>
+            <a:pPr marL="0" indent="0">
+              <a:buNone/>
+            </a:pPr>
+            <a:r>
+              <a:rPr lang="en-US" altLang="zh-CN" dirty="0"/>
+              <a:t>	</a:t>
+            </a:r>
+            <a:r>
+              <a:rPr lang="en-US" altLang="zh-CN" dirty="0" smtClean="0">
+                <a:solidFill>
+                  <a:srgbClr val="00B050"/>
+                </a:solidFill>
+              </a:rPr>
+              <a:t>NO_INCLUDE_MEMORY_POOL</a:t>
+            </a:r>
+            <a:r>
+              <a:rPr lang="en-US" altLang="zh-CN" dirty="0" smtClean="0"/>
+              <a:t> </a:t>
+            </a:r>
+            <a:r>
+              <a:rPr lang="zh-CN" altLang="en-US" dirty="0" smtClean="0"/>
+              <a:t>禁用</a:t>
+            </a:r>
+            <a:endParaRPr lang="en-US" altLang="zh-CN" dirty="0" smtClean="0"/>
+          </a:p>
+          <a:p>
+            <a:r>
+              <a:rPr lang="zh-CN" altLang="en-US" dirty="0" smtClean="0"/>
+              <a:t>如果不需要使用静态表的方式进行数据转换</a:t>
+            </a:r>
+            <a:r>
+              <a:rPr lang="en-US" altLang="zh-CN" dirty="0" smtClean="0"/>
+              <a:t>,</a:t>
+            </a:r>
+            <a:r>
+              <a:rPr lang="zh-CN" altLang="en-US" dirty="0" smtClean="0"/>
+              <a:t>使用</a:t>
+            </a:r>
+            <a:r>
+              <a:rPr lang="en-US" altLang="zh-CN" dirty="0" smtClean="0"/>
+              <a:t>:</a:t>
+            </a:r>
+          </a:p>
+          <a:p>
+            <a:pPr marL="0" indent="0">
+              <a:buNone/>
+            </a:pPr>
+            <a:r>
+              <a:rPr lang="en-US" altLang="zh-CN" dirty="0"/>
+              <a:t>	</a:t>
+            </a:r>
+            <a:r>
+              <a:rPr lang="en-US" altLang="zh-CN" dirty="0">
+                <a:solidFill>
+                  <a:srgbClr val="00B050"/>
+                </a:solidFill>
+              </a:rPr>
+              <a:t>NOUSING_STATIC_TRANSTABLE</a:t>
+            </a:r>
+            <a:r>
+              <a:rPr lang="en-US" altLang="zh-CN" dirty="0" smtClean="0"/>
+              <a:t> </a:t>
+            </a:r>
+            <a:r>
+              <a:rPr lang="zh-CN" altLang="en-US" dirty="0" smtClean="0"/>
+              <a:t>禁用</a:t>
+            </a:r>
+            <a:endParaRPr lang="en-US" altLang="zh-CN" dirty="0" smtClean="0"/>
+          </a:p>
+          <a:p>
+            <a:r>
+              <a:rPr lang="zh-CN" altLang="en-US" dirty="0" smtClean="0"/>
+              <a:t>如果</a:t>
+            </a:r>
+            <a:r>
+              <a:rPr lang="zh-CN" altLang="en-US" dirty="0" smtClean="0"/>
+              <a:t>不需要使用二代证的功能</a:t>
+            </a:r>
+            <a:r>
+              <a:rPr lang="en-US" altLang="zh-CN" dirty="0" smtClean="0"/>
+              <a:t>,</a:t>
+            </a:r>
+            <a:r>
+              <a:rPr lang="zh-CN" altLang="en-US" dirty="0" smtClean="0"/>
+              <a:t>使用</a:t>
+            </a:r>
+            <a:r>
+              <a:rPr lang="en-US" altLang="zh-CN" dirty="0" smtClean="0"/>
+              <a:t>:</a:t>
+            </a:r>
+          </a:p>
+          <a:p>
+            <a:pPr marL="0" indent="0">
+              <a:buNone/>
+            </a:pPr>
+            <a:r>
+              <a:rPr lang="en-US" altLang="zh-CN" dirty="0"/>
+              <a:t>	</a:t>
+            </a:r>
+            <a:r>
+              <a:rPr lang="en-US" altLang="zh-CN" dirty="0">
+                <a:solidFill>
+                  <a:srgbClr val="00B050"/>
+                </a:solidFill>
+              </a:rPr>
+              <a:t>NO_INCLUDE_IDCARD_SOURCE</a:t>
+            </a:r>
+            <a:r>
+              <a:rPr lang="en-US" altLang="zh-CN" dirty="0"/>
+              <a:t> </a:t>
+            </a:r>
+            <a:r>
+              <a:rPr lang="zh-CN" altLang="en-US" dirty="0" smtClean="0"/>
+              <a:t>禁用</a:t>
+            </a:r>
+            <a:endParaRPr lang="en-US" altLang="zh-CN" dirty="0" smtClean="0"/>
+          </a:p>
+          <a:p>
+            <a:r>
+              <a:rPr lang="zh-CN" altLang="en-US" dirty="0" smtClean="0"/>
+              <a:t>如果不需要使用</a:t>
+            </a:r>
+            <a:r>
+              <a:rPr lang="en-US" altLang="zh-CN" dirty="0" smtClean="0"/>
+              <a:t>IC</a:t>
+            </a:r>
+            <a:r>
+              <a:rPr lang="zh-CN" altLang="en-US" dirty="0" smtClean="0"/>
+              <a:t>卡的功能</a:t>
+            </a:r>
+            <a:r>
+              <a:rPr lang="en-US" altLang="zh-CN" dirty="0" smtClean="0"/>
+              <a:t>,</a:t>
+            </a:r>
+            <a:r>
+              <a:rPr lang="zh-CN" altLang="en-US" dirty="0" smtClean="0"/>
+              <a:t>使用</a:t>
+            </a:r>
+            <a:r>
+              <a:rPr lang="en-US" altLang="zh-CN" dirty="0" smtClean="0"/>
+              <a:t>:</a:t>
+            </a:r>
+          </a:p>
+          <a:p>
+            <a:pPr marL="0" indent="0">
+              <a:buNone/>
+            </a:pPr>
+            <a:r>
+              <a:rPr lang="en-US" altLang="zh-CN" dirty="0" smtClean="0"/>
+              <a:t>	</a:t>
+            </a:r>
+            <a:r>
+              <a:rPr lang="en-US" altLang="zh-CN" dirty="0">
+                <a:solidFill>
+                  <a:srgbClr val="00B050"/>
+                </a:solidFill>
+              </a:rPr>
+              <a:t>NO_INCLUDE_ICCARD_SOURCE</a:t>
+            </a:r>
+            <a:r>
+              <a:rPr lang="en-US" altLang="zh-CN" dirty="0" smtClean="0"/>
+              <a:t> </a:t>
+            </a:r>
+            <a:r>
+              <a:rPr lang="zh-CN" altLang="en-US" dirty="0" smtClean="0"/>
+              <a:t>禁用</a:t>
+            </a:r>
+            <a:endParaRPr lang="en-US" altLang="zh-CN" dirty="0" smtClean="0"/>
+          </a:p>
+          <a:p>
+            <a:r>
+              <a:rPr lang="zh-CN" altLang="en-US" dirty="0" smtClean="0"/>
+              <a:t>如果不需要使用</a:t>
+            </a:r>
+            <a:r>
+              <a:rPr lang="en-US" altLang="zh-CN" dirty="0" smtClean="0"/>
+              <a:t>PBOC</a:t>
+            </a:r>
+            <a:r>
+              <a:rPr lang="zh-CN" altLang="en-US" dirty="0" smtClean="0"/>
+              <a:t>相关的功能</a:t>
+            </a:r>
+            <a:r>
+              <a:rPr lang="en-US" altLang="zh-CN" dirty="0" smtClean="0"/>
+              <a:t>,</a:t>
+            </a:r>
+            <a:r>
+              <a:rPr lang="zh-CN" altLang="en-US" dirty="0" smtClean="0"/>
+              <a:t>使用</a:t>
+            </a:r>
+            <a:r>
+              <a:rPr lang="en-US" altLang="zh-CN" dirty="0" smtClean="0"/>
+              <a:t>:</a:t>
+            </a:r>
+          </a:p>
+          <a:p>
+            <a:pPr marL="0" indent="0">
+              <a:buNone/>
+            </a:pPr>
+            <a:r>
+              <a:rPr lang="en-US" altLang="zh-CN" dirty="0"/>
+              <a:t>	</a:t>
+            </a:r>
+            <a:r>
+              <a:rPr lang="en-US" altLang="zh-CN" dirty="0">
+                <a:solidFill>
+                  <a:srgbClr val="00B050"/>
+                </a:solidFill>
+              </a:rPr>
+              <a:t>NO_INCLUDE_PBOC_SOURCE</a:t>
+            </a:r>
+            <a:r>
+              <a:rPr lang="en-US" altLang="zh-CN" dirty="0" smtClean="0"/>
+              <a:t> </a:t>
+            </a:r>
+            <a:r>
+              <a:rPr lang="zh-CN" altLang="en-US" dirty="0" smtClean="0"/>
+              <a:t>禁用</a:t>
+            </a:r>
+            <a:endParaRPr lang="en-US" altLang="zh-CN" dirty="0" smtClean="0"/>
+          </a:p>
+          <a:p>
+            <a:r>
+              <a:rPr lang="zh-CN" altLang="en-US" dirty="0" smtClean="0"/>
+              <a:t>如果不需要使用安全相关的算法</a:t>
+            </a:r>
+            <a:r>
+              <a:rPr lang="en-US" altLang="zh-CN" dirty="0" smtClean="0"/>
+              <a:t>,</a:t>
+            </a:r>
+            <a:r>
+              <a:rPr lang="zh-CN" altLang="en-US" dirty="0" smtClean="0"/>
+              <a:t>使用</a:t>
+            </a:r>
+            <a:r>
+              <a:rPr lang="en-US" altLang="zh-CN" dirty="0" smtClean="0"/>
+              <a:t>:</a:t>
+            </a:r>
+          </a:p>
+          <a:p>
+            <a:pPr marL="0" indent="0">
+              <a:buNone/>
+            </a:pPr>
+            <a:r>
+              <a:rPr lang="en-US" altLang="zh-CN" dirty="0"/>
+              <a:t>	</a:t>
+            </a:r>
+            <a:r>
+              <a:rPr lang="en-US" altLang="zh-CN" dirty="0">
+                <a:solidFill>
+                  <a:srgbClr val="00B050"/>
+                </a:solidFill>
+              </a:rPr>
+              <a:t>NO_INCLUDE_SECURITY_SOURCE</a:t>
+            </a:r>
+            <a:r>
+              <a:rPr lang="en-US" altLang="zh-CN" dirty="0" smtClean="0"/>
+              <a:t> </a:t>
+            </a:r>
+            <a:r>
+              <a:rPr lang="zh-CN" altLang="en-US" dirty="0" smtClean="0"/>
+              <a:t>禁用</a:t>
+            </a:r>
+            <a:endParaRPr lang="en-US" altLang="zh-CN" dirty="0" smtClean="0"/>
+          </a:p>
+          <a:p>
+            <a:r>
+              <a:rPr lang="zh-CN" altLang="en-US" dirty="0" smtClean="0"/>
+              <a:t>如果</a:t>
+            </a:r>
+            <a:r>
+              <a:rPr lang="zh-CN" altLang="en-US" dirty="0" smtClean="0"/>
+              <a:t>不需要使用密码键盘相关功能</a:t>
+            </a:r>
+            <a:r>
+              <a:rPr lang="en-US" altLang="zh-CN" dirty="0" smtClean="0"/>
+              <a:t>,</a:t>
+            </a:r>
+            <a:r>
+              <a:rPr lang="zh-CN" altLang="en-US" dirty="0" smtClean="0"/>
+              <a:t>使用</a:t>
+            </a:r>
+            <a:r>
+              <a:rPr lang="en-US" altLang="zh-CN" dirty="0" smtClean="0"/>
+              <a:t>:</a:t>
+            </a:r>
+          </a:p>
+          <a:p>
+            <a:pPr marL="0" indent="0">
+              <a:buNone/>
+            </a:pPr>
+            <a:r>
+              <a:rPr lang="en-US" altLang="zh-CN" dirty="0"/>
+              <a:t>	</a:t>
+            </a:r>
+            <a:r>
+              <a:rPr lang="en-US" altLang="zh-CN" dirty="0">
+                <a:solidFill>
+                  <a:srgbClr val="00B050"/>
+                </a:solidFill>
+              </a:rPr>
+              <a:t>NO_INCLUDE_PINPAD_SOURCE</a:t>
+            </a:r>
+            <a:r>
+              <a:rPr lang="en-US" altLang="zh-CN" dirty="0" smtClean="0"/>
+              <a:t> </a:t>
+            </a:r>
+            <a:r>
+              <a:rPr lang="zh-CN" altLang="en-US" dirty="0" smtClean="0"/>
+              <a:t>禁用</a:t>
+            </a:r>
+            <a:endParaRPr lang="en-US" altLang="zh-CN" dirty="0" smtClean="0"/>
+          </a:p>
+        </p:txBody>
+      </p:sp>
+    </p:spTree>
+    <p:extLst>
+      <p:ext uri="{BB962C8B-B14F-4D97-AF65-F5344CB8AC3E}">
+        <p14:creationId xmlns:p14="http://schemas.microsoft.com/office/powerpoint/2010/main" val="2518657606"/>
+      </p:ext>
+    </p:extLst>
+  </p:cSld>
+  <p:clrMapOvr>
+    <a:masterClrMapping/>
+  </p:clrMapOvr>
+</p:sld>
+</file>
+
+<file path=ppt/slides/slide13.xml><?xml version="1.0" encoding="utf-8"?>
+<p:sld xmlns:a="http://schemas.openxmlformats.org/drawingml/2006/main" xmlns:r="http://schemas.openxmlformats.org/officeDocument/2006/relationships" xmlns:p="http://schemas.openxmlformats.org/presentationml/2006/main">
+  <p:cSld>
+    <p:spTree>
+      <p:nvGrpSpPr>
+        <p:cNvPr id="1" name=""/>
+        <p:cNvGrpSpPr/>
+        <p:nvPr/>
+      </p:nvGrpSpPr>
+      <p:grpSpPr>
+        <a:xfrm>
+          <a:off x="0" y="0"/>
+          <a:ext cx="0" cy="0"/>
+          <a:chOff x="0" y="0"/>
+          <a:chExt cx="0" cy="0"/>
+        </a:xfrm>
+      </p:grpSpPr>
+      <p:sp>
+        <p:nvSpPr>
+          <p:cNvPr id="4" name="标题 3"/>
+          <p:cNvSpPr>
+            <a:spLocks noGrp="1"/>
+          </p:cNvSpPr>
+          <p:nvPr>
+            <p:ph type="title"/>
+          </p:nvPr>
+        </p:nvSpPr>
+        <p:spPr/>
+        <p:txBody>
+          <a:bodyPr/>
+          <a:lstStyle/>
+          <a:p>
+            <a:r>
+              <a:rPr lang="zh-CN" altLang="en-US" dirty="0" smtClean="0"/>
+              <a:t>谢谢</a:t>
+            </a:r>
+            <a:r>
+              <a:rPr lang="en-US" altLang="zh-CN" dirty="0" smtClean="0"/>
+              <a:t>!</a:t>
+            </a:r>
+            <a:endParaRPr lang="zh-CN" altLang="en-US" dirty="0"/>
+          </a:p>
+        </p:txBody>
+      </p:sp>
+      <p:sp>
+        <p:nvSpPr>
+          <p:cNvPr id="7" name="文本占位符 6"/>
+          <p:cNvSpPr>
+            <a:spLocks noGrp="1"/>
+          </p:cNvSpPr>
+          <p:nvPr>
+            <p:ph type="body" sz="quarter" idx="13"/>
+          </p:nvPr>
+        </p:nvSpPr>
+        <p:spPr/>
+        <p:txBody>
+          <a:bodyPr/>
+          <a:lstStyle/>
+          <a:p>
+            <a:r>
+              <a:rPr lang="en-US" altLang="zh-CN" dirty="0"/>
+              <a:t>z</a:t>
+            </a:r>
+            <a:r>
+              <a:rPr lang="en-US" altLang="zh-CN" dirty="0" smtClean="0"/>
+              <a:t>hyioo@vip.qq.com</a:t>
+            </a:r>
+            <a:endParaRPr lang="zh-CN" altLang="en-US" dirty="0"/>
+          </a:p>
+        </p:txBody>
+      </p:sp>
+      <p:sp>
+        <p:nvSpPr>
+          <p:cNvPr id="6" name="文本占位符 5"/>
+          <p:cNvSpPr>
+            <a:spLocks noGrp="1"/>
+          </p:cNvSpPr>
+          <p:nvPr>
+            <p:ph type="body" idx="1"/>
+          </p:nvPr>
+        </p:nvSpPr>
+        <p:spPr/>
+        <p:txBody>
+          <a:bodyPr/>
+          <a:lstStyle/>
+          <a:p>
+            <a:endParaRPr lang="zh-CN" altLang="en-US" dirty="0"/>
+          </a:p>
+        </p:txBody>
+      </p:sp>
+    </p:spTree>
+    <p:extLst>
+      <p:ext uri="{BB962C8B-B14F-4D97-AF65-F5344CB8AC3E}">
+        <p14:creationId xmlns:p14="http://schemas.microsoft.com/office/powerpoint/2010/main" val="2510496308"/>
+      </p:ext>
+    </p:extLst>
+  </p:cSld>
+  <p:clrMapOvr>
+    <a:masterClrMapping/>
+  </p:clrMapOvr>
+</p:sld>
+</file>
+
+<file path=ppt/slides/slide2.xml><?xml version="1.0" encoding="utf-8"?>
+<p:sld xmlns:a="http://schemas.openxmlformats.org/drawingml/2006/main" xmlns:r="http://schemas.openxmlformats.org/officeDocument/2006/relationships" xmlns:p="http://schemas.openxmlformats.org/presentationml/2006/main">
+  <p:cSld>
+    <p:spTree>
+      <p:nvGrpSpPr>
+        <p:cNvPr id="1" name=""/>
+        <p:cNvGrpSpPr/>
+        <p:nvPr/>
+      </p:nvGrpSpPr>
+      <p:grpSpPr>
+        <a:xfrm>
+          <a:off x="0" y="0"/>
+          <a:ext cx="0" cy="0"/>
+          <a:chOff x="0" y="0"/>
+          <a:chExt cx="0" cy="0"/>
+        </a:xfrm>
+      </p:grpSpPr>
+      <p:sp>
+        <p:nvSpPr>
+          <p:cNvPr id="2" name="标题 1"/>
+          <p:cNvSpPr>
+            <a:spLocks noGrp="1"/>
+          </p:cNvSpPr>
+          <p:nvPr>
+            <p:ph type="title"/>
+          </p:nvPr>
+        </p:nvSpPr>
+        <p:spPr/>
+        <p:txBody>
+          <a:bodyPr>
+            <a:normAutofit fontScale="90000"/>
+          </a:bodyPr>
+          <a:lstStyle/>
+          <a:p>
+            <a:r>
+              <a:rPr lang="zh-CN" altLang="en-US" dirty="0" smtClean="0"/>
+              <a:t>题记</a:t>
+            </a:r>
+            <a:r>
+              <a:rPr lang="en-US" altLang="zh-CN" dirty="0" smtClean="0"/>
+              <a:t>:</a:t>
+            </a:r>
+            <a:br>
+              <a:rPr lang="en-US" altLang="zh-CN" dirty="0" smtClean="0"/>
+            </a:br>
+            <a:r>
+              <a:rPr lang="en-US" altLang="zh-CN" dirty="0"/>
+              <a:t>	</a:t>
+            </a:r>
+            <a:r>
+              <a:rPr lang="zh-CN" altLang="en-US" sz="2000" dirty="0">
+                <a:solidFill>
+                  <a:srgbClr val="00B050"/>
+                </a:solidFill>
+              </a:rPr>
+              <a:t>语言仅仅是一个工具</a:t>
+            </a:r>
+            <a:r>
+              <a:rPr lang="en-US" altLang="zh-CN" sz="2000" dirty="0">
+                <a:solidFill>
+                  <a:srgbClr val="00B050"/>
+                </a:solidFill>
+              </a:rPr>
+              <a:t>,</a:t>
+            </a:r>
+            <a:r>
+              <a:rPr lang="zh-CN" altLang="en-US" sz="2000" dirty="0">
+                <a:solidFill>
+                  <a:srgbClr val="00B050"/>
+                </a:solidFill>
+              </a:rPr>
+              <a:t>合理</a:t>
+            </a:r>
+            <a:r>
+              <a:rPr lang="zh-CN" altLang="en-US" sz="2000" dirty="0" smtClean="0">
+                <a:solidFill>
+                  <a:srgbClr val="00B050"/>
+                </a:solidFill>
+              </a:rPr>
+              <a:t>利用</a:t>
+            </a:r>
+            <a:r>
+              <a:rPr lang="zh-CN" altLang="en-US" sz="2000" dirty="0">
+                <a:solidFill>
+                  <a:srgbClr val="00B050"/>
+                </a:solidFill>
+              </a:rPr>
+              <a:t>好每种语言的优点</a:t>
+            </a:r>
+            <a:r>
+              <a:rPr lang="en-US" altLang="zh-CN" sz="2000" dirty="0">
+                <a:solidFill>
+                  <a:srgbClr val="00B050"/>
+                </a:solidFill>
+              </a:rPr>
+              <a:t>,</a:t>
+            </a:r>
+            <a:r>
+              <a:rPr lang="zh-CN" altLang="en-US" sz="2000" dirty="0">
+                <a:solidFill>
+                  <a:srgbClr val="00B050"/>
+                </a:solidFill>
+              </a:rPr>
+              <a:t>使用不同的语言来相互弥补缺点</a:t>
+            </a:r>
+            <a:r>
+              <a:rPr lang="en-US" altLang="zh-CN" sz="2000" dirty="0">
+                <a:solidFill>
+                  <a:srgbClr val="00B050"/>
+                </a:solidFill>
+              </a:rPr>
+              <a:t>.</a:t>
+            </a:r>
+            <a:endParaRPr lang="zh-CN" altLang="en-US" sz="2000" dirty="0"/>
+          </a:p>
+        </p:txBody>
+      </p:sp>
+      <p:sp>
+        <p:nvSpPr>
+          <p:cNvPr id="3" name="内容占位符 2"/>
+          <p:cNvSpPr>
+            <a:spLocks noGrp="1"/>
+          </p:cNvSpPr>
+          <p:nvPr>
+            <p:ph idx="1"/>
+          </p:nvPr>
+        </p:nvSpPr>
+        <p:spPr/>
+        <p:txBody>
+          <a:bodyPr/>
+          <a:lstStyle/>
+          <a:p>
+            <a:r>
+              <a:rPr lang="zh-CN" altLang="en-US" dirty="0" smtClean="0"/>
+              <a:t>语言的多样化</a:t>
+            </a:r>
+            <a:endParaRPr lang="en-US" altLang="zh-CN" dirty="0" smtClean="0"/>
+          </a:p>
+          <a:p>
+            <a:pPr marL="0" indent="0">
+              <a:buNone/>
+            </a:pPr>
+            <a:r>
+              <a:rPr lang="en-US" altLang="zh-CN" dirty="0"/>
+              <a:t>	</a:t>
+            </a:r>
+            <a:r>
+              <a:rPr lang="zh-CN" altLang="en-US" dirty="0" smtClean="0"/>
+              <a:t>编译型语言</a:t>
+            </a:r>
+            <a:r>
+              <a:rPr lang="en-US" altLang="zh-CN" dirty="0" smtClean="0"/>
+              <a:t>: C,C++,</a:t>
+            </a:r>
+            <a:r>
+              <a:rPr lang="en-US" altLang="zh-CN" dirty="0" err="1" smtClean="0"/>
+              <a:t>C#,Delphi</a:t>
+            </a:r>
+            <a:r>
+              <a:rPr lang="en-US" altLang="zh-CN" dirty="0" smtClean="0"/>
+              <a:t>,</a:t>
+            </a:r>
+            <a:r>
+              <a:rPr lang="en-US" altLang="zh-CN" dirty="0"/>
+              <a:t> </a:t>
+            </a:r>
+            <a:r>
+              <a:rPr lang="en-US" altLang="zh-CN" dirty="0" err="1" smtClean="0"/>
+              <a:t>Pascal,Object</a:t>
+            </a:r>
+            <a:r>
+              <a:rPr lang="en-US" altLang="zh-CN" dirty="0" smtClean="0"/>
+              <a:t>-C</a:t>
+            </a:r>
+          </a:p>
+          <a:p>
+            <a:pPr marL="0" indent="0">
+              <a:buNone/>
+            </a:pPr>
+            <a:r>
+              <a:rPr lang="en-US" altLang="zh-CN" dirty="0" smtClean="0"/>
+              <a:t>	</a:t>
+            </a:r>
+            <a:r>
+              <a:rPr lang="zh-CN" altLang="en-US" dirty="0" smtClean="0"/>
+              <a:t>解释型语言</a:t>
+            </a:r>
+            <a:r>
+              <a:rPr lang="en-US" altLang="zh-CN" dirty="0" smtClean="0"/>
+              <a:t>: Java, JavaScript, VBScript, Perl, Python, Ruby, MATLAB</a:t>
+            </a:r>
+          </a:p>
+          <a:p>
+            <a:r>
+              <a:rPr lang="zh-CN" altLang="en-US" dirty="0" smtClean="0"/>
+              <a:t>没有</a:t>
+            </a:r>
+            <a:r>
+              <a:rPr lang="zh-CN" altLang="en-US" dirty="0"/>
+              <a:t>任何语言是完善的</a:t>
+            </a:r>
+            <a:endParaRPr lang="en-US" altLang="zh-CN" dirty="0"/>
+          </a:p>
+          <a:p>
+            <a:pPr marL="0" indent="0">
+              <a:buNone/>
+            </a:pPr>
+            <a:r>
+              <a:rPr lang="en-US" altLang="zh-CN" dirty="0"/>
+              <a:t>	</a:t>
+            </a:r>
+            <a:r>
+              <a:rPr lang="zh-CN" altLang="en-US" dirty="0"/>
+              <a:t>任何语言都是在不同的需求下被创造出来的</a:t>
+            </a:r>
+            <a:r>
+              <a:rPr lang="en-US" altLang="zh-CN" dirty="0"/>
+              <a:t>,</a:t>
+            </a:r>
+            <a:r>
+              <a:rPr lang="zh-CN" altLang="en-US" dirty="0"/>
+              <a:t>每个语言都有自己的优缺点</a:t>
+            </a:r>
+            <a:r>
+              <a:rPr lang="en-US" altLang="zh-CN" dirty="0"/>
+              <a:t>,</a:t>
+            </a:r>
+            <a:r>
+              <a:rPr lang="zh-CN" altLang="en-US" dirty="0"/>
+              <a:t>毕竟语言所创立的需求环境不一样</a:t>
+            </a:r>
+            <a:r>
+              <a:rPr lang="en-US" altLang="zh-CN" dirty="0"/>
+              <a:t>,</a:t>
+            </a:r>
+            <a:r>
+              <a:rPr lang="zh-CN" altLang="en-US" dirty="0"/>
+              <a:t>需要解决的问题不一样</a:t>
+            </a:r>
+            <a:r>
+              <a:rPr lang="en-US" altLang="zh-CN" dirty="0"/>
+              <a:t>,</a:t>
+            </a:r>
+            <a:r>
+              <a:rPr lang="zh-CN" altLang="en-US" dirty="0"/>
+              <a:t>缺点在所难免</a:t>
+            </a:r>
+            <a:r>
+              <a:rPr lang="en-US" altLang="zh-CN" dirty="0" smtClean="0"/>
+              <a:t>.</a:t>
+            </a:r>
+            <a:endParaRPr lang="en-US" altLang="zh-CN" dirty="0">
+              <a:solidFill>
+                <a:srgbClr val="00B050"/>
+              </a:solidFill>
+            </a:endParaRPr>
+          </a:p>
+          <a:p>
+            <a:r>
+              <a:rPr lang="zh-CN" altLang="en-US" dirty="0" smtClean="0"/>
+              <a:t>应用类型的多元化</a:t>
+            </a:r>
+            <a:endParaRPr lang="en-US" altLang="zh-CN" dirty="0" smtClean="0"/>
+          </a:p>
+          <a:p>
+            <a:pPr marL="0" indent="0">
+              <a:buNone/>
+            </a:pPr>
+            <a:r>
+              <a:rPr lang="en-US" altLang="zh-CN" dirty="0"/>
+              <a:t>	</a:t>
+            </a:r>
+            <a:r>
+              <a:rPr lang="zh-CN" altLang="en-US" dirty="0" smtClean="0"/>
+              <a:t>目前的应用基本上都是多种开发语言的组合</a:t>
+            </a:r>
+            <a:r>
+              <a:rPr lang="en-US" altLang="zh-CN" dirty="0" smtClean="0"/>
+              <a:t>,</a:t>
+            </a:r>
+            <a:r>
+              <a:rPr lang="zh-CN" altLang="en-US" dirty="0" smtClean="0"/>
+              <a:t>趋势所在</a:t>
+            </a:r>
+            <a:endParaRPr lang="en-US" altLang="zh-CN" dirty="0"/>
+          </a:p>
+          <a:p>
+            <a:endParaRPr lang="en-US" altLang="zh-CN" dirty="0" smtClean="0"/>
+          </a:p>
+        </p:txBody>
+      </p:sp>
+    </p:spTree>
+    <p:extLst>
+      <p:ext uri="{BB962C8B-B14F-4D97-AF65-F5344CB8AC3E}">
+        <p14:creationId xmlns:p14="http://schemas.microsoft.com/office/powerpoint/2010/main" val="4153283040"/>
+      </p:ext>
+    </p:extLst>
+  </p:cSld>
+  <p:clrMapOvr>
+    <a:masterClrMapping/>
+  </p:clrMapOvr>
+</p:sld>
+</file>
+
+<file path=ppt/slides/slide3.xml><?xml version="1.0" encoding="utf-8"?>
+<p:sld xmlns:a="http://schemas.openxmlformats.org/drawingml/2006/main" xmlns:r="http://schemas.openxmlformats.org/officeDocument/2006/relationships" xmlns:p="http://schemas.openxmlformats.org/presentationml/2006/main">
+  <p:cSld>
+    <p:spTree>
+      <p:nvGrpSpPr>
+        <p:cNvPr id="1" name=""/>
+        <p:cNvGrpSpPr/>
+        <p:nvPr/>
+      </p:nvGrpSpPr>
+      <p:grpSpPr>
+        <a:xfrm>
+          <a:off x="0" y="0"/>
+          <a:ext cx="0" cy="0"/>
+          <a:chOff x="0" y="0"/>
+          <a:chExt cx="0" cy="0"/>
+        </a:xfrm>
+      </p:grpSpPr>
+      <p:sp>
+        <p:nvSpPr>
+          <p:cNvPr id="2" name="标题 1"/>
+          <p:cNvSpPr>
+            <a:spLocks noGrp="1"/>
+          </p:cNvSpPr>
+          <p:nvPr>
+            <p:ph type="title"/>
+          </p:nvPr>
+        </p:nvSpPr>
+        <p:spPr/>
+        <p:txBody>
+          <a:bodyPr/>
+          <a:lstStyle/>
+          <a:p>
+            <a:r>
+              <a:rPr lang="zh-CN" altLang="en-US" dirty="0" smtClean="0"/>
+              <a:t>使用</a:t>
+            </a:r>
+            <a:r>
+              <a:rPr lang="en-US" altLang="zh-CN" dirty="0" smtClean="0"/>
+              <a:t>C++:</a:t>
+            </a:r>
+            <a:endParaRPr lang="zh-CN" altLang="en-US" dirty="0"/>
+          </a:p>
+        </p:txBody>
+      </p:sp>
+      <p:sp>
+        <p:nvSpPr>
+          <p:cNvPr id="3" name="内容占位符 2"/>
+          <p:cNvSpPr>
+            <a:spLocks noGrp="1"/>
+          </p:cNvSpPr>
+          <p:nvPr>
+            <p:ph idx="1"/>
+          </p:nvPr>
+        </p:nvSpPr>
+        <p:spPr>
+          <a:xfrm>
+            <a:off x="677334" y="1689463"/>
+            <a:ext cx="8596668" cy="4351899"/>
+          </a:xfrm>
+        </p:spPr>
+        <p:txBody>
+          <a:bodyPr>
+            <a:normAutofit lnSpcReduction="10000"/>
+          </a:bodyPr>
+          <a:lstStyle/>
+          <a:p>
+            <a:r>
+              <a:rPr lang="zh-CN" altLang="en-US" dirty="0" smtClean="0"/>
+              <a:t>单线程</a:t>
+            </a:r>
+            <a:endParaRPr lang="en-US" altLang="zh-CN" dirty="0" smtClean="0"/>
+          </a:p>
+          <a:p>
+            <a:pPr marL="0" indent="0">
+              <a:buNone/>
+            </a:pPr>
+            <a:r>
+              <a:rPr lang="en-US" altLang="zh-CN" dirty="0"/>
+              <a:t>	</a:t>
+            </a:r>
+            <a:r>
+              <a:rPr lang="zh-CN" altLang="en-US" dirty="0"/>
+              <a:t>就驱动而言</a:t>
+            </a:r>
+            <a:r>
+              <a:rPr lang="en-US" altLang="zh-CN" dirty="0"/>
+              <a:t>,</a:t>
+            </a:r>
+            <a:r>
+              <a:rPr lang="zh-CN" altLang="en-US" dirty="0"/>
+              <a:t>驱动针对的是外设</a:t>
+            </a:r>
+            <a:r>
+              <a:rPr lang="en-US" altLang="zh-CN" dirty="0"/>
+              <a:t>,</a:t>
+            </a:r>
+            <a:r>
+              <a:rPr lang="zh-CN" altLang="en-US" dirty="0"/>
+              <a:t>同一个外设在物理上是独占的</a:t>
+            </a:r>
+            <a:r>
+              <a:rPr lang="en-US" altLang="zh-CN" dirty="0"/>
+              <a:t>,</a:t>
+            </a:r>
+            <a:r>
+              <a:rPr lang="zh-CN" altLang="en-US" dirty="0"/>
+              <a:t>所以库中只考虑单线程的模式</a:t>
+            </a:r>
+            <a:r>
+              <a:rPr lang="en-US" altLang="zh-CN" dirty="0"/>
+              <a:t>,</a:t>
+            </a:r>
+            <a:r>
+              <a:rPr lang="zh-CN" altLang="en-US" dirty="0"/>
+              <a:t>一对一的方式根据时分复用的原则访问设备</a:t>
+            </a:r>
+            <a:r>
+              <a:rPr lang="en-US" altLang="zh-CN" dirty="0"/>
+              <a:t>;</a:t>
+            </a:r>
+            <a:r>
+              <a:rPr lang="zh-CN" altLang="en-US" dirty="0"/>
+              <a:t>对于需要使用多线程访问的情况上层单独根据需要做处理</a:t>
+            </a:r>
+            <a:endParaRPr lang="en-US" altLang="zh-CN" dirty="0"/>
+          </a:p>
+          <a:p>
+            <a:pPr marL="0" indent="0">
+              <a:buNone/>
+            </a:pPr>
+            <a:r>
+              <a:rPr lang="en-US" altLang="zh-CN" dirty="0"/>
+              <a:t>	</a:t>
+            </a:r>
+            <a:r>
+              <a:rPr lang="zh-CN" altLang="en-US" dirty="0"/>
+              <a:t>线程 </a:t>
+            </a:r>
+            <a:r>
+              <a:rPr lang="en-US" altLang="zh-CN" dirty="0"/>
+              <a:t>: Windows </a:t>
+            </a:r>
+            <a:r>
+              <a:rPr lang="en-US" altLang="zh-CN" dirty="0" err="1"/>
+              <a:t>API,Boost,C</a:t>
+            </a:r>
+            <a:r>
+              <a:rPr lang="en-US" altLang="zh-CN" dirty="0"/>
+              <a:t>++x11 -&gt; </a:t>
+            </a:r>
+            <a:r>
+              <a:rPr lang="en-US" altLang="zh-CN" dirty="0" err="1"/>
+              <a:t>C#,Java</a:t>
+            </a:r>
+            <a:r>
+              <a:rPr lang="zh-CN" altLang="en-US" dirty="0" smtClean="0"/>
+              <a:t>弥补</a:t>
+            </a:r>
+            <a:endParaRPr lang="en-US" altLang="zh-CN" dirty="0" smtClean="0"/>
+          </a:p>
+          <a:p>
+            <a:r>
+              <a:rPr lang="zh-CN" altLang="en-US" dirty="0" smtClean="0"/>
+              <a:t>专业的语言做专业的事</a:t>
+            </a:r>
+            <a:endParaRPr lang="en-US" altLang="zh-CN" dirty="0" smtClean="0"/>
+          </a:p>
+          <a:p>
+            <a:pPr marL="0" indent="0">
+              <a:buNone/>
+            </a:pPr>
+            <a:r>
+              <a:rPr lang="en-US" altLang="zh-CN" dirty="0"/>
+              <a:t>	</a:t>
+            </a:r>
+            <a:r>
+              <a:rPr lang="en-US" altLang="zh-CN" dirty="0" smtClean="0"/>
+              <a:t>C++</a:t>
+            </a:r>
+            <a:r>
+              <a:rPr lang="zh-CN" altLang="en-US" dirty="0" smtClean="0"/>
+              <a:t>擅长于与操作系统底层进行互操作</a:t>
+            </a:r>
+            <a:r>
+              <a:rPr lang="en-US" altLang="zh-CN" dirty="0" smtClean="0"/>
+              <a:t>,</a:t>
+            </a:r>
+            <a:r>
+              <a:rPr lang="zh-CN" altLang="en-US" dirty="0" smtClean="0"/>
+              <a:t>充分发挥语言在这方面的特长</a:t>
+            </a:r>
+            <a:r>
+              <a:rPr lang="en-US" altLang="zh-CN" dirty="0" smtClean="0"/>
+              <a:t>,</a:t>
+            </a:r>
+            <a:r>
+              <a:rPr lang="zh-CN" altLang="en-US" dirty="0" smtClean="0"/>
+              <a:t>对于不足的地方通过其他语言来弥补</a:t>
+            </a:r>
+            <a:r>
+              <a:rPr lang="en-US" altLang="zh-CN" dirty="0" smtClean="0"/>
+              <a:t>;</a:t>
+            </a:r>
+            <a:r>
+              <a:rPr lang="zh-CN" altLang="en-US" dirty="0" smtClean="0"/>
+              <a:t>在驱动中</a:t>
+            </a:r>
+            <a:r>
+              <a:rPr lang="en-US" altLang="zh-CN" dirty="0" smtClean="0"/>
+              <a:t>,</a:t>
+            </a:r>
+            <a:r>
+              <a:rPr lang="zh-CN" altLang="en-US" dirty="0" smtClean="0"/>
+              <a:t>软件将</a:t>
+            </a:r>
+            <a:r>
+              <a:rPr lang="zh-CN" altLang="en-US" dirty="0" smtClean="0"/>
+              <a:t>硬件虚拟为一个服务提供给外部使用</a:t>
+            </a:r>
+            <a:r>
+              <a:rPr lang="en-US" altLang="zh-CN" dirty="0" smtClean="0"/>
+              <a:t>,</a:t>
+            </a:r>
+            <a:r>
+              <a:rPr lang="zh-CN" altLang="en-US" dirty="0" smtClean="0"/>
+              <a:t>只需要关心</a:t>
+            </a:r>
+            <a:r>
+              <a:rPr lang="zh-CN" altLang="en-US" dirty="0" smtClean="0"/>
+              <a:t>和硬件的交互和数据</a:t>
+            </a:r>
+            <a:endParaRPr lang="en-US" altLang="zh-CN" dirty="0" smtClean="0"/>
+          </a:p>
+          <a:p>
+            <a:pPr marL="0" indent="0">
+              <a:buNone/>
+            </a:pPr>
+            <a:r>
+              <a:rPr lang="en-US" altLang="zh-CN" dirty="0" smtClean="0"/>
+              <a:t>	UI </a:t>
+            </a:r>
+            <a:r>
+              <a:rPr lang="en-US" altLang="zh-CN" dirty="0"/>
+              <a:t>: QT,MFC  -&gt; HTML,WPF</a:t>
+            </a:r>
+            <a:r>
+              <a:rPr lang="zh-CN" altLang="en-US" dirty="0" smtClean="0"/>
+              <a:t>弥补</a:t>
+            </a:r>
+            <a:endParaRPr lang="en-US" altLang="zh-CN" dirty="0" smtClean="0"/>
+          </a:p>
+          <a:p>
+            <a:pPr marL="0" indent="0">
+              <a:buNone/>
+            </a:pPr>
+            <a:endParaRPr lang="en-US" altLang="zh-CN" dirty="0"/>
+          </a:p>
+          <a:p>
+            <a:pPr marL="0" indent="0">
+              <a:buNone/>
+            </a:pPr>
+            <a:r>
+              <a:rPr lang="zh-CN" altLang="en-US" dirty="0" smtClean="0"/>
+              <a:t>开发语言只是对处理逻辑的一种表现形式</a:t>
+            </a:r>
+            <a:r>
+              <a:rPr lang="en-US" altLang="zh-CN" dirty="0" smtClean="0"/>
+              <a:t>,</a:t>
+            </a:r>
+            <a:r>
+              <a:rPr lang="zh-CN" altLang="en-US" dirty="0" smtClean="0"/>
+              <a:t>对于解决问题的办法和思路与具体的语言无关</a:t>
+            </a:r>
+            <a:r>
+              <a:rPr lang="en-US" altLang="zh-CN" dirty="0" smtClean="0"/>
+              <a:t>,</a:t>
+            </a:r>
+            <a:r>
+              <a:rPr lang="zh-CN" altLang="en-US" dirty="0" smtClean="0"/>
+              <a:t>语言是相通的</a:t>
+            </a:r>
+            <a:r>
+              <a:rPr lang="en-US" altLang="zh-CN" dirty="0" smtClean="0"/>
+              <a:t>,</a:t>
+            </a:r>
+            <a:r>
+              <a:rPr lang="zh-CN" altLang="en-US" dirty="0" smtClean="0"/>
+              <a:t>学习的仅仅是一种思维方式</a:t>
+            </a:r>
+            <a:r>
+              <a:rPr lang="en-US" altLang="zh-CN" dirty="0" smtClean="0"/>
+              <a:t>.</a:t>
+            </a:r>
+            <a:endParaRPr lang="en-US" altLang="zh-CN" dirty="0" smtClean="0"/>
+          </a:p>
+        </p:txBody>
+      </p:sp>
+    </p:spTree>
+    <p:extLst>
+      <p:ext uri="{BB962C8B-B14F-4D97-AF65-F5344CB8AC3E}">
+        <p14:creationId xmlns:p14="http://schemas.microsoft.com/office/powerpoint/2010/main" val="661368912"/>
+      </p:ext>
+    </p:extLst>
+  </p:cSld>
+  <p:clrMapOvr>
+    <a:masterClrMapping/>
+  </p:clrMapOvr>
+</p:sld>
+</file>
+
+<file path=ppt/slides/slide4.xml><?xml version="1.0" encoding="utf-8"?>
+<p:sld xmlns:a="http://schemas.openxmlformats.org/drawingml/2006/main" xmlns:r="http://schemas.openxmlformats.org/officeDocument/2006/relationships" xmlns:p="http://schemas.openxmlformats.org/presentationml/2006/main">
+  <p:cSld>
+    <p:spTree>
+      <p:nvGrpSpPr>
+        <p:cNvPr id="1" name=""/>
+        <p:cNvGrpSpPr/>
+        <p:nvPr/>
+      </p:nvGrpSpPr>
+      <p:grpSpPr>
+        <a:xfrm>
+          <a:off x="0" y="0"/>
+          <a:ext cx="0" cy="0"/>
+          <a:chOff x="0" y="0"/>
+          <a:chExt cx="0" cy="0"/>
+        </a:xfrm>
+      </p:grpSpPr>
+      <p:sp>
+        <p:nvSpPr>
+          <p:cNvPr id="2" name="标题 1"/>
+          <p:cNvSpPr>
+            <a:spLocks noGrp="1"/>
+          </p:cNvSpPr>
+          <p:nvPr>
+            <p:ph type="title"/>
+          </p:nvPr>
+        </p:nvSpPr>
+        <p:spPr/>
+        <p:txBody>
+          <a:bodyPr/>
+          <a:lstStyle/>
+          <a:p>
+            <a:r>
+              <a:rPr lang="zh-CN" altLang="en-US" dirty="0" smtClean="0"/>
+              <a:t>问题</a:t>
+            </a:r>
+            <a:r>
+              <a:rPr lang="en-US" altLang="zh-CN" dirty="0" smtClean="0"/>
+              <a:t>(</a:t>
+            </a:r>
+            <a:r>
+              <a:rPr lang="zh-CN" altLang="en-US" dirty="0" smtClean="0"/>
+              <a:t>需求</a:t>
+            </a:r>
+            <a:r>
+              <a:rPr lang="en-US" altLang="zh-CN" dirty="0" smtClean="0"/>
+              <a:t>):</a:t>
+            </a:r>
+            <a:r>
+              <a:rPr lang="en-US" altLang="zh-CN" dirty="0"/>
+              <a:t> </a:t>
+            </a:r>
+            <a:r>
+              <a:rPr lang="en-US" altLang="zh-CN" dirty="0" smtClean="0"/>
+              <a:t>N × N × N</a:t>
+            </a:r>
+            <a:endParaRPr lang="zh-CN" altLang="en-US" dirty="0"/>
+          </a:p>
+        </p:txBody>
+      </p:sp>
+      <p:pic>
+        <p:nvPicPr>
+          <p:cNvPr id="4" name="图片 3"/>
+          <p:cNvPicPr>
+            <a:picLocks noChangeAspect="1"/>
+          </p:cNvPicPr>
+          <p:nvPr/>
+        </p:nvPicPr>
+        <p:blipFill>
+          <a:blip r:embed="rId2"/>
+          <a:stretch>
+            <a:fillRect/>
+          </a:stretch>
+        </p:blipFill>
+        <p:spPr>
+          <a:xfrm>
+            <a:off x="4111946" y="1695269"/>
+            <a:ext cx="1142857" cy="904762"/>
+          </a:xfrm>
+          <a:prstGeom prst="rect">
+            <a:avLst/>
+          </a:prstGeom>
+        </p:spPr>
+      </p:pic>
+      <p:pic>
+        <p:nvPicPr>
+          <p:cNvPr id="5" name="图片 4"/>
+          <p:cNvPicPr>
+            <a:picLocks noChangeAspect="1"/>
+          </p:cNvPicPr>
+          <p:nvPr/>
+        </p:nvPicPr>
+        <p:blipFill>
+          <a:blip r:embed="rId3"/>
+          <a:stretch>
+            <a:fillRect/>
+          </a:stretch>
+        </p:blipFill>
+        <p:spPr>
+          <a:xfrm>
+            <a:off x="4111946" y="2879195"/>
+            <a:ext cx="1076190" cy="942857"/>
+          </a:xfrm>
+          <a:prstGeom prst="rect">
+            <a:avLst/>
+          </a:prstGeom>
+        </p:spPr>
+      </p:pic>
+      <p:pic>
+        <p:nvPicPr>
+          <p:cNvPr id="8" name="图片 7"/>
+          <p:cNvPicPr>
+            <a:picLocks noChangeAspect="1"/>
+          </p:cNvPicPr>
+          <p:nvPr/>
+        </p:nvPicPr>
+        <p:blipFill>
+          <a:blip r:embed="rId4"/>
+          <a:stretch>
+            <a:fillRect/>
+          </a:stretch>
+        </p:blipFill>
+        <p:spPr>
+          <a:xfrm>
+            <a:off x="943245" y="2231835"/>
+            <a:ext cx="836024" cy="566516"/>
+          </a:xfrm>
+          <a:prstGeom prst="rect">
+            <a:avLst/>
+          </a:prstGeom>
+        </p:spPr>
+      </p:pic>
+      <p:pic>
+        <p:nvPicPr>
+          <p:cNvPr id="9" name="图片 8"/>
+          <p:cNvPicPr>
+            <a:picLocks noChangeAspect="1"/>
+          </p:cNvPicPr>
+          <p:nvPr/>
+        </p:nvPicPr>
+        <p:blipFill>
+          <a:blip r:embed="rId5"/>
+          <a:stretch>
+            <a:fillRect/>
+          </a:stretch>
+        </p:blipFill>
+        <p:spPr>
+          <a:xfrm>
+            <a:off x="7280442" y="1685745"/>
+            <a:ext cx="966575" cy="732483"/>
+          </a:xfrm>
+          <a:prstGeom prst="rect">
+            <a:avLst/>
+          </a:prstGeom>
+        </p:spPr>
+      </p:pic>
+      <p:pic>
+        <p:nvPicPr>
+          <p:cNvPr id="10" name="图片 9"/>
+          <p:cNvPicPr>
+            <a:picLocks noChangeAspect="1"/>
+          </p:cNvPicPr>
+          <p:nvPr/>
+        </p:nvPicPr>
+        <p:blipFill>
+          <a:blip r:embed="rId6"/>
+          <a:stretch>
+            <a:fillRect/>
+          </a:stretch>
+        </p:blipFill>
+        <p:spPr>
+          <a:xfrm>
+            <a:off x="7352408" y="2786996"/>
+            <a:ext cx="814260" cy="620773"/>
+          </a:xfrm>
+          <a:prstGeom prst="rect">
+            <a:avLst/>
+          </a:prstGeom>
+        </p:spPr>
+      </p:pic>
+      <p:pic>
+        <p:nvPicPr>
+          <p:cNvPr id="11" name="图片 10"/>
+          <p:cNvPicPr>
+            <a:picLocks noChangeAspect="1"/>
+          </p:cNvPicPr>
+          <p:nvPr/>
+        </p:nvPicPr>
+        <p:blipFill>
+          <a:blip r:embed="rId7"/>
+          <a:stretch>
+            <a:fillRect/>
+          </a:stretch>
+        </p:blipFill>
+        <p:spPr>
+          <a:xfrm>
+            <a:off x="7280442" y="3715967"/>
+            <a:ext cx="886226" cy="701809"/>
+          </a:xfrm>
+          <a:prstGeom prst="rect">
+            <a:avLst/>
+          </a:prstGeom>
+        </p:spPr>
+      </p:pic>
+      <p:pic>
+        <p:nvPicPr>
+          <p:cNvPr id="12" name="图片 11"/>
+          <p:cNvPicPr>
+            <a:picLocks noChangeAspect="1"/>
+          </p:cNvPicPr>
+          <p:nvPr/>
+        </p:nvPicPr>
+        <p:blipFill>
+          <a:blip r:embed="rId8"/>
+          <a:stretch>
+            <a:fillRect/>
+          </a:stretch>
+        </p:blipFill>
+        <p:spPr>
+          <a:xfrm>
+            <a:off x="4240310" y="4243603"/>
+            <a:ext cx="780952" cy="923810"/>
+          </a:xfrm>
+          <a:prstGeom prst="rect">
+            <a:avLst/>
+          </a:prstGeom>
+        </p:spPr>
+      </p:pic>
+      <p:pic>
+        <p:nvPicPr>
+          <p:cNvPr id="13" name="图片 12"/>
+          <p:cNvPicPr>
+            <a:picLocks noChangeAspect="1"/>
+          </p:cNvPicPr>
+          <p:nvPr/>
+        </p:nvPicPr>
+        <p:blipFill>
+          <a:blip r:embed="rId9"/>
+          <a:stretch>
+            <a:fillRect/>
+          </a:stretch>
+        </p:blipFill>
+        <p:spPr>
+          <a:xfrm>
+            <a:off x="4090829" y="5523330"/>
+            <a:ext cx="1097307" cy="859132"/>
+          </a:xfrm>
+          <a:prstGeom prst="rect">
+            <a:avLst/>
+          </a:prstGeom>
+        </p:spPr>
+      </p:pic>
+      <p:pic>
+        <p:nvPicPr>
+          <p:cNvPr id="14" name="图片 13"/>
+          <p:cNvPicPr>
+            <a:picLocks noChangeAspect="1"/>
+          </p:cNvPicPr>
+          <p:nvPr/>
+        </p:nvPicPr>
+        <p:blipFill>
+          <a:blip r:embed="rId10"/>
+          <a:stretch>
+            <a:fillRect/>
+          </a:stretch>
+        </p:blipFill>
+        <p:spPr>
+          <a:xfrm>
+            <a:off x="7253216" y="4705508"/>
+            <a:ext cx="1057764" cy="679155"/>
+          </a:xfrm>
+          <a:prstGeom prst="rect">
+            <a:avLst/>
+          </a:prstGeom>
+        </p:spPr>
+      </p:pic>
+      <p:pic>
+        <p:nvPicPr>
+          <p:cNvPr id="15" name="图片 14"/>
+          <p:cNvPicPr>
+            <a:picLocks noChangeAspect="1"/>
+          </p:cNvPicPr>
+          <p:nvPr/>
+        </p:nvPicPr>
+        <p:blipFill>
+          <a:blip r:embed="rId11"/>
+          <a:stretch>
+            <a:fillRect/>
+          </a:stretch>
+        </p:blipFill>
+        <p:spPr>
+          <a:xfrm>
+            <a:off x="7288445" y="5672395"/>
+            <a:ext cx="958572" cy="621447"/>
+          </a:xfrm>
+          <a:prstGeom prst="rect">
+            <a:avLst/>
+          </a:prstGeom>
+        </p:spPr>
+      </p:pic>
+      <p:pic>
+        <p:nvPicPr>
+          <p:cNvPr id="16" name="图片 15"/>
+          <p:cNvPicPr>
+            <a:picLocks noChangeAspect="1"/>
+          </p:cNvPicPr>
+          <p:nvPr/>
+        </p:nvPicPr>
+        <p:blipFill>
+          <a:blip r:embed="rId12"/>
+          <a:stretch>
+            <a:fillRect/>
+          </a:stretch>
+        </p:blipFill>
+        <p:spPr>
+          <a:xfrm>
+            <a:off x="926630" y="3564328"/>
+            <a:ext cx="847619" cy="819048"/>
+          </a:xfrm>
+          <a:prstGeom prst="rect">
+            <a:avLst/>
+          </a:prstGeom>
+        </p:spPr>
+      </p:pic>
+      <p:pic>
+        <p:nvPicPr>
+          <p:cNvPr id="17" name="图片 16"/>
+          <p:cNvPicPr>
+            <a:picLocks noChangeAspect="1"/>
+          </p:cNvPicPr>
+          <p:nvPr/>
+        </p:nvPicPr>
+        <p:blipFill>
+          <a:blip r:embed="rId13"/>
+          <a:stretch>
+            <a:fillRect/>
+          </a:stretch>
+        </p:blipFill>
+        <p:spPr>
+          <a:xfrm>
+            <a:off x="809446" y="5048631"/>
+            <a:ext cx="1103621" cy="688140"/>
+          </a:xfrm>
+          <a:prstGeom prst="rect">
+            <a:avLst/>
+          </a:prstGeom>
+        </p:spPr>
+      </p:pic>
+      <p:sp>
+        <p:nvSpPr>
+          <p:cNvPr id="19" name="文本框 18"/>
+          <p:cNvSpPr txBox="1"/>
+          <p:nvPr/>
+        </p:nvSpPr>
+        <p:spPr>
+          <a:xfrm>
+            <a:off x="1041700" y="1867975"/>
+            <a:ext cx="617477" cy="369332"/>
+          </a:xfrm>
+          <a:prstGeom prst="rect">
+            <a:avLst/>
+          </a:prstGeom>
+          <a:noFill/>
+        </p:spPr>
+        <p:txBody>
+          <a:bodyPr wrap="none" rtlCol="0">
+            <a:spAutoFit/>
+          </a:bodyPr>
+          <a:lstStyle/>
+          <a:p>
+            <a:r>
+              <a:rPr lang="en-US" altLang="zh-CN" dirty="0" smtClean="0"/>
+              <a:t>IC</a:t>
+            </a:r>
+            <a:r>
+              <a:rPr lang="zh-CN" altLang="en-US" dirty="0" smtClean="0"/>
+              <a:t>卡</a:t>
+            </a:r>
+            <a:endParaRPr lang="zh-CN" altLang="en-US" dirty="0"/>
+          </a:p>
+        </p:txBody>
+      </p:sp>
+      <p:sp>
+        <p:nvSpPr>
+          <p:cNvPr id="20" name="文本框 19"/>
+          <p:cNvSpPr txBox="1"/>
+          <p:nvPr/>
+        </p:nvSpPr>
+        <p:spPr>
+          <a:xfrm>
+            <a:off x="696803" y="3194996"/>
+            <a:ext cx="1194687" cy="369332"/>
+          </a:xfrm>
+          <a:prstGeom prst="rect">
+            <a:avLst/>
+          </a:prstGeom>
+          <a:noFill/>
+        </p:spPr>
+        <p:txBody>
+          <a:bodyPr wrap="square" rtlCol="0">
+            <a:spAutoFit/>
+          </a:bodyPr>
+          <a:lstStyle/>
+          <a:p>
+            <a:r>
+              <a:rPr lang="zh-CN" altLang="en-US" dirty="0" smtClean="0"/>
+              <a:t>密码键盘</a:t>
+            </a:r>
+            <a:endParaRPr lang="zh-CN" altLang="en-US" dirty="0"/>
+          </a:p>
+        </p:txBody>
+      </p:sp>
+      <p:sp>
+        <p:nvSpPr>
+          <p:cNvPr id="21" name="文本框 20"/>
+          <p:cNvSpPr txBox="1"/>
+          <p:nvPr/>
+        </p:nvSpPr>
+        <p:spPr>
+          <a:xfrm>
+            <a:off x="926630" y="4947256"/>
+            <a:ext cx="964860" cy="369332"/>
+          </a:xfrm>
+          <a:prstGeom prst="rect">
+            <a:avLst/>
+          </a:prstGeom>
+          <a:noFill/>
+        </p:spPr>
+        <p:txBody>
+          <a:bodyPr wrap="square" rtlCol="0">
+            <a:spAutoFit/>
+          </a:bodyPr>
+          <a:lstStyle/>
+          <a:p>
+            <a:r>
+              <a:rPr lang="zh-CN" altLang="en-US" dirty="0" smtClean="0"/>
+              <a:t>磁条</a:t>
+            </a:r>
+            <a:endParaRPr lang="zh-CN" altLang="en-US" dirty="0"/>
+          </a:p>
+        </p:txBody>
+      </p:sp>
+      <p:sp>
+        <p:nvSpPr>
+          <p:cNvPr id="22" name="文本框 21"/>
+          <p:cNvSpPr txBox="1"/>
+          <p:nvPr/>
+        </p:nvSpPr>
+        <p:spPr>
+          <a:xfrm>
+            <a:off x="4111946" y="1454331"/>
+            <a:ext cx="928571" cy="369332"/>
+          </a:xfrm>
+          <a:prstGeom prst="rect">
+            <a:avLst/>
+          </a:prstGeom>
+          <a:noFill/>
+        </p:spPr>
+        <p:txBody>
+          <a:bodyPr wrap="square" rtlCol="0">
+            <a:spAutoFit/>
+          </a:bodyPr>
+          <a:lstStyle/>
+          <a:p>
+            <a:r>
+              <a:rPr lang="zh-CN" altLang="en-US" dirty="0" smtClean="0"/>
+              <a:t>串口</a:t>
+            </a:r>
+            <a:endParaRPr lang="zh-CN" altLang="en-US" dirty="0"/>
+          </a:p>
+        </p:txBody>
+      </p:sp>
+      <p:sp>
+        <p:nvSpPr>
+          <p:cNvPr id="23" name="文本框 22"/>
+          <p:cNvSpPr txBox="1"/>
+          <p:nvPr/>
+        </p:nvSpPr>
+        <p:spPr>
+          <a:xfrm>
+            <a:off x="4111946" y="2699657"/>
+            <a:ext cx="1076190" cy="369332"/>
+          </a:xfrm>
+          <a:prstGeom prst="rect">
+            <a:avLst/>
+          </a:prstGeom>
+          <a:noFill/>
+        </p:spPr>
+        <p:txBody>
+          <a:bodyPr wrap="square" rtlCol="0">
+            <a:spAutoFit/>
+          </a:bodyPr>
+          <a:lstStyle/>
+          <a:p>
+            <a:r>
+              <a:rPr lang="en-US" altLang="zh-CN" dirty="0" smtClean="0"/>
+              <a:t>USB</a:t>
+            </a:r>
+            <a:endParaRPr lang="zh-CN" altLang="en-US" dirty="0"/>
+          </a:p>
+        </p:txBody>
+      </p:sp>
+      <p:sp>
+        <p:nvSpPr>
+          <p:cNvPr id="24" name="文本框 23"/>
+          <p:cNvSpPr txBox="1"/>
+          <p:nvPr/>
+        </p:nvSpPr>
+        <p:spPr>
+          <a:xfrm>
+            <a:off x="4243209" y="3987836"/>
+            <a:ext cx="880330" cy="369332"/>
+          </a:xfrm>
+          <a:prstGeom prst="rect">
+            <a:avLst/>
+          </a:prstGeom>
+          <a:noFill/>
+        </p:spPr>
+        <p:txBody>
+          <a:bodyPr wrap="square" rtlCol="0">
+            <a:spAutoFit/>
+          </a:bodyPr>
+          <a:lstStyle/>
+          <a:p>
+            <a:r>
+              <a:rPr lang="zh-CN" altLang="en-US" dirty="0" smtClean="0"/>
+              <a:t>蓝牙</a:t>
+            </a:r>
+            <a:endParaRPr lang="zh-CN" altLang="en-US" dirty="0"/>
+          </a:p>
+        </p:txBody>
+      </p:sp>
+      <p:sp>
+        <p:nvSpPr>
+          <p:cNvPr id="25" name="文本框 24"/>
+          <p:cNvSpPr txBox="1"/>
+          <p:nvPr/>
+        </p:nvSpPr>
+        <p:spPr>
+          <a:xfrm>
+            <a:off x="4240310" y="5238514"/>
+            <a:ext cx="710519" cy="369332"/>
+          </a:xfrm>
+          <a:prstGeom prst="rect">
+            <a:avLst/>
+          </a:prstGeom>
+          <a:noFill/>
+        </p:spPr>
+        <p:txBody>
+          <a:bodyPr wrap="square" rtlCol="0">
+            <a:spAutoFit/>
+          </a:bodyPr>
+          <a:lstStyle/>
+          <a:p>
+            <a:r>
+              <a:rPr lang="en-US" altLang="zh-CN" dirty="0" smtClean="0"/>
+              <a:t>WIFI</a:t>
+            </a:r>
+            <a:endParaRPr lang="zh-CN" altLang="en-US" dirty="0"/>
+          </a:p>
+        </p:txBody>
+      </p:sp>
+      <p:cxnSp>
+        <p:nvCxnSpPr>
+          <p:cNvPr id="27" name="直接箭头连接符 26"/>
+          <p:cNvCxnSpPr/>
+          <p:nvPr/>
+        </p:nvCxnSpPr>
+        <p:spPr>
+          <a:xfrm>
+            <a:off x="2211977" y="2515093"/>
+            <a:ext cx="1463040" cy="3008237"/>
+          </a:xfrm>
+          <a:prstGeom prst="straightConnector1">
+            <a:avLst/>
+          </a:prstGeom>
+          <a:ln>
+            <a:tailEnd type="triangle"/>
+          </a:ln>
+        </p:spPr>
+        <p:style>
+          <a:lnRef idx="1">
+            <a:schemeClr val="accent1"/>
+          </a:lnRef>
+          <a:fillRef idx="0">
+            <a:schemeClr val="accent1"/>
+          </a:fillRef>
+          <a:effectRef idx="0">
+            <a:schemeClr val="accent1"/>
+          </a:effectRef>
+          <a:fontRef idx="minor">
+            <a:schemeClr val="tx1"/>
+          </a:fontRef>
+        </p:style>
+      </p:cxnSp>
+      <p:cxnSp>
+        <p:nvCxnSpPr>
+          <p:cNvPr id="29" name="直接箭头连接符 28"/>
+          <p:cNvCxnSpPr/>
+          <p:nvPr/>
+        </p:nvCxnSpPr>
+        <p:spPr>
+          <a:xfrm>
+            <a:off x="2172319" y="2515093"/>
+            <a:ext cx="1679302" cy="2065616"/>
+          </a:xfrm>
+          <a:prstGeom prst="straightConnector1">
+            <a:avLst/>
+          </a:prstGeom>
+          <a:ln>
+            <a:tailEnd type="triangle"/>
+          </a:ln>
+        </p:spPr>
+        <p:style>
+          <a:lnRef idx="1">
+            <a:schemeClr val="accent1"/>
+          </a:lnRef>
+          <a:fillRef idx="0">
+            <a:schemeClr val="accent1"/>
+          </a:fillRef>
+          <a:effectRef idx="0">
+            <a:schemeClr val="accent1"/>
+          </a:effectRef>
+          <a:fontRef idx="minor">
+            <a:schemeClr val="tx1"/>
+          </a:fontRef>
+        </p:style>
+      </p:cxnSp>
+      <p:cxnSp>
+        <p:nvCxnSpPr>
+          <p:cNvPr id="31" name="直接箭头连接符 30"/>
+          <p:cNvCxnSpPr/>
+          <p:nvPr/>
+        </p:nvCxnSpPr>
+        <p:spPr>
+          <a:xfrm>
+            <a:off x="2142705" y="2515093"/>
+            <a:ext cx="1628106" cy="835530"/>
+          </a:xfrm>
+          <a:prstGeom prst="straightConnector1">
+            <a:avLst/>
+          </a:prstGeom>
+          <a:ln>
+            <a:tailEnd type="triangle"/>
+          </a:ln>
+        </p:spPr>
+        <p:style>
+          <a:lnRef idx="1">
+            <a:schemeClr val="accent1"/>
+          </a:lnRef>
+          <a:fillRef idx="0">
+            <a:schemeClr val="accent1"/>
+          </a:fillRef>
+          <a:effectRef idx="0">
+            <a:schemeClr val="accent1"/>
+          </a:effectRef>
+          <a:fontRef idx="minor">
+            <a:schemeClr val="tx1"/>
+          </a:fontRef>
+        </p:style>
+      </p:cxnSp>
+      <p:cxnSp>
+        <p:nvCxnSpPr>
+          <p:cNvPr id="33" name="直接箭头连接符 32"/>
+          <p:cNvCxnSpPr/>
+          <p:nvPr/>
+        </p:nvCxnSpPr>
+        <p:spPr>
+          <a:xfrm flipV="1">
+            <a:off x="2159573" y="2144933"/>
+            <a:ext cx="1783968" cy="370160"/>
+          </a:xfrm>
+          <a:prstGeom prst="straightConnector1">
+            <a:avLst/>
+          </a:prstGeom>
+          <a:ln>
+            <a:tailEnd type="triangle"/>
+          </a:ln>
+        </p:spPr>
+        <p:style>
+          <a:lnRef idx="1">
+            <a:schemeClr val="accent1"/>
+          </a:lnRef>
+          <a:fillRef idx="0">
+            <a:schemeClr val="accent1"/>
+          </a:fillRef>
+          <a:effectRef idx="0">
+            <a:schemeClr val="accent1"/>
+          </a:effectRef>
+          <a:fontRef idx="minor">
+            <a:schemeClr val="tx1"/>
+          </a:fontRef>
+        </p:style>
+      </p:cxnSp>
+      <p:cxnSp>
+        <p:nvCxnSpPr>
+          <p:cNvPr id="35" name="直接箭头连接符 34"/>
+          <p:cNvCxnSpPr/>
+          <p:nvPr/>
+        </p:nvCxnSpPr>
+        <p:spPr>
+          <a:xfrm flipV="1">
+            <a:off x="1877724" y="2231835"/>
+            <a:ext cx="2021378" cy="1787376"/>
+          </a:xfrm>
+          <a:prstGeom prst="straightConnector1">
+            <a:avLst/>
+          </a:prstGeom>
+          <a:ln>
+            <a:solidFill>
+              <a:srgbClr val="00B050"/>
+            </a:solidFill>
+            <a:tailEnd type="triangle"/>
+          </a:ln>
+        </p:spPr>
+        <p:style>
+          <a:lnRef idx="1">
+            <a:schemeClr val="accent1"/>
+          </a:lnRef>
+          <a:fillRef idx="0">
+            <a:schemeClr val="accent1"/>
+          </a:fillRef>
+          <a:effectRef idx="0">
+            <a:schemeClr val="accent1"/>
+          </a:effectRef>
+          <a:fontRef idx="minor">
+            <a:schemeClr val="tx1"/>
+          </a:fontRef>
+        </p:style>
+      </p:cxnSp>
+      <p:cxnSp>
+        <p:nvCxnSpPr>
+          <p:cNvPr id="37" name="直接箭头连接符 36"/>
+          <p:cNvCxnSpPr/>
+          <p:nvPr/>
+        </p:nvCxnSpPr>
+        <p:spPr>
+          <a:xfrm flipV="1">
+            <a:off x="1872704" y="3311417"/>
+            <a:ext cx="2106301" cy="707794"/>
+          </a:xfrm>
+          <a:prstGeom prst="straightConnector1">
+            <a:avLst/>
+          </a:prstGeom>
+          <a:ln>
+            <a:solidFill>
+              <a:srgbClr val="00B050"/>
+            </a:solidFill>
+            <a:tailEnd type="triangle"/>
+          </a:ln>
+        </p:spPr>
+        <p:style>
+          <a:lnRef idx="1">
+            <a:schemeClr val="accent1"/>
+          </a:lnRef>
+          <a:fillRef idx="0">
+            <a:schemeClr val="accent1"/>
+          </a:fillRef>
+          <a:effectRef idx="0">
+            <a:schemeClr val="accent1"/>
+          </a:effectRef>
+          <a:fontRef idx="minor">
+            <a:schemeClr val="tx1"/>
+          </a:fontRef>
+        </p:style>
+      </p:cxnSp>
+      <p:cxnSp>
+        <p:nvCxnSpPr>
+          <p:cNvPr id="39" name="直接箭头连接符 38"/>
+          <p:cNvCxnSpPr/>
+          <p:nvPr/>
+        </p:nvCxnSpPr>
+        <p:spPr>
+          <a:xfrm>
+            <a:off x="1877724" y="3999396"/>
+            <a:ext cx="1893087" cy="594352"/>
+          </a:xfrm>
+          <a:prstGeom prst="straightConnector1">
+            <a:avLst/>
+          </a:prstGeom>
+          <a:ln>
+            <a:solidFill>
+              <a:srgbClr val="00B050"/>
+            </a:solidFill>
+            <a:tailEnd type="triangle"/>
+          </a:ln>
+        </p:spPr>
+        <p:style>
+          <a:lnRef idx="1">
+            <a:schemeClr val="accent1"/>
+          </a:lnRef>
+          <a:fillRef idx="0">
+            <a:schemeClr val="accent1"/>
+          </a:fillRef>
+          <a:effectRef idx="0">
+            <a:schemeClr val="accent1"/>
+          </a:effectRef>
+          <a:fontRef idx="minor">
+            <a:schemeClr val="tx1"/>
+          </a:fontRef>
+        </p:style>
+      </p:cxnSp>
+      <p:cxnSp>
+        <p:nvCxnSpPr>
+          <p:cNvPr id="41" name="直接箭头连接符 40"/>
+          <p:cNvCxnSpPr/>
+          <p:nvPr/>
+        </p:nvCxnSpPr>
+        <p:spPr>
+          <a:xfrm>
+            <a:off x="1891490" y="4015878"/>
+            <a:ext cx="1783527" cy="1608827"/>
+          </a:xfrm>
+          <a:prstGeom prst="straightConnector1">
+            <a:avLst/>
+          </a:prstGeom>
+          <a:ln>
+            <a:solidFill>
+              <a:srgbClr val="00B050"/>
+            </a:solidFill>
+            <a:tailEnd type="triangle"/>
+          </a:ln>
+        </p:spPr>
+        <p:style>
+          <a:lnRef idx="1">
+            <a:schemeClr val="accent1"/>
+          </a:lnRef>
+          <a:fillRef idx="0">
+            <a:schemeClr val="accent1"/>
+          </a:fillRef>
+          <a:effectRef idx="0">
+            <a:schemeClr val="accent1"/>
+          </a:effectRef>
+          <a:fontRef idx="minor">
+            <a:schemeClr val="tx1"/>
+          </a:fontRef>
+        </p:style>
+      </p:cxnSp>
+      <p:cxnSp>
+        <p:nvCxnSpPr>
+          <p:cNvPr id="43" name="直接箭头连接符 42"/>
+          <p:cNvCxnSpPr/>
+          <p:nvPr/>
+        </p:nvCxnSpPr>
+        <p:spPr>
+          <a:xfrm flipV="1">
+            <a:off x="1998462" y="2365468"/>
+            <a:ext cx="1882773" cy="3034760"/>
+          </a:xfrm>
+          <a:prstGeom prst="straightConnector1">
+            <a:avLst/>
+          </a:prstGeom>
+          <a:ln>
+            <a:solidFill>
+              <a:srgbClr val="00B0F0"/>
+            </a:solidFill>
+            <a:tailEnd type="triangle"/>
+          </a:ln>
+        </p:spPr>
+        <p:style>
+          <a:lnRef idx="1">
+            <a:schemeClr val="accent1"/>
+          </a:lnRef>
+          <a:fillRef idx="0">
+            <a:schemeClr val="accent1"/>
+          </a:fillRef>
+          <a:effectRef idx="0">
+            <a:schemeClr val="accent1"/>
+          </a:effectRef>
+          <a:fontRef idx="minor">
+            <a:schemeClr val="tx1"/>
+          </a:fontRef>
+        </p:style>
+      </p:cxnSp>
+      <p:cxnSp>
+        <p:nvCxnSpPr>
+          <p:cNvPr id="45" name="直接箭头连接符 44"/>
+          <p:cNvCxnSpPr/>
+          <p:nvPr/>
+        </p:nvCxnSpPr>
+        <p:spPr>
+          <a:xfrm flipV="1">
+            <a:off x="2038453" y="3407769"/>
+            <a:ext cx="1833122" cy="1984932"/>
+          </a:xfrm>
+          <a:prstGeom prst="straightConnector1">
+            <a:avLst/>
+          </a:prstGeom>
+          <a:ln>
+            <a:solidFill>
+              <a:srgbClr val="00B0F0"/>
+            </a:solidFill>
+            <a:tailEnd type="triangle"/>
+          </a:ln>
+        </p:spPr>
+        <p:style>
+          <a:lnRef idx="1">
+            <a:schemeClr val="accent1"/>
+          </a:lnRef>
+          <a:fillRef idx="0">
+            <a:schemeClr val="accent1"/>
+          </a:fillRef>
+          <a:effectRef idx="0">
+            <a:schemeClr val="accent1"/>
+          </a:effectRef>
+          <a:fontRef idx="minor">
+            <a:schemeClr val="tx1"/>
+          </a:fontRef>
+        </p:style>
+      </p:cxnSp>
+      <p:cxnSp>
+        <p:nvCxnSpPr>
+          <p:cNvPr id="48" name="直接箭头连接符 47"/>
+          <p:cNvCxnSpPr/>
+          <p:nvPr/>
+        </p:nvCxnSpPr>
+        <p:spPr>
+          <a:xfrm flipV="1">
+            <a:off x="2030251" y="4688272"/>
+            <a:ext cx="1730161" cy="711956"/>
+          </a:xfrm>
+          <a:prstGeom prst="straightConnector1">
+            <a:avLst/>
+          </a:prstGeom>
+          <a:ln>
+            <a:solidFill>
+              <a:srgbClr val="00B0F0"/>
+            </a:solidFill>
+            <a:tailEnd type="triangle"/>
+          </a:ln>
+        </p:spPr>
+        <p:style>
+          <a:lnRef idx="1">
+            <a:schemeClr val="accent1"/>
+          </a:lnRef>
+          <a:fillRef idx="0">
+            <a:schemeClr val="accent1"/>
+          </a:fillRef>
+          <a:effectRef idx="0">
+            <a:schemeClr val="accent1"/>
+          </a:effectRef>
+          <a:fontRef idx="minor">
+            <a:schemeClr val="tx1"/>
+          </a:fontRef>
+        </p:style>
+      </p:cxnSp>
+      <p:cxnSp>
+        <p:nvCxnSpPr>
+          <p:cNvPr id="50" name="直接箭头连接符 49"/>
+          <p:cNvCxnSpPr/>
+          <p:nvPr/>
+        </p:nvCxnSpPr>
+        <p:spPr>
+          <a:xfrm>
+            <a:off x="1998462" y="5377033"/>
+            <a:ext cx="1589469" cy="262718"/>
+          </a:xfrm>
+          <a:prstGeom prst="straightConnector1">
+            <a:avLst/>
+          </a:prstGeom>
+          <a:ln>
+            <a:solidFill>
+              <a:srgbClr val="00B0F0"/>
+            </a:solidFill>
+            <a:tailEnd type="triangle"/>
+          </a:ln>
+        </p:spPr>
+        <p:style>
+          <a:lnRef idx="1">
+            <a:schemeClr val="accent1"/>
+          </a:lnRef>
+          <a:fillRef idx="0">
+            <a:schemeClr val="accent1"/>
+          </a:fillRef>
+          <a:effectRef idx="0">
+            <a:schemeClr val="accent1"/>
+          </a:effectRef>
+          <a:fontRef idx="minor">
+            <a:schemeClr val="tx1"/>
+          </a:fontRef>
+        </p:style>
+      </p:cxnSp>
+      <p:cxnSp>
+        <p:nvCxnSpPr>
+          <p:cNvPr id="52" name="直接箭头连接符 51"/>
+          <p:cNvCxnSpPr/>
+          <p:nvPr/>
+        </p:nvCxnSpPr>
+        <p:spPr>
+          <a:xfrm>
+            <a:off x="5516122" y="2325524"/>
+            <a:ext cx="1530876" cy="0"/>
+          </a:xfrm>
+          <a:prstGeom prst="straightConnector1">
+            <a:avLst/>
+          </a:prstGeom>
+          <a:ln>
+            <a:tailEnd type="triangle"/>
+          </a:ln>
+        </p:spPr>
+        <p:style>
+          <a:lnRef idx="1">
+            <a:schemeClr val="accent1"/>
+          </a:lnRef>
+          <a:fillRef idx="0">
+            <a:schemeClr val="accent1"/>
+          </a:fillRef>
+          <a:effectRef idx="0">
+            <a:schemeClr val="accent1"/>
+          </a:effectRef>
+          <a:fontRef idx="minor">
+            <a:schemeClr val="tx1"/>
+          </a:fontRef>
+        </p:style>
+      </p:cxnSp>
+      <p:cxnSp>
+        <p:nvCxnSpPr>
+          <p:cNvPr id="54" name="直接箭头连接符 53"/>
+          <p:cNvCxnSpPr/>
+          <p:nvPr/>
+        </p:nvCxnSpPr>
+        <p:spPr>
+          <a:xfrm>
+            <a:off x="5516122" y="2298411"/>
+            <a:ext cx="1607489" cy="896586"/>
+          </a:xfrm>
+          <a:prstGeom prst="straightConnector1">
+            <a:avLst/>
+          </a:prstGeom>
+          <a:ln>
+            <a:tailEnd type="triangle"/>
+          </a:ln>
+        </p:spPr>
+        <p:style>
+          <a:lnRef idx="1">
+            <a:schemeClr val="accent1"/>
+          </a:lnRef>
+          <a:fillRef idx="0">
+            <a:schemeClr val="accent1"/>
+          </a:fillRef>
+          <a:effectRef idx="0">
+            <a:schemeClr val="accent1"/>
+          </a:effectRef>
+          <a:fontRef idx="minor">
+            <a:schemeClr val="tx1"/>
+          </a:fontRef>
+        </p:style>
+      </p:cxnSp>
+      <p:cxnSp>
+        <p:nvCxnSpPr>
+          <p:cNvPr id="57" name="直接箭头连接符 56"/>
+          <p:cNvCxnSpPr/>
+          <p:nvPr/>
+        </p:nvCxnSpPr>
+        <p:spPr>
+          <a:xfrm>
+            <a:off x="5497211" y="2325524"/>
+            <a:ext cx="1417395" cy="1741347"/>
+          </a:xfrm>
+          <a:prstGeom prst="straightConnector1">
+            <a:avLst/>
+          </a:prstGeom>
+          <a:ln>
+            <a:tailEnd type="triangle"/>
+          </a:ln>
+        </p:spPr>
+        <p:style>
+          <a:lnRef idx="1">
+            <a:schemeClr val="accent1"/>
+          </a:lnRef>
+          <a:fillRef idx="0">
+            <a:schemeClr val="accent1"/>
+          </a:fillRef>
+          <a:effectRef idx="0">
+            <a:schemeClr val="accent1"/>
+          </a:effectRef>
+          <a:fontRef idx="minor">
+            <a:schemeClr val="tx1"/>
+          </a:fontRef>
+        </p:style>
+      </p:cxnSp>
+      <p:cxnSp>
+        <p:nvCxnSpPr>
+          <p:cNvPr id="59" name="直接箭头连接符 58"/>
+          <p:cNvCxnSpPr/>
+          <p:nvPr/>
+        </p:nvCxnSpPr>
+        <p:spPr>
+          <a:xfrm>
+            <a:off x="5493293" y="2298411"/>
+            <a:ext cx="1483161" cy="2648845"/>
+          </a:xfrm>
+          <a:prstGeom prst="straightConnector1">
+            <a:avLst/>
+          </a:prstGeom>
+          <a:ln>
+            <a:tailEnd type="triangle"/>
+          </a:ln>
+        </p:spPr>
+        <p:style>
+          <a:lnRef idx="1">
+            <a:schemeClr val="accent1"/>
+          </a:lnRef>
+          <a:fillRef idx="0">
+            <a:schemeClr val="accent1"/>
+          </a:fillRef>
+          <a:effectRef idx="0">
+            <a:schemeClr val="accent1"/>
+          </a:effectRef>
+          <a:fontRef idx="minor">
+            <a:schemeClr val="tx1"/>
+          </a:fontRef>
+        </p:style>
+      </p:cxnSp>
+      <p:cxnSp>
+        <p:nvCxnSpPr>
+          <p:cNvPr id="61" name="直接箭头连接符 60"/>
+          <p:cNvCxnSpPr/>
+          <p:nvPr/>
+        </p:nvCxnSpPr>
+        <p:spPr>
+          <a:xfrm>
+            <a:off x="5497211" y="2298411"/>
+            <a:ext cx="1417395" cy="3684707"/>
+          </a:xfrm>
+          <a:prstGeom prst="straightConnector1">
+            <a:avLst/>
+          </a:prstGeom>
+          <a:ln>
+            <a:solidFill>
+              <a:schemeClr val="accent2"/>
+            </a:solidFill>
+            <a:tailEnd type="triangle"/>
+          </a:ln>
+        </p:spPr>
+        <p:style>
+          <a:lnRef idx="1">
+            <a:schemeClr val="accent1"/>
+          </a:lnRef>
+          <a:fillRef idx="0">
+            <a:schemeClr val="accent1"/>
+          </a:fillRef>
+          <a:effectRef idx="0">
+            <a:schemeClr val="accent1"/>
+          </a:effectRef>
+          <a:fontRef idx="minor">
+            <a:schemeClr val="tx1"/>
+          </a:fontRef>
+        </p:style>
+      </p:cxnSp>
+      <p:cxnSp>
+        <p:nvCxnSpPr>
+          <p:cNvPr id="63" name="直接箭头连接符 62"/>
+          <p:cNvCxnSpPr/>
+          <p:nvPr/>
+        </p:nvCxnSpPr>
+        <p:spPr>
+          <a:xfrm flipV="1">
+            <a:off x="5227591" y="2418228"/>
+            <a:ext cx="1700815" cy="1065201"/>
+          </a:xfrm>
+          <a:prstGeom prst="straightConnector1">
+            <a:avLst/>
+          </a:prstGeom>
+          <a:ln>
+            <a:solidFill>
+              <a:schemeClr val="accent4"/>
+            </a:solidFill>
+            <a:tailEnd type="triangle"/>
+          </a:ln>
+        </p:spPr>
+        <p:style>
+          <a:lnRef idx="1">
+            <a:schemeClr val="accent1"/>
+          </a:lnRef>
+          <a:fillRef idx="0">
+            <a:schemeClr val="accent1"/>
+          </a:fillRef>
+          <a:effectRef idx="0">
+            <a:schemeClr val="accent1"/>
+          </a:effectRef>
+          <a:fontRef idx="minor">
+            <a:schemeClr val="tx1"/>
+          </a:fontRef>
+        </p:style>
+      </p:cxnSp>
+      <p:cxnSp>
+        <p:nvCxnSpPr>
+          <p:cNvPr id="65" name="直接箭头连接符 64"/>
+          <p:cNvCxnSpPr/>
+          <p:nvPr/>
+        </p:nvCxnSpPr>
+        <p:spPr>
+          <a:xfrm flipV="1">
+            <a:off x="5207047" y="3016069"/>
+            <a:ext cx="1788318" cy="513011"/>
+          </a:xfrm>
+          <a:prstGeom prst="straightConnector1">
+            <a:avLst/>
+          </a:prstGeom>
+          <a:ln>
+            <a:solidFill>
+              <a:schemeClr val="accent4"/>
+            </a:solidFill>
+            <a:tailEnd type="triangle"/>
+          </a:ln>
+        </p:spPr>
+        <p:style>
+          <a:lnRef idx="1">
+            <a:schemeClr val="accent1"/>
+          </a:lnRef>
+          <a:fillRef idx="0">
+            <a:schemeClr val="accent1"/>
+          </a:fillRef>
+          <a:effectRef idx="0">
+            <a:schemeClr val="accent1"/>
+          </a:effectRef>
+          <a:fontRef idx="minor">
+            <a:schemeClr val="tx1"/>
+          </a:fontRef>
+        </p:style>
+      </p:cxnSp>
+      <p:cxnSp>
+        <p:nvCxnSpPr>
+          <p:cNvPr id="67" name="直接箭头连接符 66"/>
+          <p:cNvCxnSpPr/>
+          <p:nvPr/>
+        </p:nvCxnSpPr>
+        <p:spPr>
+          <a:xfrm>
+            <a:off x="5188136" y="3547901"/>
+            <a:ext cx="1665510" cy="554185"/>
+          </a:xfrm>
+          <a:prstGeom prst="straightConnector1">
+            <a:avLst/>
+          </a:prstGeom>
+          <a:ln>
+            <a:solidFill>
+              <a:schemeClr val="accent4"/>
+            </a:solidFill>
+            <a:tailEnd type="triangle"/>
+          </a:ln>
+        </p:spPr>
+        <p:style>
+          <a:lnRef idx="1">
+            <a:schemeClr val="accent1"/>
+          </a:lnRef>
+          <a:fillRef idx="0">
+            <a:schemeClr val="accent1"/>
+          </a:fillRef>
+          <a:effectRef idx="0">
+            <a:schemeClr val="accent1"/>
+          </a:effectRef>
+          <a:fontRef idx="minor">
+            <a:schemeClr val="tx1"/>
+          </a:fontRef>
+        </p:style>
+      </p:cxnSp>
+      <p:cxnSp>
+        <p:nvCxnSpPr>
+          <p:cNvPr id="69" name="直接箭头连接符 68"/>
+          <p:cNvCxnSpPr/>
+          <p:nvPr/>
+        </p:nvCxnSpPr>
+        <p:spPr>
+          <a:xfrm>
+            <a:off x="5216531" y="3563008"/>
+            <a:ext cx="1711875" cy="1491364"/>
+          </a:xfrm>
+          <a:prstGeom prst="straightConnector1">
+            <a:avLst/>
+          </a:prstGeom>
+          <a:ln>
+            <a:solidFill>
+              <a:schemeClr val="accent4"/>
+            </a:solidFill>
+            <a:tailEnd type="triangle"/>
+          </a:ln>
+        </p:spPr>
+        <p:style>
+          <a:lnRef idx="1">
+            <a:schemeClr val="accent1"/>
+          </a:lnRef>
+          <a:fillRef idx="0">
+            <a:schemeClr val="accent1"/>
+          </a:fillRef>
+          <a:effectRef idx="0">
+            <a:schemeClr val="accent1"/>
+          </a:effectRef>
+          <a:fontRef idx="minor">
+            <a:schemeClr val="tx1"/>
+          </a:fontRef>
+        </p:style>
+      </p:cxnSp>
+      <p:cxnSp>
+        <p:nvCxnSpPr>
+          <p:cNvPr id="71" name="直接箭头连接符 70"/>
+          <p:cNvCxnSpPr/>
+          <p:nvPr/>
+        </p:nvCxnSpPr>
+        <p:spPr>
+          <a:xfrm>
+            <a:off x="5216531" y="3563008"/>
+            <a:ext cx="1637115" cy="2389888"/>
+          </a:xfrm>
+          <a:prstGeom prst="straightConnector1">
+            <a:avLst/>
+          </a:prstGeom>
+          <a:ln>
+            <a:solidFill>
+              <a:schemeClr val="accent4"/>
+            </a:solidFill>
+            <a:tailEnd type="triangle"/>
+          </a:ln>
+        </p:spPr>
+        <p:style>
+          <a:lnRef idx="1">
+            <a:schemeClr val="accent1"/>
+          </a:lnRef>
+          <a:fillRef idx="0">
+            <a:schemeClr val="accent1"/>
+          </a:fillRef>
+          <a:effectRef idx="0">
+            <a:schemeClr val="accent1"/>
+          </a:effectRef>
+          <a:fontRef idx="minor">
+            <a:schemeClr val="tx1"/>
+          </a:fontRef>
+        </p:style>
+      </p:cxnSp>
+      <p:cxnSp>
+        <p:nvCxnSpPr>
+          <p:cNvPr id="73" name="直接箭头连接符 72"/>
+          <p:cNvCxnSpPr/>
+          <p:nvPr/>
+        </p:nvCxnSpPr>
+        <p:spPr>
+          <a:xfrm flipV="1">
+            <a:off x="5126288" y="2418228"/>
+            <a:ext cx="1830513" cy="2246484"/>
+          </a:xfrm>
+          <a:prstGeom prst="straightConnector1">
+            <a:avLst/>
+          </a:prstGeom>
+          <a:ln>
+            <a:solidFill>
+              <a:srgbClr val="0070C0"/>
+            </a:solidFill>
+            <a:tailEnd type="triangle"/>
+          </a:ln>
+        </p:spPr>
+        <p:style>
+          <a:lnRef idx="1">
+            <a:schemeClr val="accent1"/>
+          </a:lnRef>
+          <a:fillRef idx="0">
+            <a:schemeClr val="accent1"/>
+          </a:fillRef>
+          <a:effectRef idx="0">
+            <a:schemeClr val="accent1"/>
+          </a:effectRef>
+          <a:fontRef idx="minor">
+            <a:schemeClr val="tx1"/>
+          </a:fontRef>
+        </p:style>
+      </p:cxnSp>
+      <p:cxnSp>
+        <p:nvCxnSpPr>
+          <p:cNvPr id="75" name="直接箭头连接符 74"/>
+          <p:cNvCxnSpPr/>
+          <p:nvPr/>
+        </p:nvCxnSpPr>
+        <p:spPr>
+          <a:xfrm flipV="1">
+            <a:off x="5123539" y="3172918"/>
+            <a:ext cx="1791067" cy="1515354"/>
+          </a:xfrm>
+          <a:prstGeom prst="straightConnector1">
+            <a:avLst/>
+          </a:prstGeom>
+          <a:ln>
+            <a:solidFill>
+              <a:srgbClr val="0070C0"/>
+            </a:solidFill>
+            <a:tailEnd type="triangle"/>
+          </a:ln>
+        </p:spPr>
+        <p:style>
+          <a:lnRef idx="1">
+            <a:schemeClr val="accent1"/>
+          </a:lnRef>
+          <a:fillRef idx="0">
+            <a:schemeClr val="accent1"/>
+          </a:fillRef>
+          <a:effectRef idx="0">
+            <a:schemeClr val="accent1"/>
+          </a:effectRef>
+          <a:fontRef idx="minor">
+            <a:schemeClr val="tx1"/>
+          </a:fontRef>
+        </p:style>
+      </p:cxnSp>
+      <p:cxnSp>
+        <p:nvCxnSpPr>
+          <p:cNvPr id="77" name="直接箭头连接符 76"/>
+          <p:cNvCxnSpPr/>
+          <p:nvPr/>
+        </p:nvCxnSpPr>
+        <p:spPr>
+          <a:xfrm flipV="1">
+            <a:off x="5145987" y="4100800"/>
+            <a:ext cx="1707659" cy="594442"/>
+          </a:xfrm>
+          <a:prstGeom prst="straightConnector1">
+            <a:avLst/>
+          </a:prstGeom>
+          <a:ln>
+            <a:solidFill>
+              <a:srgbClr val="0070C0"/>
+            </a:solidFill>
+            <a:tailEnd type="triangle"/>
+          </a:ln>
+        </p:spPr>
+        <p:style>
+          <a:lnRef idx="1">
+            <a:schemeClr val="accent1"/>
+          </a:lnRef>
+          <a:fillRef idx="0">
+            <a:schemeClr val="accent1"/>
+          </a:fillRef>
+          <a:effectRef idx="0">
+            <a:schemeClr val="accent1"/>
+          </a:effectRef>
+          <a:fontRef idx="minor">
+            <a:schemeClr val="tx1"/>
+          </a:fontRef>
+        </p:style>
+      </p:cxnSp>
+      <p:cxnSp>
+        <p:nvCxnSpPr>
+          <p:cNvPr id="80" name="直接箭头连接符 79"/>
+          <p:cNvCxnSpPr/>
+          <p:nvPr/>
+        </p:nvCxnSpPr>
+        <p:spPr>
+          <a:xfrm>
+            <a:off x="5123372" y="4688272"/>
+            <a:ext cx="1730274" cy="400028"/>
+          </a:xfrm>
+          <a:prstGeom prst="straightConnector1">
+            <a:avLst/>
+          </a:prstGeom>
+          <a:ln>
+            <a:solidFill>
+              <a:srgbClr val="0070C0"/>
+            </a:solidFill>
+            <a:tailEnd type="triangle"/>
+          </a:ln>
+        </p:spPr>
+        <p:style>
+          <a:lnRef idx="1">
+            <a:schemeClr val="accent1"/>
+          </a:lnRef>
+          <a:fillRef idx="0">
+            <a:schemeClr val="accent1"/>
+          </a:fillRef>
+          <a:effectRef idx="0">
+            <a:schemeClr val="accent1"/>
+          </a:effectRef>
+          <a:fontRef idx="minor">
+            <a:schemeClr val="tx1"/>
+          </a:fontRef>
+        </p:style>
+      </p:cxnSp>
+      <p:cxnSp>
+        <p:nvCxnSpPr>
+          <p:cNvPr id="82" name="直接箭头连接符 81"/>
+          <p:cNvCxnSpPr/>
+          <p:nvPr/>
+        </p:nvCxnSpPr>
+        <p:spPr>
+          <a:xfrm>
+            <a:off x="5145987" y="4683533"/>
+            <a:ext cx="1707659" cy="1223121"/>
+          </a:xfrm>
+          <a:prstGeom prst="straightConnector1">
+            <a:avLst/>
+          </a:prstGeom>
+          <a:ln>
+            <a:solidFill>
+              <a:srgbClr val="0070C0"/>
+            </a:solidFill>
+            <a:tailEnd type="triangle"/>
+          </a:ln>
+        </p:spPr>
+        <p:style>
+          <a:lnRef idx="1">
+            <a:schemeClr val="accent1"/>
+          </a:lnRef>
+          <a:fillRef idx="0">
+            <a:schemeClr val="accent1"/>
+          </a:fillRef>
+          <a:effectRef idx="0">
+            <a:schemeClr val="accent1"/>
+          </a:effectRef>
+          <a:fontRef idx="minor">
+            <a:schemeClr val="tx1"/>
+          </a:fontRef>
+        </p:style>
+      </p:cxnSp>
+      <p:cxnSp>
+        <p:nvCxnSpPr>
+          <p:cNvPr id="84" name="直接箭头连接符 83"/>
+          <p:cNvCxnSpPr/>
+          <p:nvPr/>
+        </p:nvCxnSpPr>
+        <p:spPr>
+          <a:xfrm flipV="1">
+            <a:off x="5430727" y="2522139"/>
+            <a:ext cx="1451314" cy="3367291"/>
+          </a:xfrm>
+          <a:prstGeom prst="straightConnector1">
+            <a:avLst/>
+          </a:prstGeom>
+          <a:ln>
+            <a:solidFill>
+              <a:srgbClr val="7030A0"/>
+            </a:solidFill>
+            <a:tailEnd type="triangle"/>
+          </a:ln>
+        </p:spPr>
+        <p:style>
+          <a:lnRef idx="1">
+            <a:schemeClr val="accent1"/>
+          </a:lnRef>
+          <a:fillRef idx="0">
+            <a:schemeClr val="accent1"/>
+          </a:fillRef>
+          <a:effectRef idx="0">
+            <a:schemeClr val="accent1"/>
+          </a:effectRef>
+          <a:fontRef idx="minor">
+            <a:schemeClr val="tx1"/>
+          </a:fontRef>
+        </p:style>
+      </p:cxnSp>
+      <p:cxnSp>
+        <p:nvCxnSpPr>
+          <p:cNvPr id="86" name="直接箭头连接符 85"/>
+          <p:cNvCxnSpPr/>
+          <p:nvPr/>
+        </p:nvCxnSpPr>
+        <p:spPr>
+          <a:xfrm flipV="1">
+            <a:off x="5426626" y="3068989"/>
+            <a:ext cx="1497564" cy="2837665"/>
+          </a:xfrm>
+          <a:prstGeom prst="straightConnector1">
+            <a:avLst/>
+          </a:prstGeom>
+          <a:ln>
+            <a:solidFill>
+              <a:srgbClr val="7030A0"/>
+            </a:solidFill>
+            <a:tailEnd type="triangle"/>
+          </a:ln>
+        </p:spPr>
+        <p:style>
+          <a:lnRef idx="1">
+            <a:schemeClr val="accent1"/>
+          </a:lnRef>
+          <a:fillRef idx="0">
+            <a:schemeClr val="accent1"/>
+          </a:fillRef>
+          <a:effectRef idx="0">
+            <a:schemeClr val="accent1"/>
+          </a:effectRef>
+          <a:fontRef idx="minor">
+            <a:schemeClr val="tx1"/>
+          </a:fontRef>
+        </p:style>
+      </p:cxnSp>
+      <p:cxnSp>
+        <p:nvCxnSpPr>
+          <p:cNvPr id="88" name="直接箭头连接符 87"/>
+          <p:cNvCxnSpPr/>
+          <p:nvPr/>
+        </p:nvCxnSpPr>
+        <p:spPr>
+          <a:xfrm flipV="1">
+            <a:off x="5416933" y="4100800"/>
+            <a:ext cx="1436713" cy="1852096"/>
+          </a:xfrm>
+          <a:prstGeom prst="straightConnector1">
+            <a:avLst/>
+          </a:prstGeom>
+          <a:ln>
+            <a:solidFill>
+              <a:srgbClr val="7030A0"/>
+            </a:solidFill>
+            <a:tailEnd type="triangle"/>
+          </a:ln>
+        </p:spPr>
+        <p:style>
+          <a:lnRef idx="1">
+            <a:schemeClr val="accent1"/>
+          </a:lnRef>
+          <a:fillRef idx="0">
+            <a:schemeClr val="accent1"/>
+          </a:fillRef>
+          <a:effectRef idx="0">
+            <a:schemeClr val="accent1"/>
+          </a:effectRef>
+          <a:fontRef idx="minor">
+            <a:schemeClr val="tx1"/>
+          </a:fontRef>
+        </p:style>
+      </p:cxnSp>
+      <p:cxnSp>
+        <p:nvCxnSpPr>
+          <p:cNvPr id="90" name="直接箭头连接符 89"/>
+          <p:cNvCxnSpPr/>
+          <p:nvPr/>
+        </p:nvCxnSpPr>
+        <p:spPr>
+          <a:xfrm flipV="1">
+            <a:off x="5448349" y="5904537"/>
+            <a:ext cx="1405297" cy="63466"/>
+          </a:xfrm>
+          <a:prstGeom prst="straightConnector1">
+            <a:avLst/>
+          </a:prstGeom>
+          <a:ln>
+            <a:solidFill>
+              <a:srgbClr val="7030A0"/>
+            </a:solidFill>
+            <a:tailEnd type="triangle"/>
+          </a:ln>
+        </p:spPr>
+        <p:style>
+          <a:lnRef idx="1">
+            <a:schemeClr val="accent1"/>
+          </a:lnRef>
+          <a:fillRef idx="0">
+            <a:schemeClr val="accent1"/>
+          </a:fillRef>
+          <a:effectRef idx="0">
+            <a:schemeClr val="accent1"/>
+          </a:effectRef>
+          <a:fontRef idx="minor">
+            <a:schemeClr val="tx1"/>
+          </a:fontRef>
+        </p:style>
+      </p:cxnSp>
+    </p:spTree>
+    <p:extLst>
+      <p:ext uri="{BB962C8B-B14F-4D97-AF65-F5344CB8AC3E}">
+        <p14:creationId xmlns:p14="http://schemas.microsoft.com/office/powerpoint/2010/main" val="416224357"/>
+      </p:ext>
+    </p:extLst>
+  </p:cSld>
+  <p:clrMapOvr>
+    <a:masterClrMapping/>
+  </p:clrMapOvr>
+</p:sld>
+</file>
+
+<file path=ppt/slides/slide5.xml><?xml version="1.0" encoding="utf-8"?>
+<p:sld xmlns:a="http://schemas.openxmlformats.org/drawingml/2006/main" xmlns:r="http://schemas.openxmlformats.org/officeDocument/2006/relationships" xmlns:p="http://schemas.openxmlformats.org/presentationml/2006/main">
+  <p:cSld>
+    <p:spTree>
+      <p:nvGrpSpPr>
+        <p:cNvPr id="1" name=""/>
+        <p:cNvGrpSpPr/>
+        <p:nvPr/>
+      </p:nvGrpSpPr>
+      <p:grpSpPr>
+        <a:xfrm>
+          <a:off x="0" y="0"/>
+          <a:ext cx="0" cy="0"/>
+          <a:chOff x="0" y="0"/>
+          <a:chExt cx="0" cy="0"/>
+        </a:xfrm>
+      </p:grpSpPr>
+      <p:sp>
+        <p:nvSpPr>
+          <p:cNvPr id="2" name="标题 1"/>
+          <p:cNvSpPr>
+            <a:spLocks noGrp="1"/>
+          </p:cNvSpPr>
+          <p:nvPr>
+            <p:ph type="title"/>
+          </p:nvPr>
+        </p:nvSpPr>
+        <p:spPr/>
+        <p:txBody>
+          <a:bodyPr/>
+          <a:lstStyle/>
+          <a:p>
+            <a:r>
+              <a:rPr lang="zh-CN" altLang="en-US" dirty="0" smtClean="0"/>
+              <a:t>结构</a:t>
+            </a:r>
+            <a:r>
+              <a:rPr lang="en-US" altLang="zh-CN" dirty="0" smtClean="0"/>
+              <a:t>:</a:t>
+            </a:r>
+            <a:endParaRPr lang="zh-CN" altLang="en-US" dirty="0"/>
+          </a:p>
+        </p:txBody>
+      </p:sp>
+      <p:pic>
+        <p:nvPicPr>
+          <p:cNvPr id="7" name="图片 6"/>
+          <p:cNvPicPr>
+            <a:picLocks noChangeAspect="1"/>
+          </p:cNvPicPr>
+          <p:nvPr/>
+        </p:nvPicPr>
+        <p:blipFill>
+          <a:blip r:embed="rId2"/>
+          <a:stretch>
+            <a:fillRect/>
+          </a:stretch>
+        </p:blipFill>
+        <p:spPr>
+          <a:xfrm>
+            <a:off x="368930" y="1238952"/>
+            <a:ext cx="11523809" cy="5619048"/>
+          </a:xfrm>
+          <a:prstGeom prst="rect">
+            <a:avLst/>
+          </a:prstGeom>
+        </p:spPr>
+      </p:pic>
+    </p:spTree>
+    <p:extLst>
+      <p:ext uri="{BB962C8B-B14F-4D97-AF65-F5344CB8AC3E}">
+        <p14:creationId xmlns:p14="http://schemas.microsoft.com/office/powerpoint/2010/main" val="855901669"/>
+      </p:ext>
+    </p:extLst>
+  </p:cSld>
+  <p:clrMapOvr>
+    <a:masterClrMapping/>
+  </p:clrMapOvr>
+</p:sld>
+</file>
+
+<file path=ppt/slides/slide6.xml><?xml version="1.0" encoding="utf-8"?>
+<p:sld xmlns:a="http://schemas.openxmlformats.org/drawingml/2006/main" xmlns:r="http://schemas.openxmlformats.org/officeDocument/2006/relationships" xmlns:p="http://schemas.openxmlformats.org/presentationml/2006/main">
+  <p:cSld>
+    <p:spTree>
+      <p:nvGrpSpPr>
+        <p:cNvPr id="1" name=""/>
+        <p:cNvGrpSpPr/>
+        <p:nvPr/>
+      </p:nvGrpSpPr>
+      <p:grpSpPr>
+        <a:xfrm>
+          <a:off x="0" y="0"/>
+          <a:ext cx="0" cy="0"/>
+          <a:chOff x="0" y="0"/>
+          <a:chExt cx="0" cy="0"/>
+        </a:xfrm>
+      </p:grpSpPr>
+      <p:sp>
+        <p:nvSpPr>
+          <p:cNvPr id="2" name="标题 1"/>
+          <p:cNvSpPr>
+            <a:spLocks noGrp="1"/>
+          </p:cNvSpPr>
+          <p:nvPr>
+            <p:ph type="title"/>
+          </p:nvPr>
+        </p:nvSpPr>
+        <p:spPr/>
+        <p:txBody>
+          <a:bodyPr/>
+          <a:lstStyle/>
+          <a:p>
+            <a:r>
+              <a:rPr lang="zh-CN" altLang="en-US" dirty="0" smtClean="0"/>
+              <a:t>按照接口来编程</a:t>
+            </a:r>
+            <a:r>
+              <a:rPr lang="en-US" altLang="zh-CN" dirty="0" smtClean="0"/>
+              <a:t>:</a:t>
+            </a:r>
+            <a:endParaRPr lang="zh-CN" altLang="en-US" dirty="0"/>
+          </a:p>
+        </p:txBody>
+      </p:sp>
+      <p:sp>
+        <p:nvSpPr>
+          <p:cNvPr id="3" name="内容占位符 2"/>
+          <p:cNvSpPr>
+            <a:spLocks noGrp="1"/>
+          </p:cNvSpPr>
+          <p:nvPr>
+            <p:ph idx="1"/>
+          </p:nvPr>
+        </p:nvSpPr>
+        <p:spPr>
+          <a:xfrm>
+            <a:off x="677334" y="1558835"/>
+            <a:ext cx="8596668" cy="4482528"/>
+          </a:xfrm>
+        </p:spPr>
+        <p:txBody>
+          <a:bodyPr>
+            <a:normAutofit/>
+          </a:bodyPr>
+          <a:lstStyle/>
+          <a:p>
+            <a:r>
+              <a:rPr lang="zh-CN" altLang="en-US" dirty="0" smtClean="0"/>
+              <a:t>应用依赖于接口而不依赖名称</a:t>
+            </a:r>
+            <a:endParaRPr lang="en-US" altLang="zh-CN" dirty="0" smtClean="0"/>
+          </a:p>
+          <a:p>
+            <a:pPr marL="0" indent="0">
+              <a:buNone/>
+            </a:pPr>
+            <a:r>
+              <a:rPr lang="en-US" altLang="zh-CN" dirty="0"/>
+              <a:t>	</a:t>
+            </a:r>
+            <a:r>
+              <a:rPr lang="zh-CN" altLang="en-US" dirty="0" smtClean="0"/>
+              <a:t>应用相当于顶层的一个适配器</a:t>
+            </a:r>
+            <a:r>
+              <a:rPr lang="en-US" altLang="zh-CN" dirty="0" smtClean="0"/>
+              <a:t>,</a:t>
+            </a:r>
+            <a:r>
+              <a:rPr lang="zh-CN" altLang="en-US" dirty="0" smtClean="0"/>
+              <a:t>实现适配器的接口</a:t>
+            </a:r>
+            <a:r>
+              <a:rPr lang="en-US" altLang="zh-CN" dirty="0" smtClean="0"/>
+              <a:t>:</a:t>
+            </a:r>
+          </a:p>
+          <a:p>
+            <a:pPr marL="0" indent="0">
+              <a:buNone/>
+            </a:pPr>
+            <a:r>
+              <a:rPr lang="en-US" altLang="zh-CN" dirty="0"/>
+              <a:t>	</a:t>
+            </a:r>
+            <a:r>
+              <a:rPr lang="en-US" altLang="zh-CN" dirty="0" err="1" smtClean="0"/>
+              <a:t>DevAdapterBehavior</a:t>
+            </a:r>
+            <a:r>
+              <a:rPr lang="en-US" altLang="zh-CN" dirty="0" smtClean="0"/>
+              <a:t>&lt;T&gt;</a:t>
+            </a:r>
+          </a:p>
+          <a:p>
+            <a:r>
+              <a:rPr lang="zh-CN" altLang="en-US" dirty="0" smtClean="0"/>
+              <a:t>不同的操作具有不同的接口与之对应</a:t>
+            </a:r>
+            <a:endParaRPr lang="en-US" altLang="zh-CN" dirty="0" smtClean="0"/>
+          </a:p>
+          <a:p>
+            <a:pPr marL="0" indent="0">
+              <a:buNone/>
+            </a:pPr>
+            <a:r>
+              <a:rPr lang="en-US" altLang="zh-CN" dirty="0"/>
+              <a:t>	</a:t>
+            </a:r>
+            <a:r>
+              <a:rPr lang="en-US" altLang="zh-CN" dirty="0" err="1" smtClean="0"/>
+              <a:t>IInteractiveTrans</a:t>
+            </a:r>
+            <a:r>
+              <a:rPr lang="en-US" altLang="zh-CN" dirty="0" smtClean="0"/>
+              <a:t>,</a:t>
+            </a:r>
+            <a:r>
+              <a:rPr lang="en-US" altLang="zh-CN" dirty="0"/>
+              <a:t> </a:t>
+            </a:r>
+            <a:r>
+              <a:rPr lang="en-US" altLang="zh-CN" dirty="0" err="1"/>
+              <a:t>ITransceiveTrans</a:t>
+            </a:r>
+            <a:endParaRPr lang="en-US" altLang="zh-CN" dirty="0" smtClean="0"/>
+          </a:p>
+          <a:p>
+            <a:r>
+              <a:rPr lang="zh-CN" altLang="en-US" dirty="0" smtClean="0"/>
+              <a:t>接口按照类别细分为</a:t>
+            </a:r>
+            <a:r>
+              <a:rPr lang="en-US" altLang="zh-CN" dirty="0" smtClean="0"/>
+              <a:t>:</a:t>
+            </a:r>
+            <a:r>
+              <a:rPr lang="zh-CN" altLang="en-US" dirty="0" smtClean="0"/>
+              <a:t>协议 和 行为</a:t>
+            </a:r>
+            <a:endParaRPr lang="en-US" altLang="zh-CN" dirty="0" smtClean="0"/>
+          </a:p>
+          <a:p>
+            <a:pPr marL="0" indent="0">
+              <a:buNone/>
+            </a:pPr>
+            <a:r>
+              <a:rPr lang="en-US" altLang="zh-CN" dirty="0"/>
+              <a:t>	</a:t>
+            </a:r>
+            <a:r>
+              <a:rPr lang="zh-CN" altLang="en-US" dirty="0" smtClean="0"/>
+              <a:t>协议 </a:t>
+            </a:r>
+            <a:r>
+              <a:rPr lang="en-US" altLang="zh-CN" dirty="0" smtClean="0"/>
+              <a:t>: </a:t>
+            </a:r>
+            <a:r>
+              <a:rPr lang="zh-CN" altLang="en-US" dirty="0" smtClean="0"/>
+              <a:t>必须实现</a:t>
+            </a:r>
+            <a:r>
+              <a:rPr lang="en-US" altLang="zh-CN" dirty="0" smtClean="0"/>
+              <a:t>;</a:t>
+            </a:r>
+            <a:r>
+              <a:rPr lang="zh-CN" altLang="en-US" dirty="0" smtClean="0"/>
+              <a:t>同一类的协议</a:t>
+            </a:r>
+            <a:r>
+              <a:rPr lang="en-US" altLang="zh-CN" dirty="0" smtClean="0"/>
+              <a:t>,</a:t>
+            </a:r>
+            <a:r>
+              <a:rPr lang="zh-CN" altLang="en-US" dirty="0" smtClean="0"/>
+              <a:t>只能继承一次</a:t>
+            </a:r>
+            <a:endParaRPr lang="en-US" altLang="zh-CN" dirty="0"/>
+          </a:p>
+          <a:p>
+            <a:pPr marL="0" indent="0">
+              <a:buNone/>
+            </a:pPr>
+            <a:r>
+              <a:rPr lang="en-US" altLang="zh-CN" dirty="0" smtClean="0"/>
+              <a:t>	</a:t>
+            </a:r>
+            <a:r>
+              <a:rPr lang="en-US" altLang="zh-CN" dirty="0" err="1" smtClean="0"/>
+              <a:t>IBaseDevice</a:t>
+            </a:r>
+            <a:r>
+              <a:rPr lang="en-US" altLang="zh-CN" dirty="0" smtClean="0"/>
+              <a:t>,</a:t>
+            </a:r>
+            <a:r>
+              <a:rPr lang="en-US" altLang="zh-CN" dirty="0"/>
+              <a:t> </a:t>
+            </a:r>
+            <a:r>
+              <a:rPr lang="en-US" altLang="zh-CN" dirty="0" err="1"/>
+              <a:t>IICCardDevice</a:t>
+            </a:r>
+            <a:endParaRPr lang="en-US" altLang="zh-CN" dirty="0" smtClean="0"/>
+          </a:p>
+          <a:p>
+            <a:pPr marL="0" indent="0">
+              <a:buNone/>
+            </a:pPr>
+            <a:r>
+              <a:rPr lang="en-US" altLang="zh-CN" dirty="0"/>
+              <a:t>	</a:t>
+            </a:r>
+            <a:r>
+              <a:rPr lang="zh-CN" altLang="en-US" dirty="0" smtClean="0"/>
+              <a:t>行为 </a:t>
+            </a:r>
+            <a:r>
+              <a:rPr lang="en-US" altLang="zh-CN" dirty="0" smtClean="0"/>
+              <a:t>: </a:t>
+            </a:r>
+            <a:r>
+              <a:rPr lang="zh-CN" altLang="en-US" dirty="0" smtClean="0"/>
+              <a:t>实现可选</a:t>
+            </a:r>
+            <a:r>
+              <a:rPr lang="en-US" altLang="zh-CN" dirty="0" smtClean="0"/>
+              <a:t>;</a:t>
+            </a:r>
+            <a:r>
+              <a:rPr lang="zh-CN" altLang="en-US" dirty="0" smtClean="0"/>
+              <a:t>可以同时支持不同的多种行为</a:t>
+            </a:r>
+            <a:endParaRPr lang="en-US" altLang="zh-CN" dirty="0"/>
+          </a:p>
+          <a:p>
+            <a:pPr marL="0" indent="0">
+              <a:buNone/>
+            </a:pPr>
+            <a:r>
+              <a:rPr lang="en-US" altLang="zh-CN" dirty="0" smtClean="0"/>
+              <a:t>	</a:t>
+            </a:r>
+            <a:r>
+              <a:rPr lang="en-US" altLang="zh-CN" dirty="0" err="1" smtClean="0"/>
+              <a:t>ITimeoutBehavior</a:t>
+            </a:r>
+            <a:r>
+              <a:rPr lang="en-US" altLang="zh-CN" dirty="0" smtClean="0"/>
+              <a:t>,</a:t>
+            </a:r>
+            <a:r>
+              <a:rPr lang="en-US" altLang="zh-CN" dirty="0"/>
+              <a:t> </a:t>
+            </a:r>
+            <a:r>
+              <a:rPr lang="en-US" altLang="zh-CN" dirty="0" err="1" smtClean="0"/>
+              <a:t>InterruptBehavior</a:t>
+            </a:r>
+            <a:r>
+              <a:rPr lang="en-US" altLang="zh-CN" dirty="0" smtClean="0"/>
+              <a:t>,</a:t>
+            </a:r>
+            <a:r>
+              <a:rPr lang="en-US" altLang="zh-CN" dirty="0"/>
+              <a:t> </a:t>
+            </a:r>
+            <a:r>
+              <a:rPr lang="en-US" altLang="zh-CN" dirty="0" err="1" smtClean="0"/>
+              <a:t>ILastErrBehavior</a:t>
+            </a:r>
+            <a:r>
+              <a:rPr lang="en-US" altLang="zh-CN" dirty="0" smtClean="0"/>
+              <a:t>,</a:t>
+            </a:r>
+            <a:r>
+              <a:rPr lang="en-US" altLang="zh-CN" dirty="0"/>
+              <a:t> </a:t>
+            </a:r>
+            <a:r>
+              <a:rPr lang="en-US" altLang="zh-CN" dirty="0" err="1"/>
+              <a:t>ILoggerBehavior</a:t>
+            </a:r>
+            <a:endParaRPr lang="en-US" altLang="zh-CN" dirty="0" smtClean="0"/>
+          </a:p>
+          <a:p>
+            <a:endParaRPr lang="zh-CN" altLang="en-US" dirty="0"/>
+          </a:p>
+        </p:txBody>
+      </p:sp>
+    </p:spTree>
+    <p:extLst>
+      <p:ext uri="{BB962C8B-B14F-4D97-AF65-F5344CB8AC3E}">
+        <p14:creationId xmlns:p14="http://schemas.microsoft.com/office/powerpoint/2010/main" val="4064704499"/>
+      </p:ext>
+    </p:extLst>
+  </p:cSld>
+  <p:clrMapOvr>
+    <a:masterClrMapping/>
+  </p:clrMapOvr>
+</p:sld>
+</file>
+
 <file path=ppt/slides/slide7.xml><?xml version="1.0" encoding="utf-8"?>
 <p:sld xmlns:a="http://schemas.openxmlformats.org/drawingml/2006/main" xmlns:r="http://schemas.openxmlformats.org/officeDocument/2006/relationships" xmlns:p="http://schemas.openxmlformats.org/presentationml/2006/main">
   <p:cSld>
@@ -7093,7 +9906,7 @@
           <a:p>
             <a:r>
               <a:rPr lang="zh-CN" altLang="en-US" dirty="0" smtClean="0"/>
-              <a:t>依赖项</a:t>
+              <a:t>基本模式</a:t>
             </a:r>
             <a:r>
               <a:rPr lang="en-US" altLang="zh-CN" dirty="0" smtClean="0"/>
@@ -7113,78 +9926,16 @@
             <p:ph idx="1"/>
           </p:nvPr>
         </p:nvSpPr>
-        <p:spPr>
-          <a:xfrm>
-            <a:off x="677334" y="1410789"/>
-            <a:ext cx="8596668" cy="4630573"/>
-          </a:xfrm>
-        </p:spPr>
-        <p:txBody>
-          <a:bodyPr>
-            <a:normAutofit fontScale="85000" lnSpcReduction="20000"/>
-          </a:bodyPr>
+        <p:spPr/>
+        <p:txBody>
+          <a:bodyPr/>
           <a:lstStyle/>
           <a:p>
             <a:r>
-              <a:rPr lang="en-US" altLang="zh-CN" dirty="0" smtClean="0"/>
-              <a:t>DDK (Win7</a:t>
-            </a:r>
-            <a:r>
-              <a:rPr lang="zh-CN" altLang="en-US" dirty="0" smtClean="0"/>
-              <a:t>及其以上又叫</a:t>
-            </a:r>
-            <a:r>
-              <a:rPr lang="en-US" altLang="zh-CN" dirty="0" smtClean="0"/>
-              <a:t>WDK),</a:t>
-            </a:r>
-            <a:r>
-              <a:rPr lang="zh-CN" altLang="en-US" dirty="0" smtClean="0"/>
-              <a:t>提供了对硬件访问的支持</a:t>
-            </a:r>
-            <a:r>
-              <a:rPr lang="en-US" altLang="zh-CN" dirty="0" smtClean="0"/>
-              <a:t>,</a:t>
-            </a:r>
-            <a:r>
-              <a:rPr lang="zh-CN" altLang="en-US" dirty="0" smtClean="0"/>
-              <a:t>在使用</a:t>
-            </a:r>
-            <a:r>
-              <a:rPr lang="en-US" altLang="zh-CN" dirty="0" err="1" smtClean="0"/>
-              <a:t>HidDevice</a:t>
-            </a:r>
-            <a:r>
-              <a:rPr lang="zh-CN" altLang="en-US" dirty="0" smtClean="0"/>
-              <a:t>时需要用到相关资源</a:t>
-            </a:r>
-            <a:r>
-              <a:rPr lang="en-US" altLang="zh-CN" dirty="0" smtClean="0"/>
-              <a:t>,</a:t>
-            </a:r>
-            <a:r>
-              <a:rPr lang="zh-CN" altLang="en-US" dirty="0" smtClean="0"/>
-              <a:t>如果没有配置</a:t>
-            </a:r>
-            <a:r>
-              <a:rPr lang="en-US" altLang="zh-CN" dirty="0" smtClean="0"/>
-              <a:t>,</a:t>
-            </a:r>
-            <a:r>
-              <a:rPr lang="zh-CN" altLang="en-US" dirty="0" smtClean="0"/>
-              <a:t>且不使用相关功能</a:t>
-            </a:r>
-            <a:r>
-              <a:rPr lang="en-US" altLang="zh-CN" dirty="0" smtClean="0"/>
-              <a:t>,</a:t>
-            </a:r>
-            <a:r>
-              <a:rPr lang="zh-CN" altLang="en-US" dirty="0" smtClean="0"/>
-              <a:t>可以使用</a:t>
-            </a:r>
-            <a:r>
-              <a:rPr lang="en-US" altLang="zh-CN" dirty="0" smtClean="0"/>
-              <a:t>:</a:t>
-            </a:r>
+              <a:rPr lang="zh-CN" altLang="en-US" dirty="0" smtClean="0"/>
+              <a:t>接口简洁</a:t>
+            </a:r>
+            <a:endParaRPr lang="en-US" altLang="zh-CN" dirty="0" smtClean="0"/>
           </a:p>
           <a:p>
             <a:pPr marL="0" indent="0">
@@ -7195,80 +9946,49 @@
               <a:t>	</a:t>
             </a:r>
             <a:r>
-              <a:rPr lang="en-US" altLang="zh-CN" dirty="0" smtClean="0">
-                <a:solidFill>
-                  <a:srgbClr val="00B050"/>
-                </a:solidFill>
-              </a:rPr>
-              <a:t>NO_INCLUDE_USB_SOURCE</a:t>
-            </a:r>
-            <a:r>
-              <a:rPr lang="en-US" altLang="zh-CN" dirty="0" smtClean="0"/>
-              <a:t> </a:t>
-            </a:r>
-            <a:r>
-              <a:rPr lang="zh-CN" altLang="en-US" dirty="0" smtClean="0"/>
-              <a:t>禁用</a:t>
+              <a:rPr lang="zh-CN" altLang="en-US" dirty="0" smtClean="0"/>
+              <a:t>给类增加一个接口非常容易</a:t>
+            </a:r>
+            <a:r>
+              <a:rPr lang="en-US" altLang="zh-CN" dirty="0" smtClean="0"/>
+              <a:t>,</a:t>
+            </a:r>
+            <a:r>
+              <a:rPr lang="zh-CN" altLang="en-US" dirty="0" smtClean="0"/>
+              <a:t>但是删除一个接口却很难</a:t>
+            </a:r>
+            <a:r>
+              <a:rPr lang="en-US" altLang="zh-CN" dirty="0" smtClean="0"/>
+              <a:t>;</a:t>
+            </a:r>
+            <a:r>
+              <a:rPr lang="zh-CN" altLang="en-US" dirty="0" smtClean="0"/>
+              <a:t>尽量保证类的接口少</a:t>
+            </a:r>
+            <a:r>
+              <a:rPr lang="en-US" altLang="zh-CN" dirty="0" smtClean="0"/>
+              <a:t>,</a:t>
+            </a:r>
+            <a:r>
+              <a:rPr lang="zh-CN" altLang="en-US" dirty="0" smtClean="0"/>
+              <a:t>并且功能专一</a:t>
+            </a:r>
+            <a:r>
+              <a:rPr lang="en-US" altLang="zh-CN" dirty="0" smtClean="0"/>
+              <a:t>,</a:t>
+            </a:r>
+            <a:r>
+              <a:rPr lang="zh-CN" altLang="en-US" dirty="0" smtClean="0"/>
+              <a:t>应用层可以使用辅助函数的方式来扩展功能和提高易用性</a:t>
             </a:r>
             <a:endParaRPr lang="en-US" altLang="zh-CN" dirty="0" smtClean="0"/>
           </a:p>
           <a:p>
             <a:r>
               <a:rPr lang="zh-CN" altLang="en-US" dirty="0" smtClean="0"/>
-              <a:t>在</a:t>
-            </a:r>
-            <a:r>
-              <a:rPr lang="en-US" altLang="zh-CN" dirty="0" smtClean="0"/>
-              <a:t>Linux</a:t>
-            </a:r>
-            <a:r>
-              <a:rPr lang="zh-CN" altLang="en-US" dirty="0" smtClean="0"/>
-              <a:t>下</a:t>
-            </a:r>
-            <a:r>
-              <a:rPr lang="en-US" altLang="zh-CN" dirty="0" smtClean="0"/>
-              <a:t>,USB</a:t>
-            </a:r>
-            <a:r>
-              <a:rPr lang="zh-CN" altLang="en-US" dirty="0" smtClean="0"/>
-              <a:t>和</a:t>
-            </a:r>
-            <a:r>
-              <a:rPr lang="en-US" altLang="zh-CN" dirty="0" smtClean="0"/>
-              <a:t>HID</a:t>
-            </a:r>
-            <a:r>
-              <a:rPr lang="zh-CN" altLang="en-US" dirty="0" smtClean="0"/>
-              <a:t>的访问是通过</a:t>
-            </a:r>
-            <a:r>
-              <a:rPr lang="en-US" altLang="zh-CN" dirty="0" err="1" smtClean="0"/>
-              <a:t>libusb</a:t>
-            </a:r>
-            <a:r>
-              <a:rPr lang="zh-CN" altLang="en-US" dirty="0" smtClean="0"/>
-              <a:t>实现的</a:t>
-            </a:r>
-            <a:r>
-              <a:rPr lang="en-US" altLang="zh-CN" dirty="0" smtClean="0"/>
-              <a:t>,</a:t>
-            </a:r>
-            <a:r>
-              <a:rPr lang="zh-CN" altLang="en-US" dirty="0" smtClean="0"/>
-              <a:t>如果没有预装</a:t>
-            </a:r>
-            <a:r>
-              <a:rPr lang="en-US" altLang="zh-CN" dirty="0" smtClean="0"/>
-              <a:t>,</a:t>
-            </a:r>
-            <a:r>
-              <a:rPr lang="zh-CN" altLang="en-US" dirty="0" smtClean="0"/>
-              <a:t>同样使用</a:t>
-            </a:r>
-            <a:r>
-              <a:rPr lang="en-US" altLang="zh-CN" dirty="0" smtClean="0"/>
-              <a:t>:</a:t>
-            </a:r>
+              <a:t>适配器</a:t>
+            </a:r>
+            <a:endParaRPr lang="en-US" altLang="zh-CN" dirty="0" smtClean="0"/>
           </a:p>
           <a:p>
             <a:pPr marL="0" indent="0">
@@ -7279,59 +9999,8 @@
               <a:t>	</a:t>
             </a:r>
             <a:r>
-              <a:rPr lang="en-US" altLang="zh-CN" dirty="0">
-                <a:solidFill>
-                  <a:srgbClr val="00B050"/>
-                </a:solidFill>
-              </a:rPr>
-              <a:t> NO_INCLUDE_USB_SOURCE</a:t>
-            </a:r>
-            <a:r>
-              <a:rPr lang="en-US" altLang="zh-CN" dirty="0"/>
-              <a:t> </a:t>
-            </a:r>
-            <a:r>
-              <a:rPr lang="zh-CN" altLang="en-US" dirty="0"/>
-              <a:t>禁用</a:t>
-            </a:r>
-            <a:endParaRPr lang="en-US" altLang="zh-CN" dirty="0" smtClean="0"/>
-          </a:p>
-          <a:p>
-            <a:r>
-              <a:rPr lang="zh-CN" altLang="en-US" dirty="0" smtClean="0"/>
-              <a:t>在</a:t>
-            </a:r>
-            <a:r>
-              <a:rPr lang="en-US" altLang="zh-CN" dirty="0" smtClean="0"/>
-              <a:t>Linux</a:t>
-            </a:r>
-            <a:r>
-              <a:rPr lang="zh-CN" altLang="en-US" dirty="0" smtClean="0"/>
-              <a:t>下</a:t>
-            </a:r>
-            <a:r>
-              <a:rPr lang="en-US" altLang="zh-CN" dirty="0" smtClean="0"/>
-              <a:t>,</a:t>
-            </a:r>
-            <a:r>
-              <a:rPr lang="zh-CN" altLang="en-US" dirty="0" smtClean="0"/>
-              <a:t>默认是没有安装</a:t>
-            </a:r>
-            <a:r>
-              <a:rPr lang="en-US" altLang="zh-CN" dirty="0" smtClean="0"/>
-              <a:t>PCSC</a:t>
-            </a:r>
-            <a:r>
-              <a:rPr lang="zh-CN" altLang="en-US" dirty="0" smtClean="0"/>
-              <a:t>库的</a:t>
-            </a:r>
-            <a:r>
-              <a:rPr lang="en-US" altLang="zh-CN" dirty="0" smtClean="0"/>
-              <a:t>,</a:t>
-            </a:r>
-            <a:r>
-              <a:rPr lang="zh-CN" altLang="en-US" dirty="0" smtClean="0"/>
-              <a:t>使用</a:t>
+              <a:rPr lang="zh-CN" altLang="en-US" dirty="0" smtClean="0"/>
+              <a:t>使用适配器进行</a:t>
             </a:r>
             <a:r>
               <a:rPr lang="en-US" altLang="zh-CN" dirty="0" smtClean="0"/>
@@ -7347,252 +10016,42 @@
               <a:t>	</a:t>
             </a:r>
             <a:r>
-              <a:rPr lang="en-US" altLang="zh-CN" dirty="0"/>
-              <a:t> </a:t>
-            </a:r>
-            <a:r>
-              <a:rPr lang="en-US" altLang="zh-CN" dirty="0">
-                <a:solidFill>
-                  <a:srgbClr val="00B050"/>
-                </a:solidFill>
-              </a:rPr>
-              <a:t>NO_INCLUDE_PCSC_SOURCE</a:t>
-            </a:r>
-            <a:r>
-              <a:rPr lang="en-US" altLang="zh-CN" dirty="0" smtClean="0"/>
-              <a:t> </a:t>
-            </a:r>
-            <a:r>
-              <a:rPr lang="zh-CN" altLang="en-US" dirty="0" smtClean="0"/>
-              <a:t>禁用</a:t>
+              <a:rPr lang="en-US" altLang="zh-CN" dirty="0" smtClean="0"/>
+              <a:t>1.</a:t>
+            </a:r>
+            <a:r>
+              <a:rPr lang="zh-CN" altLang="en-US" dirty="0" smtClean="0"/>
+              <a:t>协议转换</a:t>
             </a:r>
             <a:endParaRPr lang="en-US" altLang="zh-CN" dirty="0"/>
           </a:p>
           <a:p>
-            <a:r>
-              <a:rPr lang="zh-CN" altLang="en-US" dirty="0" smtClean="0"/>
-              <a:t>在</a:t>
-            </a:r>
-            <a:r>
-              <a:rPr lang="en-US" altLang="zh-CN" dirty="0" smtClean="0"/>
-              <a:t>MAC</a:t>
-            </a:r>
-            <a:r>
-              <a:rPr lang="zh-CN" altLang="en-US" dirty="0" smtClean="0"/>
-              <a:t>下</a:t>
-            </a:r>
-            <a:r>
-              <a:rPr lang="en-US" altLang="zh-CN" dirty="0" smtClean="0"/>
-              <a:t>,</a:t>
-            </a:r>
-            <a:r>
-              <a:rPr lang="zh-CN" altLang="en-US" dirty="0" smtClean="0"/>
-              <a:t>没有和</a:t>
-            </a:r>
-            <a:r>
-              <a:rPr lang="en-US" altLang="zh-CN" dirty="0" smtClean="0"/>
-              <a:t>COM</a:t>
-            </a:r>
-            <a:r>
-              <a:rPr lang="zh-CN" altLang="en-US" dirty="0" smtClean="0"/>
-              <a:t>相关的库</a:t>
-            </a:r>
-            <a:r>
-              <a:rPr lang="en-US" altLang="zh-CN" dirty="0" smtClean="0"/>
-              <a:t>,</a:t>
-            </a:r>
-            <a:r>
-              <a:rPr lang="zh-CN" altLang="en-US" dirty="0" smtClean="0"/>
-              <a:t>使用</a:t>
-            </a:r>
-            <a:r>
-              <a:rPr lang="en-US" altLang="zh-CN" dirty="0" smtClean="0"/>
-              <a:t>:</a:t>
-            </a:r>
-          </a:p>
-          <a:p>
             <a:pPr marL="0" indent="0">
               <a:buNone/>
             </a:pPr>
+            <a:r>
+              <a:rPr lang="en-US" altLang="zh-CN" dirty="0" smtClean="0"/>
+              <a:t>	2.</a:t>
+            </a:r>
+            <a:r>
+              <a:rPr lang="zh-CN" altLang="en-US" dirty="0" smtClean="0"/>
+              <a:t>数据转换</a:t>
+            </a:r>
+            <a:r>
+              <a:rPr lang="en-US" altLang="zh-CN" dirty="0" smtClean="0"/>
+              <a:t>(</a:t>
+            </a:r>
+            <a:r>
+              <a:rPr lang="zh-CN" altLang="en-US" dirty="0" smtClean="0"/>
+              <a:t>指令格式</a:t>
+            </a:r>
+            <a:r>
+              <a:rPr lang="en-US" altLang="zh-CN" dirty="0" smtClean="0"/>
+              <a:t>)</a:t>
+            </a:r>
             <a:r>
               <a:rPr lang="en-US" altLang="zh-CN" dirty="0"/>
               <a:t>	</a:t>
-            </a:r>
-            <a:r>
-              <a:rPr lang="en-US" altLang="zh-CN" dirty="0"/>
-              <a:t> </a:t>
-            </a:r>
-            <a:r>
-              <a:rPr lang="en-US" altLang="zh-CN" dirty="0">
-                <a:solidFill>
-                  <a:srgbClr val="00B050"/>
-                </a:solidFill>
-              </a:rPr>
-              <a:t>NO_INCLUDE_COM_SOURCE</a:t>
-            </a:r>
-            <a:r>
-              <a:rPr lang="en-US" altLang="zh-CN" dirty="0" smtClean="0"/>
-              <a:t> </a:t>
-            </a:r>
-            <a:r>
-              <a:rPr lang="zh-CN" altLang="en-US" dirty="0" smtClean="0"/>
-              <a:t>禁用</a:t>
-            </a:r>
-            <a:endParaRPr lang="en-US" altLang="zh-CN" dirty="0"/>
-          </a:p>
-          <a:p>
-            <a:r>
-              <a:rPr lang="zh-CN" altLang="en-US" dirty="0" smtClean="0"/>
-              <a:t>在没有安装</a:t>
-            </a:r>
-            <a:r>
-              <a:rPr lang="en-US" altLang="zh-CN" dirty="0" smtClean="0"/>
-              <a:t>OPEN_SSL</a:t>
-            </a:r>
-            <a:r>
-              <a:rPr lang="zh-CN" altLang="en-US" dirty="0" smtClean="0"/>
-              <a:t>库的环境中</a:t>
-            </a:r>
-            <a:r>
-              <a:rPr lang="en-US" altLang="zh-CN" dirty="0" smtClean="0"/>
-              <a:t>,</a:t>
-            </a:r>
-            <a:r>
-              <a:rPr lang="zh-CN" altLang="en-US" dirty="0" smtClean="0"/>
-              <a:t>使用</a:t>
-            </a:r>
-            <a:r>
-              <a:rPr lang="en-US" altLang="zh-CN" dirty="0" smtClean="0"/>
-              <a:t>:</a:t>
-            </a:r>
-          </a:p>
-          <a:p>
-            <a:pPr marL="0" indent="0">
-              <a:buNone/>
-            </a:pPr>
-            <a:r>
-              <a:rPr lang="en-US" altLang="zh-CN" dirty="0"/>
-              <a:t>	 </a:t>
-            </a:r>
-            <a:r>
-              <a:rPr lang="en-US" altLang="zh-CN" dirty="0">
-                <a:solidFill>
-                  <a:srgbClr val="00B050"/>
-                </a:solidFill>
-              </a:rPr>
-              <a:t>NO_INCLUDE_OPENSSL_SOURCE</a:t>
-            </a:r>
-            <a:r>
-              <a:rPr lang="en-US" altLang="zh-CN" dirty="0"/>
-              <a:t> </a:t>
-            </a:r>
-            <a:r>
-              <a:rPr lang="zh-CN" altLang="en-US" dirty="0" smtClean="0"/>
-              <a:t>禁用</a:t>
-            </a:r>
-            <a:endParaRPr lang="en-US" altLang="zh-CN" dirty="0" smtClean="0"/>
-          </a:p>
-          <a:p>
-            <a:r>
-              <a:rPr lang="zh-CN" altLang="en-US" dirty="0" smtClean="0"/>
-              <a:t>在没有安装</a:t>
-            </a:r>
-            <a:r>
-              <a:rPr lang="en-US" altLang="zh-CN" dirty="0" smtClean="0"/>
-              <a:t>Java</a:t>
-            </a:r>
-            <a:r>
-              <a:rPr lang="zh-CN" altLang="en-US" dirty="0" smtClean="0"/>
-              <a:t>库的环境中</a:t>
-            </a:r>
-            <a:r>
-              <a:rPr lang="en-US" altLang="zh-CN" dirty="0" smtClean="0"/>
-              <a:t>,</a:t>
-            </a:r>
-            <a:r>
-              <a:rPr lang="zh-CN" altLang="en-US" dirty="0" smtClean="0"/>
-              <a:t>使用</a:t>
-            </a:r>
-            <a:r>
-              <a:rPr lang="en-US" altLang="zh-CN" dirty="0" smtClean="0"/>
-              <a:t>:</a:t>
-            </a:r>
-          </a:p>
-          <a:p>
-            <a:pPr marL="0" indent="0">
-              <a:buNone/>
-            </a:pPr>
-            <a:r>
-              <a:rPr lang="en-US" altLang="zh-CN" dirty="0"/>
-              <a:t>	</a:t>
-            </a:r>
-            <a:r>
-              <a:rPr lang="en-US" altLang="zh-CN" dirty="0">
-                <a:solidFill>
-                  <a:srgbClr val="00B050"/>
-                </a:solidFill>
-              </a:rPr>
-              <a:t>NO_INCLUDE_JNI_SOURCE</a:t>
-            </a:r>
-            <a:r>
-              <a:rPr lang="en-US" altLang="zh-CN" dirty="0"/>
-              <a:t> </a:t>
-            </a:r>
-            <a:r>
-              <a:rPr lang="zh-CN" altLang="en-US" dirty="0" smtClean="0"/>
-              <a:t>禁用</a:t>
-            </a:r>
-            <a:endParaRPr lang="en-US" altLang="zh-CN" dirty="0" smtClean="0"/>
-          </a:p>
-          <a:p>
-            <a:r>
-              <a:rPr lang="zh-CN" altLang="en-US" dirty="0" smtClean="0"/>
-              <a:t>由于</a:t>
-            </a:r>
-            <a:r>
-              <a:rPr lang="en-US" altLang="zh-CN" dirty="0" smtClean="0"/>
-              <a:t>Socket</a:t>
-            </a:r>
-            <a:r>
-              <a:rPr lang="zh-CN" altLang="en-US" dirty="0" smtClean="0"/>
-              <a:t>的使用较少</a:t>
-            </a:r>
-            <a:r>
-              <a:rPr lang="en-US" altLang="zh-CN" dirty="0" smtClean="0"/>
-              <a:t>,</a:t>
-            </a:r>
-            <a:r>
-              <a:rPr lang="zh-CN" altLang="en-US" dirty="0" smtClean="0"/>
-              <a:t>使用时需要单独定义</a:t>
-            </a:r>
-            <a:r>
-              <a:rPr lang="en-US" altLang="zh-CN" dirty="0" smtClean="0"/>
-              <a:t>:</a:t>
-            </a:r>
-          </a:p>
-          <a:p>
-            <a:pPr marL="0" indent="0">
-              <a:buNone/>
-            </a:pPr>
-            <a:r>
-              <a:rPr lang="en-US" altLang="zh-CN" dirty="0"/>
-              <a:t>	</a:t>
-            </a:r>
-            <a:r>
-              <a:rPr lang="en-US" altLang="zh-CN" dirty="0" smtClean="0">
-                <a:solidFill>
-                  <a:srgbClr val="0070C0"/>
-                </a:solidFill>
-              </a:rPr>
-              <a:t>INCLUDE_SOCKET_SOURCE</a:t>
-            </a:r>
-            <a:r>
-              <a:rPr lang="en-US" altLang="zh-CN" dirty="0" smtClean="0"/>
-              <a:t> </a:t>
-            </a:r>
-            <a:r>
-              <a:rPr lang="zh-CN" altLang="en-US" dirty="0" smtClean="0"/>
-              <a:t>启用</a:t>
             </a:r>
             <a:endParaRPr lang="en-US" altLang="zh-CN" dirty="0" smtClean="0"/>
           </a:p>
@@ -7601,7 +10060,7 @@
     </p:spTree>
     <p:extLst>
       <p:ext uri="{BB962C8B-B14F-4D97-AF65-F5344CB8AC3E}">
-        <p14:creationId xmlns:p14="http://schemas.microsoft.com/office/powerpoint/2010/main" val="4143405965"/>
+        <p14:creationId xmlns:p14="http://schemas.microsoft.com/office/powerpoint/2010/main" val="3996645733"/>
       </p:ext>
     </p:extLst>
   </p:cSld>
@@ -7645,7 +10104,7 @@
           <a:p>
             <a:r>
               <a:rPr lang="zh-CN" altLang="en-US" dirty="0" smtClean="0"/>
-              <a:t>资源相关</a:t>
+              <a:t>命名</a:t>
             </a:r>
             <a:r>
               <a:rPr lang="en-US" altLang="zh-CN" dirty="0" smtClean="0"/>
@@ -7665,34 +10124,52 @@
             <p:ph idx="1"/>
           </p:nvPr>
         </p:nvSpPr>
-        <p:spPr>
-          <a:xfrm>
-            <a:off x="677334" y="1930399"/>
-            <a:ext cx="8596668" cy="4110963"/>
-          </a:xfrm>
-        </p:spPr>
-        <p:txBody>
-          <a:bodyPr>
-            <a:normAutofit lnSpcReduction="10000"/>
-          </a:bodyPr>
+        <p:spPr/>
+        <p:txBody>
+          <a:bodyPr/>
           <a:lstStyle/>
           <a:p>
             <a:r>
-              <a:rPr lang="zh-CN" altLang="en-US" dirty="0" smtClean="0"/>
-              <a:t>如果不需要使用内存池的功能</a:t>
-            </a:r>
-            <a:r>
-              <a:rPr lang="en-US" altLang="zh-CN" dirty="0" smtClean="0"/>
+              <a:rPr lang="zh-CN" altLang="zh-CN" dirty="0"/>
+              <a:t>所有静态转换类都以</a:t>
+            </a:r>
+            <a:r>
+              <a:rPr lang="en-US" altLang="zh-CN" dirty="0"/>
+              <a:t>: Convert</a:t>
+            </a:r>
+            <a:r>
+              <a:rPr lang="zh-CN" altLang="zh-CN" dirty="0"/>
+              <a:t>结尾</a:t>
+            </a:r>
+            <a:r>
+              <a:rPr lang="en-US" altLang="zh-CN" dirty="0"/>
               <a:t>,</a:t>
             </a:r>
             <a:r>
-              <a:rPr lang="zh-CN" altLang="en-US" dirty="0" smtClean="0"/>
+              <a:rPr lang="zh-CN" altLang="zh-CN" dirty="0"/>
               <a:t>使用</a:t>
             </a:r>
             <a:r>
-              <a:rPr lang="en-US" altLang="zh-CN" dirty="0" smtClean="0"/>
-              <a:t>:</a:t>
-            </a:r>
+              <a:rPr lang="zh-CN" altLang="zh-CN" dirty="0" smtClean="0"/>
+              <a:t>静态</a:t>
+            </a:r>
+            <a:r>
+              <a:rPr lang="zh-CN" altLang="en-US" dirty="0" smtClean="0"/>
+              <a:t>函数</a:t>
+            </a:r>
+            <a:r>
+              <a:rPr lang="zh-CN" altLang="zh-CN" dirty="0" smtClean="0"/>
+              <a:t>的</a:t>
+            </a:r>
+            <a:r>
+              <a:rPr lang="zh-CN" altLang="zh-CN" dirty="0"/>
+              <a:t>方式对数据进行</a:t>
+            </a:r>
+            <a:r>
+              <a:rPr lang="zh-CN" altLang="zh-CN" dirty="0" smtClean="0"/>
+              <a:t>转换</a:t>
+            </a:r>
+            <a:endParaRPr lang="en-US" altLang="zh-CN" dirty="0" smtClean="0"/>
           </a:p>
           <a:p>
             <a:pPr marL="0" indent="0">
@@ -7703,120 +10180,73 @@
               <a:t>	</a:t>
             </a:r>
             <a:r>
-              <a:rPr lang="en-US" altLang="zh-CN" dirty="0" smtClean="0">
-                <a:solidFill>
-                  <a:srgbClr val="00B050"/>
-                </a:solidFill>
-              </a:rPr>
-              <a:t>NO_INCLUDE_MEMORY_POOL</a:t>
-            </a:r>
-            <a:r>
-              <a:rPr lang="en-US" altLang="zh-CN" dirty="0" smtClean="0"/>
+              <a:rPr lang="en-US" altLang="zh-CN" dirty="0" err="1" smtClean="0"/>
+              <a:t>BitConvert</a:t>
+            </a:r>
+            <a:r>
+              <a:rPr lang="en-US" altLang="zh-CN" dirty="0" smtClean="0"/>
+              <a:t>,</a:t>
+            </a:r>
+            <a:r>
+              <a:rPr lang="en-US" altLang="zh-CN" dirty="0"/>
               <a:t> </a:t>
             </a:r>
             <a:r>
-              <a:rPr lang="zh-CN" altLang="en-US" dirty="0" smtClean="0"/>
-              <a:t>禁用</a:t>
+              <a:rPr lang="en-US" altLang="zh-CN" dirty="0" err="1" smtClean="0"/>
+              <a:t>ByteConvert</a:t>
+            </a:r>
+            <a:r>
+              <a:rPr lang="en-US" altLang="zh-CN" dirty="0" smtClean="0"/>
+              <a:t>,</a:t>
+            </a:r>
+            <a:r>
+              <a:rPr lang="en-US" altLang="zh-CN" dirty="0"/>
+              <a:t> </a:t>
+            </a:r>
+            <a:r>
+              <a:rPr lang="en-US" altLang="zh-CN" dirty="0" err="1" smtClean="0"/>
+              <a:t>StringConvert</a:t>
+            </a:r>
+            <a:r>
+              <a:rPr lang="en-US" altLang="zh-CN" dirty="0" smtClean="0"/>
+              <a:t>,</a:t>
+            </a:r>
+            <a:r>
+              <a:rPr lang="en-US" altLang="zh-CN" dirty="0"/>
+              <a:t> </a:t>
+            </a:r>
+            <a:r>
+              <a:rPr lang="en-US" altLang="zh-CN" dirty="0" err="1"/>
+              <a:t>IconvCharsetConvert</a:t>
             </a:r>
             <a:endParaRPr lang="en-US" altLang="zh-CN" dirty="0" smtClean="0"/>
           </a:p>
           <a:p>
             <a:r>
-              <a:rPr lang="zh-CN" altLang="en-US" dirty="0" smtClean="0"/>
-              <a:t>如果不需要使用二代证的功能</a:t>
-            </a:r>
-            <a:r>
-              <a:rPr lang="en-US" altLang="zh-CN" dirty="0" smtClean="0"/>
+              <a:rPr lang="zh-CN" altLang="zh-CN" dirty="0"/>
+              <a:t>所有动态转换类都以</a:t>
+            </a:r>
+            <a:r>
+              <a:rPr lang="en-US" altLang="zh-CN" dirty="0"/>
+              <a:t>: Converter</a:t>
+            </a:r>
+            <a:r>
+              <a:rPr lang="zh-CN" altLang="zh-CN" dirty="0"/>
+              <a:t>结尾</a:t>
+            </a:r>
+            <a:r>
+              <a:rPr lang="en-US" altLang="zh-CN" dirty="0"/>
               <a:t>,</a:t>
             </a:r>
             <a:r>
-              <a:rPr lang="zh-CN" altLang="en-US" dirty="0" smtClean="0"/>
-              <a:t>使用</a:t>
-            </a:r>
-            <a:r>
-              <a:rPr lang="en-US" altLang="zh-CN" dirty="0" smtClean="0"/>
-              <a:t>:</a:t>
-            </a:r>
-          </a:p>
-          <a:p>
-            <a:pPr marL="0" indent="0">
-              <a:buNone/>
-            </a:pPr>
-            <a:r>
-              <a:rPr lang="en-US" altLang="zh-CN" dirty="0"/>
-              <a:t>	NO_INCLUDE_IDCARD_SOURCE </a:t>
-            </a:r>
-            <a:r>
-              <a:rPr lang="zh-CN" altLang="en-US" dirty="0" smtClean="0"/>
-              <a:t>禁用</a:t>
+              <a:rPr lang="zh-CN" altLang="zh-CN" dirty="0"/>
+              <a:t>需要使用相应实例的对象来完成转换</a:t>
+            </a:r>
+            <a:r>
+              <a:rPr lang="zh-CN" altLang="zh-CN" dirty="0" smtClean="0"/>
+              <a:t>操作</a:t>
             </a:r>
             <a:endParaRPr lang="en-US" altLang="zh-CN" dirty="0" smtClean="0"/>
-          </a:p>
-          <a:p>
-            <a:r>
-              <a:rPr lang="zh-CN" altLang="en-US" dirty="0" smtClean="0"/>
-              <a:t>如果不需要使用</a:t>
-            </a:r>
-            <a:r>
-              <a:rPr lang="en-US" altLang="zh-CN" dirty="0" smtClean="0"/>
-              <a:t>IC</a:t>
-            </a:r>
-            <a:r>
-              <a:rPr lang="zh-CN" altLang="en-US" dirty="0" smtClean="0"/>
-              <a:t>卡的功能</a:t>
-            </a:r>
-            <a:r>
-              <a:rPr lang="en-US" altLang="zh-CN" dirty="0" smtClean="0"/>
-              <a:t>,</a:t>
-            </a:r>
-            <a:r>
-              <a:rPr lang="zh-CN" altLang="en-US" dirty="0" smtClean="0"/>
-              <a:t>使用</a:t>
-            </a:r>
-            <a:r>
-              <a:rPr lang="en-US" altLang="zh-CN" dirty="0" smtClean="0"/>
-              <a:t>:</a:t>
-            </a:r>
-          </a:p>
-          <a:p>
-            <a:pPr marL="0" indent="0">
-              <a:buNone/>
-            </a:pPr>
-            <a:r>
-              <a:rPr lang="en-US" altLang="zh-CN" dirty="0" smtClean="0"/>
-              <a:t>	NO_INCLUDE_ICCARD_SOURCE </a:t>
-            </a:r>
-            <a:r>
-              <a:rPr lang="zh-CN" altLang="en-US" dirty="0" smtClean="0"/>
-              <a:t>禁用</a:t>
-            </a:r>
-            <a:endParaRPr lang="en-US" altLang="zh-CN" dirty="0" smtClean="0"/>
-          </a:p>
-          <a:p>
-            <a:r>
-              <a:rPr lang="zh-CN" altLang="en-US" dirty="0" smtClean="0"/>
-              <a:t>如果不需要使用</a:t>
-            </a:r>
-            <a:r>
-              <a:rPr lang="en-US" altLang="zh-CN" dirty="0" smtClean="0"/>
-              <a:t>PBOC</a:t>
-            </a:r>
-            <a:r>
-              <a:rPr lang="zh-CN" altLang="en-US" dirty="0" smtClean="0"/>
-              <a:t>相关的功能</a:t>
-            </a:r>
-            <a:r>
-              <a:rPr lang="en-US" altLang="zh-CN" dirty="0" smtClean="0"/>
-              <a:t>,</a:t>
-            </a:r>
-            <a:r>
-              <a:rPr lang="zh-CN" altLang="en-US" dirty="0" smtClean="0"/>
-              <a:t>使用</a:t>
-            </a:r>
-            <a:r>
-              <a:rPr lang="en-US" altLang="zh-CN" dirty="0" smtClean="0"/>
-              <a:t>:</a:t>
-            </a:r>
           </a:p>
           <a:p>
             <a:pPr marL="0" indent="0">
@@ -7827,32 +10257,37 @@
               <a:t>	</a:t>
             </a:r>
             <a:r>
-              <a:rPr lang="en-US" altLang="zh-CN" dirty="0" smtClean="0"/>
-              <a:t>NO_INCLUDE_PBOC_SOURCE </a:t>
-            </a:r>
-            <a:r>
-              <a:rPr lang="zh-CN" altLang="en-US" dirty="0" smtClean="0"/>
-              <a:t>禁用</a:t>
+              <a:rPr lang="en-US" altLang="zh-CN" dirty="0" err="1" smtClean="0"/>
+              <a:t>CharConverter</a:t>
+            </a:r>
+            <a:r>
+              <a:rPr lang="en-US" altLang="zh-CN" dirty="0" smtClean="0"/>
+              <a:t>,</a:t>
+            </a:r>
+            <a:r>
+              <a:rPr lang="en-US" altLang="zh-CN" dirty="0"/>
+              <a:t> </a:t>
+            </a:r>
+            <a:r>
+              <a:rPr lang="en-US" altLang="zh-CN" dirty="0" err="1"/>
+              <a:t>JniConverter</a:t>
+            </a:r>
+            <a:endParaRPr lang="zh-CN" altLang="zh-CN" dirty="0"/>
+          </a:p>
+          <a:p>
+            <a:r>
+              <a:rPr lang="zh-CN" altLang="zh-CN" dirty="0"/>
+              <a:t>所有接口的抽象类声明都以</a:t>
+            </a:r>
+            <a:r>
+              <a:rPr lang="en-US" altLang="zh-CN" dirty="0"/>
+              <a:t>: I </a:t>
+            </a:r>
+            <a:r>
+              <a:rPr lang="zh-CN" altLang="zh-CN" dirty="0" smtClean="0"/>
+              <a:t>开头</a:t>
             </a:r>
             <a:endParaRPr lang="en-US" altLang="zh-CN" dirty="0" smtClean="0"/>
-          </a:p>
-          <a:p>
-            <a:r>
-              <a:rPr lang="zh-CN" altLang="en-US" dirty="0" smtClean="0"/>
-              <a:t>如果不需要使用密码键盘相关功能</a:t>
-            </a:r>
-            <a:r>
-              <a:rPr lang="en-US" altLang="zh-CN" dirty="0" smtClean="0"/>
-              <a:t>,</a:t>
-            </a:r>
-            <a:r>
-              <a:rPr lang="zh-CN" altLang="en-US" dirty="0" smtClean="0"/>
-              <a:t>使用</a:t>
-            </a:r>
-            <a:r>
-              <a:rPr lang="en-US" altLang="zh-CN" dirty="0" smtClean="0"/>
-              <a:t>:</a:t>
-            </a:r>
           </a:p>
           <a:p>
             <a:pPr marL="0" indent="0">
@@ -7863,12 +10298,91 @@
               <a:t>	</a:t>
             </a:r>
             <a:r>
-              <a:rPr lang="en-US" altLang="zh-CN" dirty="0" smtClean="0"/>
-              <a:t>NO_INCLUDE_PINPAD_SOURCE </a:t>
-            </a:r>
-            <a:r>
-              <a:rPr lang="zh-CN" altLang="en-US" dirty="0" smtClean="0"/>
-              <a:t>禁用</a:t>
+              <a:rPr lang="en-US" altLang="zh-CN" dirty="0" err="1" smtClean="0"/>
+              <a:t>Iinterrupter</a:t>
+            </a:r>
+            <a:r>
+              <a:rPr lang="en-US" altLang="zh-CN" dirty="0" smtClean="0"/>
+              <a:t>,</a:t>
+            </a:r>
+            <a:r>
+              <a:rPr lang="en-US" altLang="zh-CN" dirty="0"/>
+              <a:t> </a:t>
+            </a:r>
+            <a:r>
+              <a:rPr lang="en-US" altLang="zh-CN" dirty="0" err="1" smtClean="0"/>
+              <a:t>IBaseDevice</a:t>
+            </a:r>
+            <a:r>
+              <a:rPr lang="en-US" altLang="zh-CN" dirty="0" smtClean="0"/>
+              <a:t>,</a:t>
+            </a:r>
+            <a:r>
+              <a:rPr lang="en-US" altLang="zh-CN" dirty="0"/>
+              <a:t> </a:t>
+            </a:r>
+            <a:r>
+              <a:rPr lang="en-US" altLang="zh-CN" dirty="0" err="1"/>
+              <a:t>IInteractiveTrans</a:t>
+            </a:r>
+            <a:endParaRPr lang="en-US" altLang="zh-CN" dirty="0" smtClean="0"/>
+          </a:p>
+          <a:p>
+            <a:r>
+              <a:rPr lang="zh-CN" altLang="zh-CN" dirty="0"/>
+              <a:t>所有行为的抽象类声明都以</a:t>
+            </a:r>
+            <a:r>
+              <a:rPr lang="en-US" altLang="zh-CN" dirty="0"/>
+              <a:t>: I</a:t>
+            </a:r>
+            <a:r>
+              <a:rPr lang="zh-CN" altLang="zh-CN" dirty="0"/>
+              <a:t>开头</a:t>
+            </a:r>
+            <a:r>
+              <a:rPr lang="en-US" altLang="zh-CN" dirty="0"/>
+              <a:t>,</a:t>
+            </a:r>
+            <a:r>
+              <a:rPr lang="zh-CN" altLang="zh-CN" dirty="0"/>
+              <a:t>以</a:t>
+            </a:r>
+            <a:r>
+              <a:rPr lang="en-US" altLang="zh-CN" dirty="0"/>
+              <a:t>Behavior</a:t>
+            </a:r>
+            <a:r>
+              <a:rPr lang="zh-CN" altLang="zh-CN" dirty="0"/>
+              <a:t>结尾</a:t>
+            </a:r>
+            <a:r>
+              <a:rPr lang="en-US" altLang="zh-CN" dirty="0"/>
+              <a:t>, </a:t>
+            </a:r>
+            <a:r>
+              <a:rPr lang="zh-CN" altLang="zh-CN" dirty="0"/>
+              <a:t>名称和行为接口完全一致</a:t>
+            </a:r>
+            <a:r>
+              <a:rPr lang="en-US" altLang="zh-CN" dirty="0"/>
+              <a:t>,</a:t>
+            </a:r>
+            <a:r>
+              <a:rPr lang="zh-CN" altLang="zh-CN" dirty="0"/>
+              <a:t>但是不以</a:t>
+            </a:r>
+            <a:r>
+              <a:rPr lang="en-US" altLang="zh-CN" dirty="0"/>
+              <a:t>I</a:t>
+            </a:r>
+            <a:r>
+              <a:rPr lang="zh-CN" altLang="zh-CN" dirty="0"/>
+              <a:t>开头的表示该行为接口的默认实现</a:t>
+            </a:r>
+            <a:r>
+              <a:rPr lang="zh-CN" altLang="zh-CN" dirty="0" smtClean="0"/>
+              <a:t>类</a:t>
             </a:r>
             <a:endParaRPr lang="en-US" altLang="zh-CN" dirty="0" smtClean="0"/>
           </a:p>
@@ -7880,14 +10394,48 @@
               <a:rPr lang="en-US" altLang="zh-CN" dirty="0"/>
               <a:t>	</a:t>
             </a:r>
-            <a:endParaRPr lang="zh-CN" altLang="en-US" dirty="0"/>
+            <a:r>
+              <a:rPr lang="en-US" altLang="zh-CN" dirty="0" err="1"/>
+              <a:t>ITimeoutBehavior</a:t>
+            </a:r>
+            <a:r>
+              <a:rPr lang="en-US" altLang="zh-CN" dirty="0"/>
+              <a:t> =&gt; </a:t>
+            </a:r>
+            <a:r>
+              <a:rPr lang="en-US" altLang="zh-CN" dirty="0" err="1"/>
+              <a:t>TimeoutBehavior</a:t>
+            </a:r>
+            <a:endParaRPr lang="zh-CN" altLang="zh-CN" dirty="0"/>
+          </a:p>
+          <a:p>
+            <a:pPr marL="0" indent="0">
+              <a:buNone/>
+            </a:pPr>
+            <a:r>
+              <a:rPr lang="en-US" altLang="zh-CN" dirty="0" smtClean="0"/>
+              <a:t>	</a:t>
+            </a:r>
+            <a:r>
+              <a:rPr lang="en-US" altLang="zh-CN" dirty="0" err="1"/>
+              <a:t>ILastErrBehavior</a:t>
+            </a:r>
+            <a:r>
+              <a:rPr lang="en-US" altLang="zh-CN" dirty="0"/>
+              <a:t> =&gt; </a:t>
+            </a:r>
+            <a:r>
+              <a:rPr lang="en-US" altLang="zh-CN" dirty="0" err="1" smtClean="0"/>
+              <a:t>LastErrBehavior</a:t>
+            </a:r>
+            <a:endParaRPr lang="zh-CN" altLang="zh-CN" dirty="0"/>
           </a:p>
         </p:txBody>
       </p:sp>
     </p:spTree>
     <p:extLst>
       <p:ext uri="{BB962C8B-B14F-4D97-AF65-F5344CB8AC3E}">
-        <p14:creationId xmlns:p14="http://schemas.microsoft.com/office/powerpoint/2010/main" val="2518657606"/>
+        <p14:creationId xmlns:p14="http://schemas.microsoft.com/office/powerpoint/2010/main" val="1558315592"/>
       </p:ext>
     </p:extLst>
   </p:cSld>
@@ -7916,7 +10464,7 @@
       </p:grpSpPr>
       <p:sp>
         <p:nvSpPr>
-          <p:cNvPr id="4" name="标题 3"/>
+          <p:cNvPr id="2" name="标题 1"/>
           <p:cNvSpPr>
             <a:spLocks noGrp="1"/>
           </p:cNvSpPr>
@@ -7931,11 +10479,11 @@
           <a:p>
             <a:r>
               <a:rPr lang="zh-CN" altLang="en-US" dirty="0" smtClean="0"/>
-              <a:t>谢谢</a:t>
-            </a:r>
-            <a:r>
-              <a:rPr lang="en-US" altLang="zh-CN" dirty="0" smtClean="0"/>
-              <a:t>!</a:t>
+              <a:t>命名</a:t>
+            </a:r>
+            <a:r>
+              <a:rPr lang="en-US" altLang="zh-CN" dirty="0" smtClean="0"/>
+              <a:t>:</a:t>
             </a:r>
             <a:endParaRPr lang="zh-CN" altLang="en-US" dirty="0"/>
           </a:p>
@@ -7943,46 +10491,390 @@
       </p:sp>
       <p:sp>
         <p:nvSpPr>
-          <p:cNvPr id="7" name="文本占位符 6"/>
-          <p:cNvSpPr>
-            <a:spLocks noGrp="1"/>
-          </p:cNvSpPr>
-          <p:nvPr>
-            <p:ph type="body" sz="quarter" idx="13"/>
-          </p:nvPr>
-        </p:nvSpPr>
-        <p:spPr/>
-        <p:txBody>
-          <a:bodyPr/>
+          <p:cNvPr id="3" name="内容占位符 2"/>
+          <p:cNvSpPr>
+            <a:spLocks noGrp="1"/>
+          </p:cNvSpPr>
+          <p:nvPr>
+            <p:ph idx="1"/>
+          </p:nvPr>
+        </p:nvSpPr>
+        <p:spPr>
+          <a:xfrm>
+            <a:off x="677334" y="1454331"/>
+            <a:ext cx="8596668" cy="4743785"/>
+          </a:xfrm>
+        </p:spPr>
+        <p:txBody>
+          <a:bodyPr>
+            <a:normAutofit fontScale="92500" lnSpcReduction="20000"/>
+          </a:bodyPr>
           <a:lstStyle/>
           <a:p>
             <a:r>
+              <a:rPr lang="zh-CN" altLang="zh-CN" dirty="0"/>
+              <a:t>所有基本的底层设备类都以</a:t>
+            </a:r>
+            <a:r>
               <a:rPr lang="en-US" altLang="zh-CN" dirty="0"/>
-              <a:t>z</a:t>
-            </a:r>
-            <a:r>
-              <a:rPr lang="en-US" altLang="zh-CN" dirty="0" smtClean="0"/>
-              <a:t>hyioo@vip.qq.com</a:t>
-            </a:r>
-            <a:endParaRPr lang="zh-CN" altLang="en-US" dirty="0"/>
-          </a:p>
-        </p:txBody>
-      </p:sp>
-      <p:sp>
-        <p:nvSpPr>
-          <p:cNvPr id="6" name="文本占位符 5"/>
-          <p:cNvSpPr>
-            <a:spLocks noGrp="1"/>
-          </p:cNvSpPr>
-          <p:nvPr>
-            <p:ph type="body" idx="1"/>
-          </p:nvPr>
-        </p:nvSpPr>
-        <p:spPr/>
-        <p:txBody>
-          <a:bodyPr/>
-          <a:lstStyle/>
-          <a:p>
+              <a:t>: Device </a:t>
+            </a:r>
+            <a:r>
+              <a:rPr lang="zh-CN" altLang="zh-CN" dirty="0" smtClean="0"/>
+              <a:t>结尾</a:t>
+            </a:r>
+            <a:endParaRPr lang="en-US" altLang="zh-CN" dirty="0" smtClean="0"/>
+          </a:p>
+          <a:p>
+            <a:pPr marL="0" indent="0">
+              <a:buNone/>
+            </a:pPr>
+            <a:r>
+              <a:rPr lang="en-US" altLang="zh-CN" dirty="0"/>
+              <a:t>	</a:t>
+            </a:r>
+            <a:r>
+              <a:rPr lang="en-US" altLang="zh-CN" dirty="0" err="1"/>
+              <a:t>CCID_Device</a:t>
+            </a:r>
+            <a:r>
+              <a:rPr lang="en-US" altLang="zh-CN" dirty="0"/>
+              <a:t>, </a:t>
+            </a:r>
+            <a:r>
+              <a:rPr lang="en-US" altLang="zh-CN" dirty="0" err="1"/>
+              <a:t>ComDevice</a:t>
+            </a:r>
+            <a:r>
+              <a:rPr lang="en-US" altLang="zh-CN" dirty="0"/>
+              <a:t>, </a:t>
+            </a:r>
+            <a:r>
+              <a:rPr lang="en-US" altLang="zh-CN" dirty="0" err="1"/>
+              <a:t>FileDevice,BluetoothDevice</a:t>
+            </a:r>
+            <a:endParaRPr lang="zh-CN" altLang="zh-CN" dirty="0"/>
+          </a:p>
+          <a:p>
+            <a:r>
+              <a:rPr lang="zh-CN" altLang="zh-CN" dirty="0"/>
+              <a:t>所有设备层适配器</a:t>
+            </a:r>
+            <a:r>
+              <a:rPr lang="en-US" altLang="zh-CN" dirty="0"/>
+              <a:t>(</a:t>
+            </a:r>
+            <a:r>
+              <a:rPr lang="zh-CN" altLang="zh-CN" dirty="0"/>
+              <a:t>适配后对外仍然是一个设备</a:t>
+            </a:r>
+            <a:r>
+              <a:rPr lang="en-US" altLang="zh-CN" dirty="0"/>
+              <a:t>)</a:t>
+            </a:r>
+            <a:r>
+              <a:rPr lang="zh-CN" altLang="zh-CN" dirty="0"/>
+              <a:t>都以</a:t>
+            </a:r>
+            <a:r>
+              <a:rPr lang="en-US" altLang="zh-CN" dirty="0"/>
+              <a:t>: </a:t>
+            </a:r>
+            <a:r>
+              <a:rPr lang="en-US" altLang="zh-CN" dirty="0" err="1"/>
+              <a:t>DevAdapter</a:t>
+            </a:r>
+            <a:r>
+              <a:rPr lang="en-US" altLang="zh-CN" dirty="0"/>
+              <a:t> </a:t>
+            </a:r>
+            <a:r>
+              <a:rPr lang="zh-CN" altLang="zh-CN" dirty="0" smtClean="0"/>
+              <a:t>结尾</a:t>
+            </a:r>
+            <a:endParaRPr lang="en-US" altLang="zh-CN" dirty="0" smtClean="0"/>
+          </a:p>
+          <a:p>
+            <a:pPr marL="0" indent="0">
+              <a:buNone/>
+            </a:pPr>
+            <a:r>
+              <a:rPr lang="en-US" altLang="zh-CN" dirty="0"/>
+              <a:t>	</a:t>
+            </a:r>
+            <a:r>
+              <a:rPr lang="en-US" altLang="zh-CN" dirty="0" err="1"/>
+              <a:t>MagneticDevAdapter</a:t>
+            </a:r>
+            <a:r>
+              <a:rPr lang="en-US" altLang="zh-CN" dirty="0"/>
+              <a:t>, </a:t>
+            </a:r>
+            <a:r>
+              <a:rPr lang="en-US" altLang="zh-CN" dirty="0" err="1" smtClean="0"/>
+              <a:t>SdtApiDevAdapter</a:t>
+            </a:r>
+            <a:r>
+              <a:rPr lang="en-US" altLang="zh-CN" dirty="0" smtClean="0"/>
+              <a:t>, 	</a:t>
+            </a:r>
+            <a:r>
+              <a:rPr lang="en-US" altLang="zh-CN" dirty="0" err="1" smtClean="0"/>
+              <a:t>CCID_ContactStorageCardDevAdapter</a:t>
+            </a:r>
+            <a:endParaRPr lang="zh-CN" altLang="zh-CN" dirty="0"/>
+          </a:p>
+          <a:p>
+            <a:r>
+              <a:rPr lang="zh-CN" altLang="zh-CN" dirty="0"/>
+              <a:t>所有应用层适配都以</a:t>
+            </a:r>
+            <a:r>
+              <a:rPr lang="en-US" altLang="zh-CN" dirty="0"/>
+              <a:t>: </a:t>
+            </a:r>
+            <a:r>
+              <a:rPr lang="en-US" altLang="zh-CN" dirty="0" err="1"/>
+              <a:t>AppAdapter</a:t>
+            </a:r>
+            <a:r>
+              <a:rPr lang="zh-CN" altLang="zh-CN" dirty="0" smtClean="0"/>
+              <a:t>结尾</a:t>
+            </a:r>
+            <a:endParaRPr lang="en-US" altLang="zh-CN" dirty="0" smtClean="0"/>
+          </a:p>
+          <a:p>
+            <a:pPr marL="0" indent="0">
+              <a:buNone/>
+            </a:pPr>
+            <a:r>
+              <a:rPr lang="en-US" altLang="zh-CN" dirty="0"/>
+              <a:t>	</a:t>
+            </a:r>
+            <a:r>
+              <a:rPr lang="zh-CN" altLang="zh-CN" dirty="0"/>
+              <a:t> </a:t>
+            </a:r>
+            <a:r>
+              <a:rPr lang="en-US" altLang="zh-CN" dirty="0" err="1"/>
+              <a:t>ICCardAppAdapter</a:t>
+            </a:r>
+            <a:r>
+              <a:rPr lang="en-US" altLang="zh-CN" dirty="0"/>
+              <a:t>, </a:t>
+            </a:r>
+            <a:r>
+              <a:rPr lang="en-US" altLang="zh-CN" dirty="0" smtClean="0"/>
+              <a:t>PBOC_v2_0_AppAdapter</a:t>
+            </a:r>
+            <a:endParaRPr lang="zh-CN" altLang="zh-CN" dirty="0"/>
+          </a:p>
+          <a:p>
+            <a:r>
+              <a:rPr lang="zh-CN" altLang="zh-CN" dirty="0"/>
+              <a:t>所有对原有类进行扩展的类都以</a:t>
+            </a:r>
+            <a:r>
+              <a:rPr lang="en-US" altLang="zh-CN" dirty="0"/>
+              <a:t>: </a:t>
+            </a:r>
+            <a:r>
+              <a:rPr lang="en-US" altLang="zh-CN" dirty="0" err="1"/>
+              <a:t>Appender</a:t>
+            </a:r>
+            <a:r>
+              <a:rPr lang="zh-CN" altLang="zh-CN" dirty="0"/>
+              <a:t>结尾</a:t>
+            </a:r>
+          </a:p>
+          <a:p>
+            <a:pPr marL="0" indent="0">
+              <a:buNone/>
+            </a:pPr>
+            <a:r>
+              <a:rPr lang="en-US" altLang="zh-CN" dirty="0" smtClean="0"/>
+              <a:t>	</a:t>
+            </a:r>
+            <a:r>
+              <a:rPr lang="en-US" altLang="zh-CN" dirty="0" err="1" smtClean="0"/>
+              <a:t>ComHandlerAppender</a:t>
+            </a:r>
+            <a:r>
+              <a:rPr lang="en-US" altLang="zh-CN" dirty="0"/>
+              <a:t>, </a:t>
+            </a:r>
+            <a:r>
+              <a:rPr lang="en-US" altLang="zh-CN" dirty="0" err="1" smtClean="0"/>
+              <a:t>HidHandlerAppender</a:t>
+            </a:r>
+            <a:endParaRPr lang="en-US" altLang="zh-CN" dirty="0" smtClean="0"/>
+          </a:p>
+          <a:p>
+            <a:r>
+              <a:rPr lang="zh-CN" altLang="zh-CN" dirty="0"/>
+              <a:t>所有指令协议封装的适配器都以</a:t>
+            </a:r>
+            <a:r>
+              <a:rPr lang="en-US" altLang="zh-CN" dirty="0"/>
+              <a:t>: </a:t>
+            </a:r>
+            <a:r>
+              <a:rPr lang="en-US" altLang="zh-CN" dirty="0" err="1"/>
+              <a:t>CmdAdapter</a:t>
+            </a:r>
+            <a:r>
+              <a:rPr lang="zh-CN" altLang="zh-CN" dirty="0"/>
+              <a:t>结尾</a:t>
+            </a:r>
+            <a:endParaRPr lang="en-US" altLang="zh-CN" dirty="0"/>
+          </a:p>
+          <a:p>
+            <a:pPr marL="0" indent="0">
+              <a:buNone/>
+            </a:pPr>
+            <a:r>
+              <a:rPr lang="en-US" altLang="zh-CN" dirty="0"/>
+              <a:t>	</a:t>
+            </a:r>
+            <a:r>
+              <a:rPr lang="en-US" altLang="zh-CN" dirty="0" err="1"/>
+              <a:t>ComICCardCmdAdapter</a:t>
+            </a:r>
+            <a:r>
+              <a:rPr lang="en-US" altLang="zh-CN" dirty="0"/>
+              <a:t>, </a:t>
+            </a:r>
+            <a:r>
+              <a:rPr lang="en-US" altLang="zh-CN" dirty="0" err="1"/>
+              <a:t>HidCmdAdapter</a:t>
+            </a:r>
+            <a:r>
+              <a:rPr lang="en-US" altLang="zh-CN" dirty="0"/>
+              <a:t>, </a:t>
+            </a:r>
+            <a:r>
+              <a:rPr lang="en-US" altLang="zh-CN" dirty="0" err="1"/>
+              <a:t>PinDevCmdAdapter</a:t>
+            </a:r>
+            <a:endParaRPr lang="en-US" altLang="zh-CN" dirty="0"/>
+          </a:p>
+          <a:p>
+            <a:r>
+              <a:rPr lang="zh-CN" altLang="zh-CN" dirty="0"/>
+              <a:t>所有操作辅助类</a:t>
+            </a:r>
+            <a:r>
+              <a:rPr lang="en-US" altLang="zh-CN" dirty="0"/>
+              <a:t>(</a:t>
+            </a:r>
+            <a:r>
+              <a:rPr lang="zh-CN" altLang="zh-CN" dirty="0"/>
+              <a:t>调用原有类的方法进行封装</a:t>
+            </a:r>
+            <a:r>
+              <a:rPr lang="en-US" altLang="zh-CN" dirty="0"/>
+              <a:t>)</a:t>
+            </a:r>
+            <a:r>
+              <a:rPr lang="zh-CN" altLang="zh-CN" dirty="0"/>
+              <a:t>都为静态类</a:t>
+            </a:r>
+            <a:r>
+              <a:rPr lang="en-US" altLang="zh-CN" dirty="0"/>
+              <a:t>,</a:t>
+            </a:r>
+            <a:r>
+              <a:rPr lang="zh-CN" altLang="zh-CN" dirty="0"/>
+              <a:t>都以</a:t>
+            </a:r>
+            <a:r>
+              <a:rPr lang="en-US" altLang="zh-CN" dirty="0"/>
+              <a:t>: Helper</a:t>
+            </a:r>
+            <a:r>
+              <a:rPr lang="zh-CN" altLang="zh-CN" dirty="0" smtClean="0"/>
+              <a:t>结尾</a:t>
+            </a:r>
+            <a:endParaRPr lang="en-US" altLang="zh-CN" dirty="0" smtClean="0"/>
+          </a:p>
+          <a:p>
+            <a:pPr marL="0" indent="0">
+              <a:buNone/>
+            </a:pPr>
+            <a:r>
+              <a:rPr lang="en-US" altLang="zh-CN" dirty="0"/>
+              <a:t>	</a:t>
+            </a:r>
+            <a:r>
+              <a:rPr lang="zh-CN" altLang="zh-CN" dirty="0"/>
+              <a:t> </a:t>
+            </a:r>
+            <a:r>
+              <a:rPr lang="en-US" altLang="zh-CN" dirty="0" err="1" smtClean="0"/>
+              <a:t>DevHelper</a:t>
+            </a:r>
+            <a:r>
+              <a:rPr lang="en-US" altLang="zh-CN" dirty="0" smtClean="0"/>
+              <a:t>, </a:t>
+            </a:r>
+            <a:r>
+              <a:rPr lang="en-US" altLang="zh-CN" dirty="0" err="1"/>
+              <a:t>WinHelper</a:t>
+            </a:r>
+            <a:r>
+              <a:rPr lang="en-US" altLang="zh-CN" dirty="0"/>
+              <a:t>, </a:t>
+            </a:r>
+            <a:r>
+              <a:rPr lang="en-US" altLang="zh-CN" dirty="0" err="1" smtClean="0"/>
+              <a:t>WinTestHelper,WmiHelper</a:t>
+            </a:r>
+            <a:endParaRPr lang="zh-CN" altLang="zh-CN" dirty="0"/>
+          </a:p>
+          <a:p>
+            <a:r>
+              <a:rPr lang="zh-CN" altLang="zh-CN" dirty="0"/>
+              <a:t>所有数据加解密类都以</a:t>
+            </a:r>
+            <a:r>
+              <a:rPr lang="en-US" altLang="zh-CN" dirty="0"/>
+              <a:t>: Provider</a:t>
+            </a:r>
+            <a:r>
+              <a:rPr lang="zh-CN" altLang="zh-CN" dirty="0"/>
+              <a:t>结尾</a:t>
+            </a:r>
+          </a:p>
+          <a:p>
+            <a:pPr marL="0" indent="0">
+              <a:buNone/>
+            </a:pPr>
+            <a:r>
+              <a:rPr lang="en-US" altLang="zh-CN" dirty="0" smtClean="0"/>
+              <a:t>	</a:t>
+            </a:r>
+            <a:r>
+              <a:rPr lang="en-US" altLang="zh-CN" dirty="0"/>
+              <a:t>MD5_Provider, </a:t>
+            </a:r>
+            <a:r>
+              <a:rPr lang="en-US" altLang="zh-CN" dirty="0" err="1"/>
+              <a:t>DES_Provider</a:t>
+            </a:r>
+            <a:r>
+              <a:rPr lang="en-US" altLang="zh-CN" dirty="0"/>
+              <a:t>, </a:t>
+            </a:r>
+            <a:r>
+              <a:rPr lang="en-US" altLang="zh-CN" dirty="0" err="1"/>
+              <a:t>PBOC_Provider</a:t>
+            </a:r>
+            <a:endParaRPr lang="en-US" altLang="zh-CN" dirty="0" smtClean="0"/>
+          </a:p>
+          <a:p>
+            <a:pPr marL="0" indent="0">
+              <a:buNone/>
+            </a:pPr>
             <a:endParaRPr lang="zh-CN" altLang="en-US" dirty="0"/>
           </a:p>
         </p:txBody>
@@ -7990,7 +10882,7 @@
     </p:spTree>
     <p:extLst>
       <p:ext uri="{BB962C8B-B14F-4D97-AF65-F5344CB8AC3E}">
-        <p14:creationId xmlns:p14="http://schemas.microsoft.com/office/powerpoint/2010/main" val="2510496308"/>
+        <p14:creationId xmlns:p14="http://schemas.microsoft.com/office/powerpoint/2010/main" val="2953706118"/>
       </p:ext>
     </p:extLst>
   </p:cSld>
